--- a/Minimal Charm Blue variant.pptx
+++ b/Minimal Charm Blue variant.pptx
@@ -1,11 +1,11 @@
 
 <file path=ppt/presentation.xml><?xml version="1.0" encoding="utf-8"?>
-<p:presentation xmlns:a="http://schemas.openxmlformats.org/drawingml/2006/main" xmlns:r="http://schemas.openxmlformats.org/officeDocument/2006/relationships" xmlns:p="http://schemas.openxmlformats.org/presentationml/2006/main" strictFirstAndLastChars="0" embedTrueTypeFonts="1" saveSubsetFonts="1" autoCompressPictures="0">
+<p:presentation xmlns:a="http://schemas.openxmlformats.org/drawingml/2006/main" xmlns:r="http://schemas.openxmlformats.org/officeDocument/2006/relationships" xmlns:p="http://schemas.openxmlformats.org/presentationml/2006/main" strictFirstAndLastChars="0" saveSubsetFonts="1" autoCompressPictures="0">
   <p:sldMasterIdLst>
     <p:sldMasterId id="2147483675" r:id="rId1"/>
   </p:sldMasterIdLst>
   <p:notesMasterIdLst>
-    <p:notesMasterId r:id="rId17"/>
+    <p:notesMasterId r:id="rId18"/>
   </p:notesMasterIdLst>
   <p:sldIdLst>
     <p:sldId id="256" r:id="rId2"/>
@@ -20,47 +20,13 @@
     <p:sldId id="310" r:id="rId11"/>
     <p:sldId id="311" r:id="rId12"/>
     <p:sldId id="282" r:id="rId13"/>
-    <p:sldId id="271" r:id="rId14"/>
-    <p:sldId id="312" r:id="rId15"/>
-    <p:sldId id="285" r:id="rId16"/>
+    <p:sldId id="313" r:id="rId14"/>
+    <p:sldId id="271" r:id="rId15"/>
+    <p:sldId id="312" r:id="rId16"/>
+    <p:sldId id="285" r:id="rId17"/>
   </p:sldIdLst>
   <p:sldSz cx="9144000" cy="5143500" type="screen16x9"/>
   <p:notesSz cx="6858000" cy="9144000"/>
-  <p:embeddedFontLst>
-    <p:embeddedFont>
-      <p:font typeface="Ubuntu Light" panose="020B0604020202020204" charset="0"/>
-      <p:regular r:id="rId18"/>
-      <p:bold r:id="rId19"/>
-      <p:italic r:id="rId20"/>
-      <p:boldItalic r:id="rId21"/>
-    </p:embeddedFont>
-    <p:embeddedFont>
-      <p:font typeface="Ubuntu" panose="020B0604020202020204" charset="0"/>
-      <p:regular r:id="rId22"/>
-      <p:bold r:id="rId23"/>
-      <p:italic r:id="rId24"/>
-      <p:boldItalic r:id="rId25"/>
-    </p:embeddedFont>
-    <p:embeddedFont>
-      <p:font typeface="Bodoni" panose="020B0604020202020204" charset="0"/>
-      <p:regular r:id="rId26"/>
-      <p:bold r:id="rId27"/>
-      <p:italic r:id="rId28"/>
-      <p:boldItalic r:id="rId29"/>
-    </p:embeddedFont>
-    <p:embeddedFont>
-      <p:font typeface="Arvo" panose="020B0604020202020204" charset="0"/>
-      <p:regular r:id="rId30"/>
-      <p:bold r:id="rId31"/>
-      <p:italic r:id="rId32"/>
-      <p:boldItalic r:id="rId33"/>
-    </p:embeddedFont>
-    <p:embeddedFont>
-      <p:font typeface="Quicksand Light" panose="020B0604020202020204" charset="0"/>
-      <p:regular r:id="rId34"/>
-      <p:bold r:id="rId35"/>
-    </p:embeddedFont>
-  </p:embeddedFontLst>
   <p:defaultTextStyle>
     <a:defPPr marR="0" lvl="0" algn="l" rtl="0">
       <a:lnSpc>
@@ -308,6 +274,11 @@
             <a:srgbClr val="A4A3A4"/>
           </p15:clr>
         </p15:guide>
+        <p15:guide id="4" pos="2880">
+          <p15:clr>
+            <a:srgbClr val="A4A3A4"/>
+          </p15:clr>
+        </p15:guide>
       </p15:sldGuideLst>
     </p:ext>
   </p:extLst>
@@ -315,7 +286,7 @@
 </file>
 
 <file path=ppt/charts/chart1.xml><?xml version="1.0" encoding="utf-8"?>
-<c:chartSpace xmlns:c="http://schemas.openxmlformats.org/drawingml/2006/chart" xmlns:a="http://schemas.openxmlformats.org/drawingml/2006/main" xmlns:r="http://schemas.openxmlformats.org/officeDocument/2006/relationships" xmlns:c16r2="http://schemas.microsoft.com/office/drawing/2015/06/chart">
+<c:chartSpace xmlns:c="http://schemas.openxmlformats.org/drawingml/2006/chart" xmlns:a="http://schemas.openxmlformats.org/drawingml/2006/main" xmlns:r="http://schemas.openxmlformats.org/officeDocument/2006/relationships">
   <c:date1904 val="0"/>
   <c:lang val="en-US"/>
   <c:roundedCorners val="0"/>
@@ -474,7 +445,7 @@
             <c:showPercent val="0"/>
             <c:showBubbleSize val="0"/>
             <c:showLeaderLines val="0"/>
-            <c:extLst>
+            <c:extLst xmlns:c16r2="http://schemas.microsoft.com/office/drawing/2015/06/chart">
               <c:ext xmlns:c15="http://schemas.microsoft.com/office/drawing/2012/chart" uri="{CE6537A1-D6FC-4f65-9D91-7224C49458BB}">
                 <c15:layout/>
                 <c15:showLeaderLines val="1"/>
@@ -537,7 +508,7 @@
                 <c:formatCode>0%</c:formatCode>
                 <c:ptCount val="9"/>
                 <c:pt idx="0">
-                  <c:v>1</c:v>
+                  <c:v>1.0</c:v>
                 </c:pt>
                 <c:pt idx="1">
                   <c:v>0.73</c:v>
@@ -549,25 +520,25 @@
                   <c:v>0.3</c:v>
                 </c:pt>
                 <c:pt idx="4">
-                  <c:v>0</c:v>
+                  <c:v>0.0</c:v>
                 </c:pt>
                 <c:pt idx="5">
-                  <c:v>0</c:v>
+                  <c:v>0.0</c:v>
                 </c:pt>
                 <c:pt idx="6">
-                  <c:v>0</c:v>
+                  <c:v>0.0</c:v>
                 </c:pt>
                 <c:pt idx="7">
-                  <c:v>0</c:v>
+                  <c:v>0.0</c:v>
                 </c:pt>
                 <c:pt idx="8">
-                  <c:v>0</c:v>
+                  <c:v>0.0</c:v>
                 </c:pt>
               </c:numCache>
             </c:numRef>
           </c:val>
           <c:smooth val="0"/>
-          <c:extLst>
+          <c:extLst xmlns:c16r2="http://schemas.microsoft.com/office/drawing/2015/06/chart">
             <c:ext xmlns:c16="http://schemas.microsoft.com/office/drawing/2014/chart" uri="{C3380CC4-5D6E-409C-BE32-E72D297353CC}">
               <c16:uniqueId val="{00000000-562A-44B2-8DF8-0C43A0D0EB72}"/>
             </c:ext>
@@ -622,8 +593,8 @@
               <c:idx val="1"/>
               <c:layout>
                 <c:manualLayout>
-                  <c:x val="-3.7696538025872701E-2"/>
-                  <c:y val="2.7725336313638702E-2"/>
+                  <c:x val="-0.0376965380258727"/>
+                  <c:y val="0.0277253363136387"/>
                 </c:manualLayout>
               </c:layout>
               <c:showLegendKey val="0"/>
@@ -632,12 +603,12 @@
               <c:showSerName val="0"/>
               <c:showPercent val="0"/>
               <c:showBubbleSize val="0"/>
-              <c:extLst>
+              <c:extLst xmlns:c16r2="http://schemas.microsoft.com/office/drawing/2015/06/chart">
+                <c:ext xmlns:c16="http://schemas.microsoft.com/office/drawing/2014/chart" uri="{C3380CC4-5D6E-409C-BE32-E72D297353CC}">
+                  <c16:uniqueId val="{00000001-562A-44B2-8DF8-0C43A0D0EB72}"/>
+                </c:ext>
                 <c:ext xmlns:c15="http://schemas.microsoft.com/office/drawing/2012/chart" uri="{CE6537A1-D6FC-4f65-9D91-7224C49458BB}">
                   <c15:layout/>
-                </c:ext>
-                <c:ext xmlns:c16="http://schemas.microsoft.com/office/drawing/2014/chart" uri="{C3380CC4-5D6E-409C-BE32-E72D297353CC}">
-                  <c16:uniqueId val="{00000001-562A-44B2-8DF8-0C43A0D0EB72}"/>
                 </c:ext>
               </c:extLst>
             </c:dLbl>
@@ -645,8 +616,8 @@
               <c:idx val="2"/>
               <c:layout>
                 <c:manualLayout>
-                  <c:x val="-3.7528840859334799E-2"/>
-                  <c:y val="2.3606331701701001E-2"/>
+                  <c:x val="-0.0375288408593348"/>
+                  <c:y val="0.023606331701701"/>
                 </c:manualLayout>
               </c:layout>
               <c:showLegendKey val="0"/>
@@ -655,12 +626,12 @@
               <c:showSerName val="0"/>
               <c:showPercent val="0"/>
               <c:showBubbleSize val="0"/>
-              <c:extLst>
+              <c:extLst xmlns:c16r2="http://schemas.microsoft.com/office/drawing/2015/06/chart">
+                <c:ext xmlns:c16="http://schemas.microsoft.com/office/drawing/2014/chart" uri="{C3380CC4-5D6E-409C-BE32-E72D297353CC}">
+                  <c16:uniqueId val="{00000002-562A-44B2-8DF8-0C43A0D0EB72}"/>
+                </c:ext>
                 <c:ext xmlns:c15="http://schemas.microsoft.com/office/drawing/2012/chart" uri="{CE6537A1-D6FC-4f65-9D91-7224C49458BB}">
                   <c15:layout/>
-                </c:ext>
-                <c:ext xmlns:c16="http://schemas.microsoft.com/office/drawing/2014/chart" uri="{C3380CC4-5D6E-409C-BE32-E72D297353CC}">
-                  <c16:uniqueId val="{00000002-562A-44B2-8DF8-0C43A0D0EB72}"/>
                 </c:ext>
               </c:extLst>
             </c:dLbl>
@@ -668,8 +639,8 @@
               <c:idx val="3"/>
               <c:layout>
                 <c:manualLayout>
-                  <c:x val="-3.58230271602707E-2"/>
-                  <c:y val="2.8042542711514001E-2"/>
+                  <c:x val="-0.0358230271602707"/>
+                  <c:y val="0.028042542711514"/>
                 </c:manualLayout>
               </c:layout>
               <c:showLegendKey val="0"/>
@@ -678,12 +649,12 @@
               <c:showSerName val="0"/>
               <c:showPercent val="0"/>
               <c:showBubbleSize val="0"/>
-              <c:extLst>
+              <c:extLst xmlns:c16r2="http://schemas.microsoft.com/office/drawing/2015/06/chart">
+                <c:ext xmlns:c16="http://schemas.microsoft.com/office/drawing/2014/chart" uri="{C3380CC4-5D6E-409C-BE32-E72D297353CC}">
+                  <c16:uniqueId val="{00000003-562A-44B2-8DF8-0C43A0D0EB72}"/>
+                </c:ext>
                 <c:ext xmlns:c15="http://schemas.microsoft.com/office/drawing/2012/chart" uri="{CE6537A1-D6FC-4f65-9D91-7224C49458BB}">
                   <c15:layout/>
-                </c:ext>
-                <c:ext xmlns:c16="http://schemas.microsoft.com/office/drawing/2014/chart" uri="{C3380CC4-5D6E-409C-BE32-E72D297353CC}">
-                  <c16:uniqueId val="{00000003-562A-44B2-8DF8-0C43A0D0EB72}"/>
                 </c:ext>
               </c:extLst>
             </c:dLbl>
@@ -691,8 +662,8 @@
               <c:idx val="4"/>
               <c:layout>
                 <c:manualLayout>
-                  <c:x val="-3.5823012558202402E-2"/>
-                  <c:y val="1.8535729280403399E-2"/>
+                  <c:x val="-0.0358230125582024"/>
+                  <c:y val="0.0185357292804034"/>
                 </c:manualLayout>
               </c:layout>
               <c:showLegendKey val="0"/>
@@ -701,12 +672,12 @@
               <c:showSerName val="0"/>
               <c:showPercent val="0"/>
               <c:showBubbleSize val="0"/>
-              <c:extLst>
+              <c:extLst xmlns:c16r2="http://schemas.microsoft.com/office/drawing/2015/06/chart">
+                <c:ext xmlns:c16="http://schemas.microsoft.com/office/drawing/2014/chart" uri="{C3380CC4-5D6E-409C-BE32-E72D297353CC}">
+                  <c16:uniqueId val="{00000004-562A-44B2-8DF8-0C43A0D0EB72}"/>
+                </c:ext>
                 <c:ext xmlns:c15="http://schemas.microsoft.com/office/drawing/2012/chart" uri="{CE6537A1-D6FC-4f65-9D91-7224C49458BB}">
                   <c15:layout/>
-                </c:ext>
-                <c:ext xmlns:c16="http://schemas.microsoft.com/office/drawing/2014/chart" uri="{C3380CC4-5D6E-409C-BE32-E72D297353CC}">
-                  <c16:uniqueId val="{00000004-562A-44B2-8DF8-0C43A0D0EB72}"/>
                 </c:ext>
               </c:extLst>
             </c:dLbl>
@@ -714,8 +685,8 @@
               <c:idx val="5"/>
               <c:layout>
                 <c:manualLayout>
-                  <c:x val="-3.8721980363554301E-2"/>
-                  <c:y val="2.5192176548659601E-2"/>
+                  <c:x val="-0.0387219803635543"/>
+                  <c:y val="0.0251921765486596"/>
                 </c:manualLayout>
               </c:layout>
               <c:showLegendKey val="0"/>
@@ -724,12 +695,12 @@
               <c:showSerName val="0"/>
               <c:showPercent val="0"/>
               <c:showBubbleSize val="0"/>
-              <c:extLst>
+              <c:extLst xmlns:c16r2="http://schemas.microsoft.com/office/drawing/2015/06/chart">
+                <c:ext xmlns:c16="http://schemas.microsoft.com/office/drawing/2014/chart" uri="{C3380CC4-5D6E-409C-BE32-E72D297353CC}">
+                  <c16:uniqueId val="{00000005-562A-44B2-8DF8-0C43A0D0EB72}"/>
+                </c:ext>
                 <c:ext xmlns:c15="http://schemas.microsoft.com/office/drawing/2012/chart" uri="{CE6537A1-D6FC-4f65-9D91-7224C49458BB}">
                   <c15:layout/>
-                </c:ext>
-                <c:ext xmlns:c16="http://schemas.microsoft.com/office/drawing/2014/chart" uri="{C3380CC4-5D6E-409C-BE32-E72D297353CC}">
-                  <c16:uniqueId val="{00000005-562A-44B2-8DF8-0C43A0D0EB72}"/>
                 </c:ext>
               </c:extLst>
             </c:dLbl>
@@ -737,8 +708,8 @@
               <c:idx val="6"/>
               <c:layout>
                 <c:manualLayout>
-                  <c:x val="-3.4117119513214202E-2"/>
-                  <c:y val="3.9926086230734598E-2"/>
+                  <c:x val="-0.0341171195132142"/>
+                  <c:y val="0.0399260862307346"/>
                 </c:manualLayout>
               </c:layout>
               <c:showLegendKey val="0"/>
@@ -747,12 +718,12 @@
               <c:showSerName val="0"/>
               <c:showPercent val="0"/>
               <c:showBubbleSize val="0"/>
-              <c:extLst>
+              <c:extLst xmlns:c16r2="http://schemas.microsoft.com/office/drawing/2015/06/chart">
+                <c:ext xmlns:c16="http://schemas.microsoft.com/office/drawing/2014/chart" uri="{C3380CC4-5D6E-409C-BE32-E72D297353CC}">
+                  <c16:uniqueId val="{00000006-562A-44B2-8DF8-0C43A0D0EB72}"/>
+                </c:ext>
                 <c:ext xmlns:c15="http://schemas.microsoft.com/office/drawing/2012/chart" uri="{CE6537A1-D6FC-4f65-9D91-7224C49458BB}">
                   <c15:layout/>
-                </c:ext>
-                <c:ext xmlns:c16="http://schemas.microsoft.com/office/drawing/2014/chart" uri="{C3380CC4-5D6E-409C-BE32-E72D297353CC}">
-                  <c16:uniqueId val="{00000006-562A-44B2-8DF8-0C43A0D0EB72}"/>
                 </c:ext>
               </c:extLst>
             </c:dLbl>
@@ -760,8 +731,8 @@
               <c:idx val="7"/>
               <c:layout>
                 <c:manualLayout>
-                  <c:x val="-2.4049746589382501E-2"/>
-                  <c:y val="3.2161547323451702E-2"/>
+                  <c:x val="-0.0240497465893825"/>
+                  <c:y val="0.0321615473234517"/>
                 </c:manualLayout>
               </c:layout>
               <c:showLegendKey val="0"/>
@@ -770,12 +741,12 @@
               <c:showSerName val="0"/>
               <c:showPercent val="0"/>
               <c:showBubbleSize val="0"/>
-              <c:extLst>
+              <c:extLst xmlns:c16r2="http://schemas.microsoft.com/office/drawing/2015/06/chart">
+                <c:ext xmlns:c16="http://schemas.microsoft.com/office/drawing/2014/chart" uri="{C3380CC4-5D6E-409C-BE32-E72D297353CC}">
+                  <c16:uniqueId val="{00000007-562A-44B2-8DF8-0C43A0D0EB72}"/>
+                </c:ext>
                 <c:ext xmlns:c15="http://schemas.microsoft.com/office/drawing/2012/chart" uri="{CE6537A1-D6FC-4f65-9D91-7224C49458BB}">
                   <c15:layout/>
-                </c:ext>
-                <c:ext xmlns:c16="http://schemas.microsoft.com/office/drawing/2014/chart" uri="{C3380CC4-5D6E-409C-BE32-E72D297353CC}">
-                  <c16:uniqueId val="{00000007-562A-44B2-8DF8-0C43A0D0EB72}"/>
                 </c:ext>
               </c:extLst>
             </c:dLbl>
@@ -783,8 +754,8 @@
               <c:idx val="8"/>
               <c:layout>
                 <c:manualLayout>
-                  <c:x val="-4.77255801687831E-3"/>
-                  <c:y val="3.08972131499737E-2"/>
+                  <c:x val="-0.00477255801687831"/>
+                  <c:y val="0.0308972131499737"/>
                 </c:manualLayout>
               </c:layout>
               <c:showLegendKey val="0"/>
@@ -793,12 +764,12 @@
               <c:showSerName val="0"/>
               <c:showPercent val="0"/>
               <c:showBubbleSize val="0"/>
-              <c:extLst>
+              <c:extLst xmlns:c16r2="http://schemas.microsoft.com/office/drawing/2015/06/chart">
+                <c:ext xmlns:c16="http://schemas.microsoft.com/office/drawing/2014/chart" uri="{C3380CC4-5D6E-409C-BE32-E72D297353CC}">
+                  <c16:uniqueId val="{00000008-562A-44B2-8DF8-0C43A0D0EB72}"/>
+                </c:ext>
                 <c:ext xmlns:c15="http://schemas.microsoft.com/office/drawing/2012/chart" uri="{CE6537A1-D6FC-4f65-9D91-7224C49458BB}">
                   <c15:layout/>
-                </c:ext>
-                <c:ext xmlns:c16="http://schemas.microsoft.com/office/drawing/2014/chart" uri="{C3380CC4-5D6E-409C-BE32-E72D297353CC}">
-                  <c16:uniqueId val="{00000008-562A-44B2-8DF8-0C43A0D0EB72}"/>
                 </c:ext>
               </c:extLst>
             </c:dLbl>
@@ -838,7 +809,7 @@
             <c:showPercent val="0"/>
             <c:showBubbleSize val="0"/>
             <c:showLeaderLines val="0"/>
-            <c:extLst>
+            <c:extLst xmlns:c16r2="http://schemas.microsoft.com/office/drawing/2015/06/chart">
               <c:ext xmlns:c15="http://schemas.microsoft.com/office/drawing/2012/chart" uri="{CE6537A1-D6FC-4f65-9D91-7224C49458BB}">
                 <c15:layout/>
                 <c15:showLeaderLines val="1"/>
@@ -901,7 +872,7 @@
                 <c:formatCode>0%</c:formatCode>
                 <c:ptCount val="9"/>
                 <c:pt idx="0">
-                  <c:v>1</c:v>
+                  <c:v>1.0</c:v>
                 </c:pt>
                 <c:pt idx="1">
                   <c:v>0.96</c:v>
@@ -931,7 +902,7 @@
             </c:numRef>
           </c:val>
           <c:smooth val="0"/>
-          <c:extLst>
+          <c:extLst xmlns:c16r2="http://schemas.microsoft.com/office/drawing/2015/06/chart">
             <c:ext xmlns:c16="http://schemas.microsoft.com/office/drawing/2014/chart" uri="{C3380CC4-5D6E-409C-BE32-E72D297353CC}">
               <c16:uniqueId val="{00000009-562A-44B2-8DF8-0C43A0D0EB72}"/>
             </c:ext>
@@ -979,19 +950,19 @@
             <c:dLbl>
               <c:idx val="0"/>
               <c:delete val="1"/>
-              <c:extLst>
-                <c:ext xmlns:c15="http://schemas.microsoft.com/office/drawing/2012/chart" uri="{CE6537A1-D6FC-4f65-9D91-7224C49458BB}"/>
+              <c:extLst xmlns:c16r2="http://schemas.microsoft.com/office/drawing/2015/06/chart">
                 <c:ext xmlns:c16="http://schemas.microsoft.com/office/drawing/2014/chart" uri="{C3380CC4-5D6E-409C-BE32-E72D297353CC}">
                   <c16:uniqueId val="{0000000A-562A-44B2-8DF8-0C43A0D0EB72}"/>
                 </c:ext>
+                <c:ext xmlns:c15="http://schemas.microsoft.com/office/drawing/2012/chart" uri="{CE6537A1-D6FC-4f65-9D91-7224C49458BB}"/>
               </c:extLst>
             </c:dLbl>
             <c:dLbl>
               <c:idx val="1"/>
               <c:layout>
                 <c:manualLayout>
-                  <c:x val="-1.7058559756607101E-2"/>
-                  <c:y val="-3.5172668823046399E-2"/>
+                  <c:x val="-0.0170585597566071"/>
+                  <c:y val="-0.0351726688230464"/>
                 </c:manualLayout>
               </c:layout>
               <c:showLegendKey val="0"/>
@@ -1000,17 +971,17 @@
               <c:showSerName val="0"/>
               <c:showPercent val="0"/>
               <c:showBubbleSize val="0"/>
-              <c:extLst>
+              <c:extLst xmlns:c16r2="http://schemas.microsoft.com/office/drawing/2015/06/chart">
+                <c:ext xmlns:c16="http://schemas.microsoft.com/office/drawing/2014/chart" uri="{C3380CC4-5D6E-409C-BE32-E72D297353CC}">
+                  <c16:uniqueId val="{0000000B-562A-44B2-8DF8-0C43A0D0EB72}"/>
+                </c:ext>
                 <c:ext xmlns:c15="http://schemas.microsoft.com/office/drawing/2012/chart" uri="{CE6537A1-D6FC-4f65-9D91-7224C49458BB}">
                   <c15:layout>
                     <c:manualLayout>
-                      <c:w val="3.09272008419147E-2"/>
-                      <c:h val="3.6268243625322702E-2"/>
+                      <c:w val="0.0309272008419147"/>
+                      <c:h val="0.0362682436253227"/>
                     </c:manualLayout>
                   </c15:layout>
-                </c:ext>
-                <c:ext xmlns:c16="http://schemas.microsoft.com/office/drawing/2014/chart" uri="{C3380CC4-5D6E-409C-BE32-E72D297353CC}">
-                  <c16:uniqueId val="{0000000B-562A-44B2-8DF8-0C43A0D0EB72}"/>
                 </c:ext>
               </c:extLst>
             </c:dLbl>
@@ -1018,8 +989,8 @@
               <c:idx val="2"/>
               <c:layout>
                 <c:manualLayout>
-                  <c:x val="-1.0235117064365799E-2"/>
-                  <c:y val="-3.8974467037108801E-2"/>
+                  <c:x val="-0.0102351170643658"/>
+                  <c:y val="-0.0389744670371088"/>
                 </c:manualLayout>
               </c:layout>
               <c:showLegendKey val="0"/>
@@ -1028,17 +999,17 @@
               <c:showSerName val="0"/>
               <c:showPercent val="0"/>
               <c:showBubbleSize val="0"/>
-              <c:extLst>
+              <c:extLst xmlns:c16r2="http://schemas.microsoft.com/office/drawing/2015/06/chart">
+                <c:ext xmlns:c16="http://schemas.microsoft.com/office/drawing/2014/chart" uri="{C3380CC4-5D6E-409C-BE32-E72D297353CC}">
+                  <c16:uniqueId val="{0000000C-562A-44B2-8DF8-0C43A0D0EB72}"/>
+                </c:ext>
                 <c:ext xmlns:c15="http://schemas.microsoft.com/office/drawing/2012/chart" uri="{CE6537A1-D6FC-4f65-9D91-7224C49458BB}">
                   <c15:layout>
                     <c:manualLayout>
-                      <c:w val="3.09272008419147E-2"/>
-                      <c:h val="3.6268243625322702E-2"/>
+                      <c:w val="0.0309272008419147"/>
+                      <c:h val="0.0362682436253227"/>
                     </c:manualLayout>
                   </c15:layout>
-                </c:ext>
-                <c:ext xmlns:c16="http://schemas.microsoft.com/office/drawing/2014/chart" uri="{C3380CC4-5D6E-409C-BE32-E72D297353CC}">
-                  <c16:uniqueId val="{0000000C-562A-44B2-8DF8-0C43A0D0EB72}"/>
                 </c:ext>
               </c:extLst>
             </c:dLbl>
@@ -1046,8 +1017,8 @@
               <c:idx val="3"/>
               <c:layout>
                 <c:manualLayout>
-                  <c:x val="-1.74036307329061E-2"/>
-                  <c:y val="-4.2302794934578801E-2"/>
+                  <c:x val="-0.0174036307329061"/>
+                  <c:y val="-0.0423027949345788"/>
                 </c:manualLayout>
               </c:layout>
               <c:showLegendKey val="0"/>
@@ -1056,17 +1027,17 @@
               <c:showSerName val="0"/>
               <c:showPercent val="0"/>
               <c:showBubbleSize val="0"/>
-              <c:extLst>
+              <c:extLst xmlns:c16r2="http://schemas.microsoft.com/office/drawing/2015/06/chart">
+                <c:ext xmlns:c16="http://schemas.microsoft.com/office/drawing/2014/chart" uri="{C3380CC4-5D6E-409C-BE32-E72D297353CC}">
+                  <c16:uniqueId val="{0000000D-562A-44B2-8DF8-0C43A0D0EB72}"/>
+                </c:ext>
                 <c:ext xmlns:c15="http://schemas.microsoft.com/office/drawing/2012/chart" uri="{CE6537A1-D6FC-4f65-9D91-7224C49458BB}">
                   <c15:layout>
                     <c:manualLayout>
-                      <c:w val="3.09272008419147E-2"/>
-                      <c:h val="3.6268243625322702E-2"/>
+                      <c:w val="0.0309272008419147"/>
+                      <c:h val="0.0362682436253227"/>
                     </c:manualLayout>
                   </c15:layout>
-                </c:ext>
-                <c:ext xmlns:c16="http://schemas.microsoft.com/office/drawing/2014/chart" uri="{C3380CC4-5D6E-409C-BE32-E72D297353CC}">
-                  <c16:uniqueId val="{0000000D-562A-44B2-8DF8-0C43A0D0EB72}"/>
                 </c:ext>
               </c:extLst>
             </c:dLbl>
@@ -1074,8 +1045,8 @@
               <c:idx val="4"/>
               <c:layout>
                 <c:manualLayout>
-                  <c:x val="-1.31341642156418E-2"/>
-                  <c:y val="-4.3727884444797097E-2"/>
+                  <c:x val="-0.0131341642156418"/>
+                  <c:y val="-0.0437278844447971"/>
                 </c:manualLayout>
               </c:layout>
               <c:showLegendKey val="0"/>
@@ -1084,17 +1055,17 @@
               <c:showSerName val="0"/>
               <c:showPercent val="0"/>
               <c:showBubbleSize val="0"/>
-              <c:extLst>
+              <c:extLst xmlns:c16r2="http://schemas.microsoft.com/office/drawing/2015/06/chart">
+                <c:ext xmlns:c16="http://schemas.microsoft.com/office/drawing/2014/chart" uri="{C3380CC4-5D6E-409C-BE32-E72D297353CC}">
+                  <c16:uniqueId val="{0000000E-562A-44B2-8DF8-0C43A0D0EB72}"/>
+                </c:ext>
                 <c:ext xmlns:c15="http://schemas.microsoft.com/office/drawing/2012/chart" uri="{CE6537A1-D6FC-4f65-9D91-7224C49458BB}">
                   <c15:layout>
                     <c:manualLayout>
-                      <c:w val="3.09272008419147E-2"/>
-                      <c:h val="3.6268243625322702E-2"/>
+                      <c:w val="0.0309272008419147"/>
+                      <c:h val="0.0362682436253227"/>
                     </c:manualLayout>
                   </c15:layout>
-                </c:ext>
-                <c:ext xmlns:c16="http://schemas.microsoft.com/office/drawing/2014/chart" uri="{C3380CC4-5D6E-409C-BE32-E72D297353CC}">
-                  <c16:uniqueId val="{0000000E-562A-44B2-8DF8-0C43A0D0EB72}"/>
                 </c:ext>
               </c:extLst>
             </c:dLbl>
@@ -1102,8 +1073,8 @@
               <c:idx val="5"/>
               <c:layout>
                 <c:manualLayout>
-                  <c:x val="-1.36468384104864E-2"/>
-                  <c:y val="-3.0736457813233399E-2"/>
+                  <c:x val="-0.0136468384104864"/>
+                  <c:y val="-0.0307364578132334"/>
                 </c:manualLayout>
               </c:layout>
               <c:showLegendKey val="0"/>
@@ -1112,17 +1083,17 @@
               <c:showSerName val="0"/>
               <c:showPercent val="0"/>
               <c:showBubbleSize val="0"/>
-              <c:extLst>
+              <c:extLst xmlns:c16r2="http://schemas.microsoft.com/office/drawing/2015/06/chart">
+                <c:ext xmlns:c16="http://schemas.microsoft.com/office/drawing/2014/chart" uri="{C3380CC4-5D6E-409C-BE32-E72D297353CC}">
+                  <c16:uniqueId val="{0000000F-562A-44B2-8DF8-0C43A0D0EB72}"/>
+                </c:ext>
                 <c:ext xmlns:c15="http://schemas.microsoft.com/office/drawing/2012/chart" uri="{CE6537A1-D6FC-4f65-9D91-7224C49458BB}">
                   <c15:layout>
                     <c:manualLayout>
-                      <c:w val="3.09272008419147E-2"/>
-                      <c:h val="3.6268243625322702E-2"/>
+                      <c:w val="0.0309272008419147"/>
+                      <c:h val="0.0362682436253227"/>
                     </c:manualLayout>
                   </c15:layout>
-                </c:ext>
-                <c:ext xmlns:c16="http://schemas.microsoft.com/office/drawing/2014/chart" uri="{C3380CC4-5D6E-409C-BE32-E72D297353CC}">
-                  <c16:uniqueId val="{0000000F-562A-44B2-8DF8-0C43A0D0EB72}"/>
                 </c:ext>
               </c:extLst>
             </c:dLbl>
@@ -1130,8 +1101,8 @@
               <c:idx val="6"/>
               <c:layout>
                 <c:manualLayout>
-                  <c:x val="-8.1842323890026492E-3"/>
-                  <c:y val="-3.5489875220921598E-2"/>
+                  <c:x val="-0.00818423238900265"/>
+                  <c:y val="-0.0354898752209216"/>
                 </c:manualLayout>
               </c:layout>
               <c:showLegendKey val="0"/>
@@ -1140,17 +1111,17 @@
               <c:showSerName val="0"/>
               <c:showPercent val="0"/>
               <c:showBubbleSize val="0"/>
-              <c:extLst>
+              <c:extLst xmlns:c16r2="http://schemas.microsoft.com/office/drawing/2015/06/chart">
+                <c:ext xmlns:c16="http://schemas.microsoft.com/office/drawing/2014/chart" uri="{C3380CC4-5D6E-409C-BE32-E72D297353CC}">
+                  <c16:uniqueId val="{00000010-562A-44B2-8DF8-0C43A0D0EB72}"/>
+                </c:ext>
                 <c:ext xmlns:c15="http://schemas.microsoft.com/office/drawing/2012/chart" uri="{CE6537A1-D6FC-4f65-9D91-7224C49458BB}">
                   <c15:layout>
                     <c:manualLayout>
-                      <c:w val="3.09272008419147E-2"/>
-                      <c:h val="3.6268243625322702E-2"/>
+                      <c:w val="0.0309272008419147"/>
+                      <c:h val="0.0362682436253227"/>
                     </c:manualLayout>
                   </c15:layout>
-                </c:ext>
-                <c:ext xmlns:c16="http://schemas.microsoft.com/office/drawing/2014/chart" uri="{C3380CC4-5D6E-409C-BE32-E72D297353CC}">
-                  <c16:uniqueId val="{00000010-562A-44B2-8DF8-0C43A0D0EB72}"/>
                 </c:ext>
               </c:extLst>
             </c:dLbl>
@@ -1158,8 +1129,8 @@
               <c:idx val="7"/>
               <c:layout>
                 <c:manualLayout>
-                  <c:x val="-8.8742803936082693E-3"/>
-                  <c:y val="-2.8359749109389199E-2"/>
+                  <c:x val="-0.00887428039360827"/>
+                  <c:y val="-0.0283597491093892"/>
                 </c:manualLayout>
               </c:layout>
               <c:showLegendKey val="0"/>
@@ -1168,17 +1139,17 @@
               <c:showSerName val="0"/>
               <c:showPercent val="0"/>
               <c:showBubbleSize val="0"/>
-              <c:extLst>
+              <c:extLst xmlns:c16r2="http://schemas.microsoft.com/office/drawing/2015/06/chart">
+                <c:ext xmlns:c16="http://schemas.microsoft.com/office/drawing/2014/chart" uri="{C3380CC4-5D6E-409C-BE32-E72D297353CC}">
+                  <c16:uniqueId val="{00000011-562A-44B2-8DF8-0C43A0D0EB72}"/>
+                </c:ext>
                 <c:ext xmlns:c15="http://schemas.microsoft.com/office/drawing/2012/chart" uri="{CE6537A1-D6FC-4f65-9D91-7224C49458BB}">
                   <c15:layout>
                     <c:manualLayout>
-                      <c:w val="3.09272008419147E-2"/>
-                      <c:h val="3.6268243625322702E-2"/>
+                      <c:w val="0.0309272008419147"/>
+                      <c:h val="0.0362682436253227"/>
                     </c:manualLayout>
                   </c15:layout>
-                </c:ext>
-                <c:ext xmlns:c16="http://schemas.microsoft.com/office/drawing/2014/chart" uri="{C3380CC4-5D6E-409C-BE32-E72D297353CC}">
-                  <c16:uniqueId val="{00000011-562A-44B2-8DF8-0C43A0D0EB72}"/>
                 </c:ext>
               </c:extLst>
             </c:dLbl>
@@ -1218,7 +1189,7 @@
             <c:showPercent val="0"/>
             <c:showBubbleSize val="0"/>
             <c:showLeaderLines val="0"/>
-            <c:extLst>
+            <c:extLst xmlns:c16r2="http://schemas.microsoft.com/office/drawing/2015/06/chart">
               <c:ext xmlns:c15="http://schemas.microsoft.com/office/drawing/2012/chart" uri="{CE6537A1-D6FC-4f65-9D91-7224C49458BB}">
                 <c15:spPr xmlns:c15="http://schemas.microsoft.com/office/drawing/2012/chart">
                   <a:prstGeom prst="rect">
@@ -1290,7 +1261,7 @@
                 <c:formatCode>0%</c:formatCode>
                 <c:ptCount val="9"/>
                 <c:pt idx="0">
-                  <c:v>1</c:v>
+                  <c:v>1.0</c:v>
                 </c:pt>
                 <c:pt idx="1">
                   <c:v>0.97</c:v>
@@ -1320,7 +1291,7 @@
             </c:numRef>
           </c:val>
           <c:smooth val="0"/>
-          <c:extLst>
+          <c:extLst xmlns:c16r2="http://schemas.microsoft.com/office/drawing/2015/06/chart">
             <c:ext xmlns:c16="http://schemas.microsoft.com/office/drawing/2014/chart" uri="{C3380CC4-5D6E-409C-BE32-E72D297353CC}">
               <c16:uniqueId val="{00000012-562A-44B2-8DF8-0C43A0D0EB72}"/>
             </c:ext>
@@ -1336,11 +1307,11 @@
         </c:dLbls>
         <c:marker val="1"/>
         <c:smooth val="0"/>
-        <c:axId val="805866608"/>
-        <c:axId val="805530224"/>
+        <c:axId val="-374111600"/>
+        <c:axId val="-374002912"/>
       </c:lineChart>
       <c:catAx>
-        <c:axId val="805866608"/>
+        <c:axId val="-374111600"/>
         <c:scaling>
           <c:orientation val="minMax"/>
         </c:scaling>
@@ -1383,7 +1354,7 @@
             <a:endParaRPr lang="en-US"/>
           </a:p>
         </c:txPr>
-        <c:crossAx val="805530224"/>
+        <c:crossAx val="-374002912"/>
         <c:crosses val="autoZero"/>
         <c:auto val="1"/>
         <c:lblAlgn val="ctr"/>
@@ -1391,10 +1362,10 @@
         <c:noMultiLvlLbl val="0"/>
       </c:catAx>
       <c:valAx>
-        <c:axId val="805530224"/>
+        <c:axId val="-374002912"/>
         <c:scaling>
           <c:orientation val="minMax"/>
-          <c:max val="1"/>
+          <c:max val="1.0"/>
         </c:scaling>
         <c:delete val="0"/>
         <c:axPos val="l"/>
@@ -1443,7 +1414,7 @@
             <a:endParaRPr lang="en-US"/>
           </a:p>
         </c:txPr>
-        <c:crossAx val="805866608"/>
+        <c:crossAx val="-374111600"/>
         <c:crosses val="autoZero"/>
         <c:crossBetween val="between"/>
       </c:valAx>
@@ -1538,7 +1509,7 @@
 </file>
 
 <file path=ppt/charts/chart2.xml><?xml version="1.0" encoding="utf-8"?>
-<c:chartSpace xmlns:c="http://schemas.openxmlformats.org/drawingml/2006/chart" xmlns:a="http://schemas.openxmlformats.org/drawingml/2006/main" xmlns:r="http://schemas.openxmlformats.org/officeDocument/2006/relationships" xmlns:c16r2="http://schemas.microsoft.com/office/drawing/2015/06/chart">
+<c:chartSpace xmlns:c="http://schemas.openxmlformats.org/drawingml/2006/chart" xmlns:a="http://schemas.openxmlformats.org/drawingml/2006/main" xmlns:r="http://schemas.openxmlformats.org/officeDocument/2006/relationships">
   <c:date1904 val="0"/>
   <c:lang val="en-US"/>
   <c:roundedCorners val="0"/>
@@ -1628,10 +1599,10 @@
           <c:layoutTarget val="inner"/>
           <c:xMode val="edge"/>
           <c:yMode val="edge"/>
-          <c:x val="6.1517350172634197E-2"/>
+          <c:x val="0.0615173501726342"/>
           <c:y val="0.103207117174759"/>
-          <c:w val="0.92687733759842506"/>
-          <c:h val="0.66936370144170099"/>
+          <c:w val="0.926877337598425"/>
+          <c:h val="0.669363701441701"/>
         </c:manualLayout>
       </c:layout>
       <c:barChart>
@@ -1677,7 +1648,7 @@
               </a:ln>
               <a:effectLst/>
             </c:spPr>
-            <c:extLst>
+            <c:extLst xmlns:c16r2="http://schemas.microsoft.com/office/drawing/2015/06/chart">
               <c:ext xmlns:c16="http://schemas.microsoft.com/office/drawing/2014/chart" uri="{C3380CC4-5D6E-409C-BE32-E72D297353CC}">
                 <c16:uniqueId val="{00000001-FE67-4B04-A03B-11674380CD72}"/>
               </c:ext>
@@ -1696,7 +1667,7 @@
               </a:ln>
               <a:effectLst/>
             </c:spPr>
-            <c:extLst>
+            <c:extLst xmlns:c16r2="http://schemas.microsoft.com/office/drawing/2015/06/chart">
               <c:ext xmlns:c16="http://schemas.microsoft.com/office/drawing/2014/chart" uri="{C3380CC4-5D6E-409C-BE32-E72D297353CC}">
                 <c16:uniqueId val="{00000003-FE67-4B04-A03B-11674380CD72}"/>
               </c:ext>
@@ -1715,7 +1686,7 @@
               </a:ln>
               <a:effectLst/>
             </c:spPr>
-            <c:extLst>
+            <c:extLst xmlns:c16r2="http://schemas.microsoft.com/office/drawing/2015/06/chart">
               <c:ext xmlns:c16="http://schemas.microsoft.com/office/drawing/2014/chart" uri="{C3380CC4-5D6E-409C-BE32-E72D297353CC}">
                 <c16:uniqueId val="{00000005-FE67-4B04-A03B-11674380CD72}"/>
               </c:ext>
@@ -1734,7 +1705,7 @@
               </a:ln>
               <a:effectLst/>
             </c:spPr>
-            <c:extLst>
+            <c:extLst xmlns:c16r2="http://schemas.microsoft.com/office/drawing/2015/06/chart">
               <c:ext xmlns:c16="http://schemas.microsoft.com/office/drawing/2014/chart" uri="{C3380CC4-5D6E-409C-BE32-E72D297353CC}">
                 <c16:uniqueId val="{00000007-FE67-4B04-A03B-11674380CD72}"/>
               </c:ext>
@@ -1778,7 +1749,7 @@
             <c:showPercent val="0"/>
             <c:showBubbleSize val="0"/>
             <c:showLeaderLines val="0"/>
-            <c:extLst>
+            <c:extLst xmlns:c16r2="http://schemas.microsoft.com/office/drawing/2015/06/chart">
               <c:ext xmlns:c15="http://schemas.microsoft.com/office/drawing/2012/chart" uri="{CE6537A1-D6FC-4f65-9D91-7224C49458BB}">
                 <c15:layout/>
                 <c15:showLeaderLines val="1"/>
@@ -1826,21 +1797,21 @@
                 <c:formatCode>0%</c:formatCode>
                 <c:ptCount val="4"/>
                 <c:pt idx="0">
-                  <c:v>7.3999999999999996E-2</c:v>
+                  <c:v>0.074</c:v>
                 </c:pt>
                 <c:pt idx="1">
-                  <c:v>6.0999999999999999E-2</c:v>
+                  <c:v>0.061</c:v>
                 </c:pt>
                 <c:pt idx="2">
-                  <c:v>5.6000000000000001E-2</c:v>
+                  <c:v>0.056</c:v>
                 </c:pt>
                 <c:pt idx="3">
-                  <c:v>4.8000000000000001E-2</c:v>
+                  <c:v>0.048</c:v>
                 </c:pt>
               </c:numCache>
             </c:numRef>
           </c:val>
-          <c:extLst>
+          <c:extLst xmlns:c16r2="http://schemas.microsoft.com/office/drawing/2015/06/chart">
             <c:ext xmlns:c16="http://schemas.microsoft.com/office/drawing/2014/chart" uri="{C3380CC4-5D6E-409C-BE32-E72D297353CC}">
               <c16:uniqueId val="{00000008-FE67-4B04-A03B-11674380CD72}"/>
             </c:ext>
@@ -1857,11 +1828,11 @@
         </c:dLbls>
         <c:gapWidth val="219"/>
         <c:overlap val="-27"/>
-        <c:axId val="771129360"/>
-        <c:axId val="771132112"/>
+        <c:axId val="-387747808"/>
+        <c:axId val="-347520768"/>
       </c:barChart>
       <c:catAx>
-        <c:axId val="771129360"/>
+        <c:axId val="-387747808"/>
         <c:scaling>
           <c:orientation val="minMax"/>
         </c:scaling>
@@ -1904,7 +1875,7 @@
             <a:endParaRPr lang="en-US"/>
           </a:p>
         </c:txPr>
-        <c:crossAx val="771132112"/>
+        <c:crossAx val="-347520768"/>
         <c:crosses val="autoZero"/>
         <c:auto val="1"/>
         <c:lblAlgn val="ctr"/>
@@ -1912,7 +1883,7 @@
         <c:noMultiLvlLbl val="0"/>
       </c:catAx>
       <c:valAx>
-        <c:axId val="771132112"/>
+        <c:axId val="-347520768"/>
         <c:scaling>
           <c:orientation val="minMax"/>
           <c:max val="0.1"/>
@@ -1964,7 +1935,7 @@
             <a:endParaRPr lang="en-US"/>
           </a:p>
         </c:txPr>
-        <c:crossAx val="771129360"/>
+        <c:crossAx val="-387747808"/>
         <c:crosses val="autoZero"/>
         <c:crossBetween val="between"/>
       </c:valAx>
@@ -3993,7 +3964,7 @@
   <p:cSld>
     <p:spTree>
       <p:nvGrpSpPr>
-        <p:cNvPr id="1" name="Shape 331"/>
+        <p:cNvPr id="1" name="Shape 229"/>
         <p:cNvGrpSpPr/>
         <p:nvPr/>
       </p:nvGrpSpPr>
@@ -4007,7 +3978,7 @@
       </p:grpSpPr>
       <p:sp>
         <p:nvSpPr>
-          <p:cNvPr id="332" name="Google Shape;332;g442eb61d9d_0_116:notes"/>
+          <p:cNvPr id="230" name="Google Shape;230;g442eb61d9d_0_37:notes"/>
           <p:cNvSpPr>
             <a:spLocks noGrp="1" noRot="1" noChangeAspect="1"/>
           </p:cNvSpPr>
@@ -4048,7 +4019,7 @@
       </p:sp>
       <p:sp>
         <p:nvSpPr>
-          <p:cNvPr id="333" name="Google Shape;333;g442eb61d9d_0_116:notes"/>
+          <p:cNvPr id="231" name="Google Shape;231;g442eb61d9d_0_37:notes"/>
           <p:cNvSpPr txBox="1">
             <a:spLocks noGrp="1"/>
           </p:cNvSpPr>
@@ -4085,6 +4056,11 @@
         </p:txBody>
       </p:sp>
     </p:spTree>
+    <p:extLst>
+      <p:ext uri="{BB962C8B-B14F-4D97-AF65-F5344CB8AC3E}">
+        <p14:creationId xmlns:p14="http://schemas.microsoft.com/office/powerpoint/2010/main" val="1924344088"/>
+      </p:ext>
+    </p:extLst>
   </p:cSld>
   <p:clrMapOvr>
     <a:masterClrMapping/>
@@ -4189,6 +4165,110 @@
         </p:txBody>
       </p:sp>
     </p:spTree>
+  </p:cSld>
+  <p:clrMapOvr>
+    <a:masterClrMapping/>
+  </p:clrMapOvr>
+</p:notes>
+</file>
+
+<file path=ppt/notesSlides/notesSlide15.xml><?xml version="1.0" encoding="utf-8"?>
+<p:notes xmlns:a="http://schemas.openxmlformats.org/drawingml/2006/main" xmlns:r="http://schemas.openxmlformats.org/officeDocument/2006/relationships" xmlns:p="http://schemas.openxmlformats.org/presentationml/2006/main" showMasterSp="0" showMasterPhAnim="0">
+  <p:cSld>
+    <p:spTree>
+      <p:nvGrpSpPr>
+        <p:cNvPr id="1" name="Shape 331"/>
+        <p:cNvGrpSpPr/>
+        <p:nvPr/>
+      </p:nvGrpSpPr>
+      <p:grpSpPr>
+        <a:xfrm>
+          <a:off x="0" y="0"/>
+          <a:ext cx="0" cy="0"/>
+          <a:chOff x="0" y="0"/>
+          <a:chExt cx="0" cy="0"/>
+        </a:xfrm>
+      </p:grpSpPr>
+      <p:sp>
+        <p:nvSpPr>
+          <p:cNvPr id="332" name="Google Shape;332;g442eb61d9d_0_116:notes"/>
+          <p:cNvSpPr>
+            <a:spLocks noGrp="1" noRot="1" noChangeAspect="1"/>
+          </p:cNvSpPr>
+          <p:nvPr>
+            <p:ph type="sldImg" idx="2"/>
+          </p:nvPr>
+        </p:nvSpPr>
+        <p:spPr>
+          <a:xfrm>
+            <a:off x="381000" y="685800"/>
+            <a:ext cx="6096000" cy="3429000"/>
+          </a:xfrm>
+          <a:custGeom>
+            <a:avLst/>
+            <a:gdLst/>
+            <a:ahLst/>
+            <a:cxnLst/>
+            <a:rect l="l" t="t" r="r" b="b"/>
+            <a:pathLst>
+              <a:path w="120000" h="120000" extrusionOk="0">
+                <a:moveTo>
+                  <a:pt x="0" y="0"/>
+                </a:moveTo>
+                <a:lnTo>
+                  <a:pt x="120000" y="0"/>
+                </a:lnTo>
+                <a:lnTo>
+                  <a:pt x="120000" y="120000"/>
+                </a:lnTo>
+                <a:lnTo>
+                  <a:pt x="0" y="120000"/>
+                </a:lnTo>
+                <a:close/>
+              </a:path>
+            </a:pathLst>
+          </a:custGeom>
+        </p:spPr>
+      </p:sp>
+      <p:sp>
+        <p:nvSpPr>
+          <p:cNvPr id="333" name="Google Shape;333;g442eb61d9d_0_116:notes"/>
+          <p:cNvSpPr txBox="1">
+            <a:spLocks noGrp="1"/>
+          </p:cNvSpPr>
+          <p:nvPr>
+            <p:ph type="body" idx="1"/>
+          </p:nvPr>
+        </p:nvSpPr>
+        <p:spPr>
+          <a:xfrm>
+            <a:off x="685800" y="4343400"/>
+            <a:ext cx="5486400" cy="4114800"/>
+          </a:xfrm>
+          <a:prstGeom prst="rect">
+            <a:avLst/>
+          </a:prstGeom>
+        </p:spPr>
+        <p:txBody>
+          <a:bodyPr spcFirstLastPara="1" wrap="square" lIns="91425" tIns="91425" rIns="91425" bIns="91425" anchor="t" anchorCtr="0">
+            <a:noAutofit/>
+          </a:bodyPr>
+          <a:lstStyle/>
+          <a:p>
+            <a:pPr marL="0" lvl="0" indent="0" algn="l" rtl="0">
+              <a:spcBef>
+                <a:spcPts val="0"/>
+              </a:spcBef>
+              <a:spcAft>
+                <a:spcPts val="0"/>
+              </a:spcAft>
+              <a:buNone/>
+            </a:pPr>
+            <a:endParaRPr/>
+          </a:p>
+        </p:txBody>
+      </p:sp>
+    </p:spTree>
     <p:extLst>
       <p:ext uri="{BB962C8B-B14F-4D97-AF65-F5344CB8AC3E}">
         <p14:creationId xmlns:p14="http://schemas.microsoft.com/office/powerpoint/2010/main" val="57708784"/>
@@ -4201,7 +4281,7 @@
 </p:notes>
 </file>
 
-<file path=ppt/notesSlides/notesSlide15.xml><?xml version="1.0" encoding="utf-8"?>
+<file path=ppt/notesSlides/notesSlide16.xml><?xml version="1.0" encoding="utf-8"?>
 <p:notes xmlns:a="http://schemas.openxmlformats.org/drawingml/2006/main" xmlns:r="http://schemas.openxmlformats.org/officeDocument/2006/relationships" xmlns:p="http://schemas.openxmlformats.org/presentationml/2006/main" showMasterSp="0" showMasterPhAnim="0">
   <p:cSld>
     <p:spTree>
@@ -11689,14 +11769,14 @@
                 <a:gridCol w="1678427">
                   <a:extLst>
                     <a:ext uri="{9D8B030D-6E8A-4147-A177-3AD203B41FA5}">
-                      <a16:colId xmlns:a16="http://schemas.microsoft.com/office/drawing/2014/main" val="2626818721"/>
+                      <a16:colId xmlns="" xmlns:a16="http://schemas.microsoft.com/office/drawing/2014/main" val="2626818721"/>
                     </a:ext>
                   </a:extLst>
                 </a:gridCol>
                 <a:gridCol w="2873253">
                   <a:extLst>
                     <a:ext uri="{9D8B030D-6E8A-4147-A177-3AD203B41FA5}">
-                      <a16:colId xmlns:a16="http://schemas.microsoft.com/office/drawing/2014/main" val="2445734033"/>
+                      <a16:colId xmlns="" xmlns:a16="http://schemas.microsoft.com/office/drawing/2014/main" val="2445734033"/>
                     </a:ext>
                   </a:extLst>
                 </a:gridCol>
@@ -11822,7 +11902,7 @@
                 </a:tc>
                 <a:extLst>
                   <a:ext uri="{0D108BD9-81ED-4DB2-BD59-A6C34878D82A}">
-                    <a16:rowId xmlns:a16="http://schemas.microsoft.com/office/drawing/2014/main" val="3687582380"/>
+                    <a16:rowId xmlns="" xmlns:a16="http://schemas.microsoft.com/office/drawing/2014/main" val="3687582380"/>
                   </a:ext>
                 </a:extLst>
               </a:tr>
@@ -11941,7 +12021,7 @@
                 </a:tc>
                 <a:extLst>
                   <a:ext uri="{0D108BD9-81ED-4DB2-BD59-A6C34878D82A}">
-                    <a16:rowId xmlns:a16="http://schemas.microsoft.com/office/drawing/2014/main" val="2441632122"/>
+                    <a16:rowId xmlns="" xmlns:a16="http://schemas.microsoft.com/office/drawing/2014/main" val="2441632122"/>
                   </a:ext>
                 </a:extLst>
               </a:tr>
@@ -12072,7 +12152,7 @@
                 </a:tc>
                 <a:extLst>
                   <a:ext uri="{0D108BD9-81ED-4DB2-BD59-A6C34878D82A}">
-                    <a16:rowId xmlns:a16="http://schemas.microsoft.com/office/drawing/2014/main" val="2847563884"/>
+                    <a16:rowId xmlns="" xmlns:a16="http://schemas.microsoft.com/office/drawing/2014/main" val="2847563884"/>
                   </a:ext>
                 </a:extLst>
               </a:tr>
@@ -12137,25 +12217,17 @@
           </a:bodyPr>
           <a:lstStyle/>
           <a:p>
-            <a:pPr marL="0" lvl="0" indent="0" algn="l" rtl="0">
-              <a:spcBef>
-                <a:spcPts val="0"/>
-              </a:spcBef>
-              <a:spcAft>
-                <a:spcPts val="0"/>
-              </a:spcAft>
+            <a:pPr>
               <a:buClr>
                 <a:srgbClr val="000000"/>
               </a:buClr>
               <a:buSzPts val="1100"/>
-              <a:buFont typeface="Arial"/>
-              <a:buNone/>
             </a:pPr>
             <a:r>
-              <a:rPr lang="es">
+              <a:rPr lang="en-US">
                 <a:latin typeface="+mj-lt"/>
               </a:rPr>
-              <a:t>2</a:t>
+              <a:t>3</a:t>
             </a:r>
             <a:r>
               <a:rPr lang="es" smtClean="0">
@@ -12164,10 +12236,11 @@
               <a:t>. </a:t>
             </a:r>
             <a:r>
-              <a:rPr lang="es" smtClean="0">
-                <a:latin typeface="+mj-lt"/>
+              <a:rPr lang="en-US">
+                <a:latin typeface="Arial" panose="020B0604020202020204" pitchFamily="34" charset="0"/>
+                <a:cs typeface="Arial" panose="020B0604020202020204" pitchFamily="34" charset="0"/>
               </a:rPr>
-              <a:t>Cài đặt thời gian chạy video intro</a:t>
+              <a:t>Xây dựng giao diện dựa theo ONE UI</a:t>
             </a:r>
             <a:endParaRPr>
               <a:latin typeface="+mj-lt"/>
@@ -12210,10 +12283,10 @@
               <a:buNone/>
             </a:pPr>
             <a:r>
-              <a:rPr lang="en-US" smtClean="0">
+              <a:rPr lang="en-US">
                 <a:latin typeface="+mn-lt"/>
               </a:rPr>
-              <a:t>Video quảng cáo chỉ chạy trong giờ được cài đặt</a:t>
+              <a:t>Ứng dụng xây dựng giao diện one UI 2.0 của samsung</a:t>
             </a:r>
             <a:endParaRPr>
               <a:latin typeface="+mn-lt"/>
@@ -12347,7 +12420,7 @@
               <a:rPr lang="en-US" sz="1600" smtClean="0">
                 <a:latin typeface="+mj-lt"/>
               </a:rPr>
-              <a:t>Giao diện được xây dựng trên nền one UI 2.0</a:t>
+              <a:t>Giao diện được xây dựng dựa trên one UI 2.0</a:t>
             </a:r>
             <a:endParaRPr sz="1600">
               <a:latin typeface="+mj-lt"/>
@@ -12389,7 +12462,7 @@
           <a:graphicData uri="http://schemas.openxmlformats.org/presentationml/2006/ole">
             <mc:AlternateContent xmlns:mc="http://schemas.openxmlformats.org/markup-compatibility/2006">
               <mc:Choice xmlns:v="urn:schemas-microsoft-com:vml" Requires="v">
-                <p:oleObj spid="_x0000_s2055" r:id="rId4" imgW="3078360" imgH="6754320" progId="">
+                <p:oleObj spid="_x0000_s2068" r:id="rId4" imgW="3078360" imgH="6754320" progId="">
                   <p:embed/>
                 </p:oleObj>
               </mc:Choice>
@@ -12550,7 +12623,7 @@
               <a:rPr lang="en-US" sz="1600" smtClean="0">
                 <a:latin typeface="+mj-lt"/>
               </a:rPr>
-              <a:t>Giao diện được xây dựng trên nền one UI 2.0</a:t>
+              <a:t>Giao diện được xây dựng trên one UI 2.0</a:t>
             </a:r>
             <a:endParaRPr sz="1600">
               <a:latin typeface="+mj-lt"/>
@@ -12594,7 +12667,7 @@
           <a:graphicData uri="http://schemas.openxmlformats.org/presentationml/2006/ole">
             <mc:AlternateContent xmlns:mc="http://schemas.openxmlformats.org/markup-compatibility/2006">
               <mc:Choice xmlns:v="urn:schemas-microsoft-com:vml" Requires="v">
-                <p:oleObj spid="_x0000_s1032" r:id="rId4" imgW="3078360" imgH="6754320" progId="">
+                <p:oleObj spid="_x0000_s1045" r:id="rId4" imgW="3078360" imgH="6754320" progId="">
                   <p:embed/>
                 </p:oleObj>
               </mc:Choice>
@@ -12649,6 +12722,145 @@
   <p:cSld>
     <p:spTree>
       <p:nvGrpSpPr>
+        <p:cNvPr id="1" name="Shape 232"/>
+        <p:cNvGrpSpPr/>
+        <p:nvPr/>
+      </p:nvGrpSpPr>
+      <p:grpSpPr>
+        <a:xfrm>
+          <a:off x="0" y="0"/>
+          <a:ext cx="0" cy="0"/>
+          <a:chOff x="0" y="0"/>
+          <a:chExt cx="0" cy="0"/>
+        </a:xfrm>
+      </p:grpSpPr>
+      <p:sp>
+        <p:nvSpPr>
+          <p:cNvPr id="233" name="Google Shape;233;p35"/>
+          <p:cNvSpPr txBox="1">
+            <a:spLocks noGrp="1"/>
+          </p:cNvSpPr>
+          <p:nvPr>
+            <p:ph type="title"/>
+          </p:nvPr>
+        </p:nvSpPr>
+        <p:spPr>
+          <a:xfrm>
+            <a:off x="4598900" y="1491800"/>
+            <a:ext cx="3593700" cy="1206600"/>
+          </a:xfrm>
+          <a:prstGeom prst="rect">
+            <a:avLst/>
+          </a:prstGeom>
+        </p:spPr>
+        <p:txBody>
+          <a:bodyPr spcFirstLastPara="1" wrap="square" lIns="91425" tIns="91425" rIns="91425" bIns="91425" anchor="b" anchorCtr="0">
+            <a:noAutofit/>
+          </a:bodyPr>
+          <a:lstStyle/>
+          <a:p>
+            <a:pPr>
+              <a:buClr>
+                <a:srgbClr val="000000"/>
+              </a:buClr>
+              <a:buSzPts val="1100"/>
+            </a:pPr>
+            <a:r>
+              <a:rPr lang="en-US">
+                <a:latin typeface="+mj-lt"/>
+              </a:rPr>
+              <a:t>4</a:t>
+            </a:r>
+            <a:r>
+              <a:rPr lang="es" smtClean="0">
+                <a:latin typeface="+mj-lt"/>
+              </a:rPr>
+              <a:t>. </a:t>
+            </a:r>
+            <a:r>
+              <a:rPr lang="en-US">
+                <a:latin typeface="Arial" panose="020B0604020202020204" pitchFamily="34" charset="0"/>
+                <a:cs typeface="Arial" panose="020B0604020202020204" pitchFamily="34" charset="0"/>
+              </a:rPr>
+              <a:t>Kiểm thử pin và hiệu năng</a:t>
+            </a:r>
+            <a:endParaRPr>
+              <a:latin typeface="+mj-lt"/>
+            </a:endParaRPr>
+          </a:p>
+        </p:txBody>
+      </p:sp>
+      <p:sp>
+        <p:nvSpPr>
+          <p:cNvPr id="234" name="Google Shape;234;p35"/>
+          <p:cNvSpPr txBox="1">
+            <a:spLocks noGrp="1"/>
+          </p:cNvSpPr>
+          <p:nvPr>
+            <p:ph type="subTitle" idx="1"/>
+          </p:nvPr>
+        </p:nvSpPr>
+        <p:spPr>
+          <a:xfrm>
+            <a:off x="4598900" y="2968192"/>
+            <a:ext cx="2920800" cy="1590000"/>
+          </a:xfrm>
+          <a:prstGeom prst="rect">
+            <a:avLst/>
+          </a:prstGeom>
+        </p:spPr>
+        <p:txBody>
+          <a:bodyPr spcFirstLastPara="1" wrap="square" lIns="91425" tIns="91425" rIns="91425" bIns="91425" anchor="t" anchorCtr="0">
+            <a:noAutofit/>
+          </a:bodyPr>
+          <a:lstStyle/>
+          <a:p>
+            <a:pPr marL="0" lvl="0" indent="0" algn="l" rtl="0">
+              <a:spcBef>
+                <a:spcPts val="0"/>
+              </a:spcBef>
+              <a:spcAft>
+                <a:spcPts val="0"/>
+              </a:spcAft>
+              <a:buNone/>
+            </a:pPr>
+            <a:r>
+              <a:rPr lang="en-US">
+                <a:latin typeface="+mn-lt"/>
+              </a:rPr>
+              <a:t>Test pin và hiệu năng thực tế</a:t>
+            </a:r>
+            <a:endParaRPr>
+              <a:latin typeface="+mn-lt"/>
+            </a:endParaRPr>
+          </a:p>
+        </p:txBody>
+      </p:sp>
+    </p:spTree>
+    <p:extLst>
+      <p:ext uri="{BB962C8B-B14F-4D97-AF65-F5344CB8AC3E}">
+        <p14:creationId xmlns:p14="http://schemas.microsoft.com/office/powerpoint/2010/main" val="847761698"/>
+      </p:ext>
+    </p:extLst>
+  </p:cSld>
+  <p:clrMapOvr>
+    <a:masterClrMapping/>
+  </p:clrMapOvr>
+  <p:timing>
+    <p:tnLst>
+      <p:par>
+        <p:cTn id="1" dur="indefinite" restart="never" nodeType="tmRoot"/>
+      </p:par>
+    </p:tnLst>
+  </p:timing>
+</p:sld>
+</file>
+
+<file path=ppt/slides/slide14.xml><?xml version="1.0" encoding="utf-8"?>
+<p:sld xmlns:a="http://schemas.openxmlformats.org/drawingml/2006/main" xmlns:r="http://schemas.openxmlformats.org/officeDocument/2006/relationships" xmlns:p="http://schemas.openxmlformats.org/presentationml/2006/main">
+  <p:cSld>
+    <p:spTree>
+      <p:nvGrpSpPr>
         <p:cNvPr id="1" name="Shape 334"/>
         <p:cNvGrpSpPr/>
         <p:nvPr/>
@@ -12705,7 +12917,7 @@
                 <a:cs typeface="Quicksand Light"/>
                 <a:sym typeface="Quicksand Light"/>
               </a:rPr>
-              <a:t>13</a:t>
+              <a:t>14</a:t>
             </a:fld>
             <a:endParaRPr sz="1300">
               <a:solidFill>
@@ -12781,7 +12993,7 @@
                   <a:srgbClr val="B7B7B7"/>
                 </a:solidFill>
               </a:rPr>
-              <a:t>13</a:t>
+              <a:t>14</a:t>
             </a:fld>
             <a:endParaRPr>
               <a:solidFill>
@@ -13078,7 +13290,7 @@
 </p:sld>
 </file>
 
-<file path=ppt/slides/slide14.xml><?xml version="1.0" encoding="utf-8"?>
+<file path=ppt/slides/slide15.xml><?xml version="1.0" encoding="utf-8"?>
 <p:sld xmlns:a="http://schemas.openxmlformats.org/drawingml/2006/main" xmlns:r="http://schemas.openxmlformats.org/officeDocument/2006/relationships" xmlns:p="http://schemas.openxmlformats.org/presentationml/2006/main">
   <p:cSld>
     <p:spTree>
@@ -13139,7 +13351,7 @@
                 <a:cs typeface="Quicksand Light"/>
                 <a:sym typeface="Quicksand Light"/>
               </a:rPr>
-              <a:t>14</a:t>
+              <a:t>15</a:t>
             </a:fld>
             <a:endParaRPr sz="1300">
               <a:solidFill>
@@ -13215,7 +13427,7 @@
                   <a:srgbClr val="B7B7B7"/>
                 </a:solidFill>
               </a:rPr>
-              <a:t>14</a:t>
+              <a:t>15</a:t>
             </a:fld>
             <a:endParaRPr>
               <a:solidFill>
@@ -13569,7 +13781,7 @@
 </p:sld>
 </file>
 
-<file path=ppt/slides/slide15.xml><?xml version="1.0" encoding="utf-8"?>
+<file path=ppt/slides/slide16.xml><?xml version="1.0" encoding="utf-8"?>
 <p:sld xmlns:a="http://schemas.openxmlformats.org/drawingml/2006/main" xmlns:r="http://schemas.openxmlformats.org/officeDocument/2006/relationships" xmlns:p="http://schemas.openxmlformats.org/presentationml/2006/main">
   <p:cSld>
     <p:bg>
@@ -13744,7 +13956,7 @@
                 <a:cs typeface="Arvo"/>
                 <a:sym typeface="Arvo"/>
               </a:rPr>
-              <a:t>15</a:t>
+              <a:t>16</a:t>
             </a:fld>
             <a:endParaRPr sz="1200">
               <a:solidFill>
@@ -13869,7 +14081,7 @@
         </p:nvSpPr>
         <p:spPr>
           <a:xfrm>
-            <a:off x="4698275" y="189950"/>
+            <a:off x="4589348" y="189950"/>
             <a:ext cx="5311200" cy="1114500"/>
           </a:xfrm>
           <a:prstGeom prst="rect">
@@ -13896,6 +14108,12 @@
                 <a:latin typeface="+mj-lt"/>
               </a:rPr>
               <a:t>Nội dung</a:t>
+            </a:r>
+            <a:r>
+              <a:rPr lang="en-US" smtClean="0">
+                <a:latin typeface="+mj-lt"/>
+              </a:rPr>
+              <a:t> báo cáo</a:t>
             </a:r>
             <a:endParaRPr>
               <a:latin typeface="+mj-lt"/>
@@ -14636,7 +14854,7 @@
                 <a:latin typeface="Arial" panose="020B0604020202020204" pitchFamily="34" charset="0"/>
                 <a:cs typeface="Arial" panose="020B0604020202020204" pitchFamily="34" charset="0"/>
               </a:rPr>
-              <a:t>Cài đặt thời gian phát video</a:t>
+              <a:t>Xây dựng giao diện dựa theo ONE UI</a:t>
             </a:r>
             <a:endParaRPr lang="en-US" sz="2000" kern="1200" dirty="0">
               <a:latin typeface="Arial" panose="020B0604020202020204" pitchFamily="34" charset="0"/>
@@ -14934,7 +15152,7 @@
                 <a:latin typeface="Arial" panose="020B0604020202020204" pitchFamily="34" charset="0"/>
                 <a:cs typeface="Arial" panose="020B0604020202020204" pitchFamily="34" charset="0"/>
               </a:rPr>
-              <a:t>Kích hoạt và hủy kích hoạt</a:t>
+              <a:t>Kiểm thử pin và hiệu năng</a:t>
             </a:r>
             <a:endParaRPr lang="en-US" sz="2000" dirty="0">
               <a:latin typeface="Arial" panose="020B0604020202020204" pitchFamily="34" charset="0"/>
@@ -25134,13 +25352,7 @@
               <a:rPr lang="es" smtClean="0">
                 <a:latin typeface="+mj-lt"/>
               </a:rPr>
-              <a:t>. </a:t>
-            </a:r>
-            <a:r>
-              <a:rPr lang="es" smtClean="0">
-                <a:latin typeface="+mj-lt"/>
-              </a:rPr>
-              <a:t>Phát video intro</a:t>
+              <a:t>. Phát video intro</a:t>
             </a:r>
             <a:endParaRPr>
               <a:latin typeface="+mj-lt"/>
@@ -25349,10 +25561,6 @@
               </a:rPr>
               <a:t>Mảng(ms): [0, 50.000, 110.000, 150.000] </a:t>
             </a:r>
-            <a:endParaRPr lang="en-US" sz="1800">
-              <a:latin typeface="Arial" panose="020B0604020202020204" pitchFamily="34" charset="0"/>
-              <a:cs typeface="Arial" panose="020B0604020202020204" pitchFamily="34" charset="0"/>
-            </a:endParaRPr>
           </a:p>
         </p:txBody>
       </p:sp>
@@ -25404,14 +25612,7 @@
                 <a:latin typeface="Arial" panose="020B0604020202020204" pitchFamily="34" charset="0"/>
                 <a:cs typeface="Arial" panose="020B0604020202020204" pitchFamily="34" charset="0"/>
               </a:rPr>
-              <a:t>			-  thời gian đầu của video gần </a:t>
-            </a:r>
-            <a:r>
-              <a:rPr lang="en-US" sz="1800">
-                <a:latin typeface="Arial" panose="020B0604020202020204" pitchFamily="34" charset="0"/>
-                <a:cs typeface="Arial" panose="020B0604020202020204" pitchFamily="34" charset="0"/>
-              </a:rPr>
-              <a:t>nhất </a:t>
+              <a:t>			-  thời gian đầu của video gần nhất </a:t>
             </a:r>
             <a:r>
               <a:rPr lang="en-US" sz="1800" smtClean="0">
@@ -25472,10 +25673,6 @@
               </a:rPr>
               <a:t>	thời gian phát video =  55000 – 50.000 – random(500ms)  </a:t>
             </a:r>
-            <a:endParaRPr lang="en-US" sz="1800">
-              <a:latin typeface="Arial" panose="020B0604020202020204" pitchFamily="34" charset="0"/>
-              <a:cs typeface="Arial" panose="020B0604020202020204" pitchFamily="34" charset="0"/>
-            </a:endParaRPr>
           </a:p>
         </p:txBody>
       </p:sp>

--- a/Minimal Charm Blue variant.pptx
+++ b/Minimal Charm Blue variant.pptx
@@ -286,7 +286,7 @@
 </file>
 
 <file path=ppt/charts/chart1.xml><?xml version="1.0" encoding="utf-8"?>
-<c:chartSpace xmlns:c="http://schemas.openxmlformats.org/drawingml/2006/chart" xmlns:a="http://schemas.openxmlformats.org/drawingml/2006/main" xmlns:r="http://schemas.openxmlformats.org/officeDocument/2006/relationships">
+<c:chartSpace xmlns:c="http://schemas.openxmlformats.org/drawingml/2006/chart" xmlns:a="http://schemas.openxmlformats.org/drawingml/2006/main" xmlns:r="http://schemas.openxmlformats.org/officeDocument/2006/relationships" xmlns:c16r2="http://schemas.microsoft.com/office/drawing/2015/06/chart">
   <c:date1904 val="0"/>
   <c:lang val="en-US"/>
   <c:roundedCorners val="0"/>
@@ -334,7 +334,6 @@
           </a:p>
         </c:rich>
       </c:tx>
-      <c:layout/>
       <c:overlay val="0"/>
       <c:spPr>
         <a:noFill/>
@@ -445,9 +444,8 @@
             <c:showPercent val="0"/>
             <c:showBubbleSize val="0"/>
             <c:showLeaderLines val="0"/>
-            <c:extLst xmlns:c16r2="http://schemas.microsoft.com/office/drawing/2015/06/chart">
+            <c:extLst>
               <c:ext xmlns:c15="http://schemas.microsoft.com/office/drawing/2012/chart" uri="{CE6537A1-D6FC-4f65-9D91-7224C49458BB}">
-                <c15:layout/>
                 <c15:showLeaderLines val="1"/>
                 <c15:leaderLines>
                   <c:spPr>
@@ -508,7 +506,7 @@
                 <c:formatCode>0%</c:formatCode>
                 <c:ptCount val="9"/>
                 <c:pt idx="0">
-                  <c:v>1.0</c:v>
+                  <c:v>1</c:v>
                 </c:pt>
                 <c:pt idx="1">
                   <c:v>0.73</c:v>
@@ -520,25 +518,25 @@
                   <c:v>0.3</c:v>
                 </c:pt>
                 <c:pt idx="4">
-                  <c:v>0.0</c:v>
+                  <c:v>0</c:v>
                 </c:pt>
                 <c:pt idx="5">
-                  <c:v>0.0</c:v>
+                  <c:v>0</c:v>
                 </c:pt>
                 <c:pt idx="6">
-                  <c:v>0.0</c:v>
+                  <c:v>0</c:v>
                 </c:pt>
                 <c:pt idx="7">
-                  <c:v>0.0</c:v>
+                  <c:v>0</c:v>
                 </c:pt>
                 <c:pt idx="8">
-                  <c:v>0.0</c:v>
+                  <c:v>0</c:v>
                 </c:pt>
               </c:numCache>
             </c:numRef>
           </c:val>
           <c:smooth val="0"/>
-          <c:extLst xmlns:c16r2="http://schemas.microsoft.com/office/drawing/2015/06/chart">
+          <c:extLst>
             <c:ext xmlns:c16="http://schemas.microsoft.com/office/drawing/2014/chart" uri="{C3380CC4-5D6E-409C-BE32-E72D297353CC}">
               <c16:uniqueId val="{00000000-562A-44B2-8DF8-0C43A0D0EB72}"/>
             </c:ext>
@@ -593,8 +591,8 @@
               <c:idx val="1"/>
               <c:layout>
                 <c:manualLayout>
-                  <c:x val="-0.0376965380258727"/>
-                  <c:y val="0.0277253363136387"/>
+                  <c:x val="-3.7696538025872701E-2"/>
+                  <c:y val="2.7725336313638702E-2"/>
                 </c:manualLayout>
               </c:layout>
               <c:showLegendKey val="0"/>
@@ -603,12 +601,10 @@
               <c:showSerName val="0"/>
               <c:showPercent val="0"/>
               <c:showBubbleSize val="0"/>
-              <c:extLst xmlns:c16r2="http://schemas.microsoft.com/office/drawing/2015/06/chart">
+              <c:extLst>
+                <c:ext xmlns:c15="http://schemas.microsoft.com/office/drawing/2012/chart" uri="{CE6537A1-D6FC-4f65-9D91-7224C49458BB}"/>
                 <c:ext xmlns:c16="http://schemas.microsoft.com/office/drawing/2014/chart" uri="{C3380CC4-5D6E-409C-BE32-E72D297353CC}">
                   <c16:uniqueId val="{00000001-562A-44B2-8DF8-0C43A0D0EB72}"/>
-                </c:ext>
-                <c:ext xmlns:c15="http://schemas.microsoft.com/office/drawing/2012/chart" uri="{CE6537A1-D6FC-4f65-9D91-7224C49458BB}">
-                  <c15:layout/>
                 </c:ext>
               </c:extLst>
             </c:dLbl>
@@ -616,8 +612,8 @@
               <c:idx val="2"/>
               <c:layout>
                 <c:manualLayout>
-                  <c:x val="-0.0375288408593348"/>
-                  <c:y val="0.023606331701701"/>
+                  <c:x val="-3.7528840859334799E-2"/>
+                  <c:y val="2.3606331701701001E-2"/>
                 </c:manualLayout>
               </c:layout>
               <c:showLegendKey val="0"/>
@@ -626,12 +622,10 @@
               <c:showSerName val="0"/>
               <c:showPercent val="0"/>
               <c:showBubbleSize val="0"/>
-              <c:extLst xmlns:c16r2="http://schemas.microsoft.com/office/drawing/2015/06/chart">
+              <c:extLst>
+                <c:ext xmlns:c15="http://schemas.microsoft.com/office/drawing/2012/chart" uri="{CE6537A1-D6FC-4f65-9D91-7224C49458BB}"/>
                 <c:ext xmlns:c16="http://schemas.microsoft.com/office/drawing/2014/chart" uri="{C3380CC4-5D6E-409C-BE32-E72D297353CC}">
                   <c16:uniqueId val="{00000002-562A-44B2-8DF8-0C43A0D0EB72}"/>
-                </c:ext>
-                <c:ext xmlns:c15="http://schemas.microsoft.com/office/drawing/2012/chart" uri="{CE6537A1-D6FC-4f65-9D91-7224C49458BB}">
-                  <c15:layout/>
                 </c:ext>
               </c:extLst>
             </c:dLbl>
@@ -639,8 +633,8 @@
               <c:idx val="3"/>
               <c:layout>
                 <c:manualLayout>
-                  <c:x val="-0.0358230271602707"/>
-                  <c:y val="0.028042542711514"/>
+                  <c:x val="-3.58230271602707E-2"/>
+                  <c:y val="2.8042542711514001E-2"/>
                 </c:manualLayout>
               </c:layout>
               <c:showLegendKey val="0"/>
@@ -649,12 +643,10 @@
               <c:showSerName val="0"/>
               <c:showPercent val="0"/>
               <c:showBubbleSize val="0"/>
-              <c:extLst xmlns:c16r2="http://schemas.microsoft.com/office/drawing/2015/06/chart">
+              <c:extLst>
+                <c:ext xmlns:c15="http://schemas.microsoft.com/office/drawing/2012/chart" uri="{CE6537A1-D6FC-4f65-9D91-7224C49458BB}"/>
                 <c:ext xmlns:c16="http://schemas.microsoft.com/office/drawing/2014/chart" uri="{C3380CC4-5D6E-409C-BE32-E72D297353CC}">
                   <c16:uniqueId val="{00000003-562A-44B2-8DF8-0C43A0D0EB72}"/>
-                </c:ext>
-                <c:ext xmlns:c15="http://schemas.microsoft.com/office/drawing/2012/chart" uri="{CE6537A1-D6FC-4f65-9D91-7224C49458BB}">
-                  <c15:layout/>
                 </c:ext>
               </c:extLst>
             </c:dLbl>
@@ -662,8 +654,8 @@
               <c:idx val="4"/>
               <c:layout>
                 <c:manualLayout>
-                  <c:x val="-0.0358230125582024"/>
-                  <c:y val="0.0185357292804034"/>
+                  <c:x val="-3.5823012558202402E-2"/>
+                  <c:y val="1.8535729280403399E-2"/>
                 </c:manualLayout>
               </c:layout>
               <c:showLegendKey val="0"/>
@@ -672,12 +664,10 @@
               <c:showSerName val="0"/>
               <c:showPercent val="0"/>
               <c:showBubbleSize val="0"/>
-              <c:extLst xmlns:c16r2="http://schemas.microsoft.com/office/drawing/2015/06/chart">
+              <c:extLst>
+                <c:ext xmlns:c15="http://schemas.microsoft.com/office/drawing/2012/chart" uri="{CE6537A1-D6FC-4f65-9D91-7224C49458BB}"/>
                 <c:ext xmlns:c16="http://schemas.microsoft.com/office/drawing/2014/chart" uri="{C3380CC4-5D6E-409C-BE32-E72D297353CC}">
                   <c16:uniqueId val="{00000004-562A-44B2-8DF8-0C43A0D0EB72}"/>
-                </c:ext>
-                <c:ext xmlns:c15="http://schemas.microsoft.com/office/drawing/2012/chart" uri="{CE6537A1-D6FC-4f65-9D91-7224C49458BB}">
-                  <c15:layout/>
                 </c:ext>
               </c:extLst>
             </c:dLbl>
@@ -685,8 +675,8 @@
               <c:idx val="5"/>
               <c:layout>
                 <c:manualLayout>
-                  <c:x val="-0.0387219803635543"/>
-                  <c:y val="0.0251921765486596"/>
+                  <c:x val="-3.8721980363554301E-2"/>
+                  <c:y val="2.5192176548659601E-2"/>
                 </c:manualLayout>
               </c:layout>
               <c:showLegendKey val="0"/>
@@ -695,12 +685,10 @@
               <c:showSerName val="0"/>
               <c:showPercent val="0"/>
               <c:showBubbleSize val="0"/>
-              <c:extLst xmlns:c16r2="http://schemas.microsoft.com/office/drawing/2015/06/chart">
+              <c:extLst>
+                <c:ext xmlns:c15="http://schemas.microsoft.com/office/drawing/2012/chart" uri="{CE6537A1-D6FC-4f65-9D91-7224C49458BB}"/>
                 <c:ext xmlns:c16="http://schemas.microsoft.com/office/drawing/2014/chart" uri="{C3380CC4-5D6E-409C-BE32-E72D297353CC}">
                   <c16:uniqueId val="{00000005-562A-44B2-8DF8-0C43A0D0EB72}"/>
-                </c:ext>
-                <c:ext xmlns:c15="http://schemas.microsoft.com/office/drawing/2012/chart" uri="{CE6537A1-D6FC-4f65-9D91-7224C49458BB}">
-                  <c15:layout/>
                 </c:ext>
               </c:extLst>
             </c:dLbl>
@@ -708,8 +696,8 @@
               <c:idx val="6"/>
               <c:layout>
                 <c:manualLayout>
-                  <c:x val="-0.0341171195132142"/>
-                  <c:y val="0.0399260862307346"/>
+                  <c:x val="-3.4117119513214202E-2"/>
+                  <c:y val="3.9926086230734598E-2"/>
                 </c:manualLayout>
               </c:layout>
               <c:showLegendKey val="0"/>
@@ -718,12 +706,10 @@
               <c:showSerName val="0"/>
               <c:showPercent val="0"/>
               <c:showBubbleSize val="0"/>
-              <c:extLst xmlns:c16r2="http://schemas.microsoft.com/office/drawing/2015/06/chart">
+              <c:extLst>
+                <c:ext xmlns:c15="http://schemas.microsoft.com/office/drawing/2012/chart" uri="{CE6537A1-D6FC-4f65-9D91-7224C49458BB}"/>
                 <c:ext xmlns:c16="http://schemas.microsoft.com/office/drawing/2014/chart" uri="{C3380CC4-5D6E-409C-BE32-E72D297353CC}">
                   <c16:uniqueId val="{00000006-562A-44B2-8DF8-0C43A0D0EB72}"/>
-                </c:ext>
-                <c:ext xmlns:c15="http://schemas.microsoft.com/office/drawing/2012/chart" uri="{CE6537A1-D6FC-4f65-9D91-7224C49458BB}">
-                  <c15:layout/>
                 </c:ext>
               </c:extLst>
             </c:dLbl>
@@ -731,8 +717,8 @@
               <c:idx val="7"/>
               <c:layout>
                 <c:manualLayout>
-                  <c:x val="-0.0240497465893825"/>
-                  <c:y val="0.0321615473234517"/>
+                  <c:x val="-2.4049746589382501E-2"/>
+                  <c:y val="3.2161547323451702E-2"/>
                 </c:manualLayout>
               </c:layout>
               <c:showLegendKey val="0"/>
@@ -741,12 +727,10 @@
               <c:showSerName val="0"/>
               <c:showPercent val="0"/>
               <c:showBubbleSize val="0"/>
-              <c:extLst xmlns:c16r2="http://schemas.microsoft.com/office/drawing/2015/06/chart">
+              <c:extLst>
+                <c:ext xmlns:c15="http://schemas.microsoft.com/office/drawing/2012/chart" uri="{CE6537A1-D6FC-4f65-9D91-7224C49458BB}"/>
                 <c:ext xmlns:c16="http://schemas.microsoft.com/office/drawing/2014/chart" uri="{C3380CC4-5D6E-409C-BE32-E72D297353CC}">
                   <c16:uniqueId val="{00000007-562A-44B2-8DF8-0C43A0D0EB72}"/>
-                </c:ext>
-                <c:ext xmlns:c15="http://schemas.microsoft.com/office/drawing/2012/chart" uri="{CE6537A1-D6FC-4f65-9D91-7224C49458BB}">
-                  <c15:layout/>
                 </c:ext>
               </c:extLst>
             </c:dLbl>
@@ -754,8 +738,8 @@
               <c:idx val="8"/>
               <c:layout>
                 <c:manualLayout>
-                  <c:x val="-0.00477255801687831"/>
-                  <c:y val="0.0308972131499737"/>
+                  <c:x val="-4.77255801687831E-3"/>
+                  <c:y val="3.08972131499737E-2"/>
                 </c:manualLayout>
               </c:layout>
               <c:showLegendKey val="0"/>
@@ -764,12 +748,10 @@
               <c:showSerName val="0"/>
               <c:showPercent val="0"/>
               <c:showBubbleSize val="0"/>
-              <c:extLst xmlns:c16r2="http://schemas.microsoft.com/office/drawing/2015/06/chart">
+              <c:extLst>
+                <c:ext xmlns:c15="http://schemas.microsoft.com/office/drawing/2012/chart" uri="{CE6537A1-D6FC-4f65-9D91-7224C49458BB}"/>
                 <c:ext xmlns:c16="http://schemas.microsoft.com/office/drawing/2014/chart" uri="{C3380CC4-5D6E-409C-BE32-E72D297353CC}">
                   <c16:uniqueId val="{00000008-562A-44B2-8DF8-0C43A0D0EB72}"/>
-                </c:ext>
-                <c:ext xmlns:c15="http://schemas.microsoft.com/office/drawing/2012/chart" uri="{CE6537A1-D6FC-4f65-9D91-7224C49458BB}">
-                  <c15:layout/>
                 </c:ext>
               </c:extLst>
             </c:dLbl>
@@ -809,9 +791,8 @@
             <c:showPercent val="0"/>
             <c:showBubbleSize val="0"/>
             <c:showLeaderLines val="0"/>
-            <c:extLst xmlns:c16r2="http://schemas.microsoft.com/office/drawing/2015/06/chart">
+            <c:extLst>
               <c:ext xmlns:c15="http://schemas.microsoft.com/office/drawing/2012/chart" uri="{CE6537A1-D6FC-4f65-9D91-7224C49458BB}">
-                <c15:layout/>
                 <c15:showLeaderLines val="1"/>
                 <c15:leaderLines>
                   <c:spPr>
@@ -872,7 +853,7 @@
                 <c:formatCode>0%</c:formatCode>
                 <c:ptCount val="9"/>
                 <c:pt idx="0">
-                  <c:v>1.0</c:v>
+                  <c:v>1</c:v>
                 </c:pt>
                 <c:pt idx="1">
                   <c:v>0.96</c:v>
@@ -902,7 +883,7 @@
             </c:numRef>
           </c:val>
           <c:smooth val="0"/>
-          <c:extLst xmlns:c16r2="http://schemas.microsoft.com/office/drawing/2015/06/chart">
+          <c:extLst>
             <c:ext xmlns:c16="http://schemas.microsoft.com/office/drawing/2014/chart" uri="{C3380CC4-5D6E-409C-BE32-E72D297353CC}">
               <c16:uniqueId val="{00000009-562A-44B2-8DF8-0C43A0D0EB72}"/>
             </c:ext>
@@ -950,19 +931,19 @@
             <c:dLbl>
               <c:idx val="0"/>
               <c:delete val="1"/>
-              <c:extLst xmlns:c16r2="http://schemas.microsoft.com/office/drawing/2015/06/chart">
+              <c:extLst>
+                <c:ext xmlns:c15="http://schemas.microsoft.com/office/drawing/2012/chart" uri="{CE6537A1-D6FC-4f65-9D91-7224C49458BB}"/>
                 <c:ext xmlns:c16="http://schemas.microsoft.com/office/drawing/2014/chart" uri="{C3380CC4-5D6E-409C-BE32-E72D297353CC}">
                   <c16:uniqueId val="{0000000A-562A-44B2-8DF8-0C43A0D0EB72}"/>
                 </c:ext>
-                <c:ext xmlns:c15="http://schemas.microsoft.com/office/drawing/2012/chart" uri="{CE6537A1-D6FC-4f65-9D91-7224C49458BB}"/>
               </c:extLst>
             </c:dLbl>
             <c:dLbl>
               <c:idx val="1"/>
               <c:layout>
                 <c:manualLayout>
-                  <c:x val="-0.0170585597566071"/>
-                  <c:y val="-0.0351726688230464"/>
+                  <c:x val="-1.7058559756607101E-2"/>
+                  <c:y val="-3.5172668823046399E-2"/>
                 </c:manualLayout>
               </c:layout>
               <c:showLegendKey val="0"/>
@@ -971,17 +952,17 @@
               <c:showSerName val="0"/>
               <c:showPercent val="0"/>
               <c:showBubbleSize val="0"/>
-              <c:extLst xmlns:c16r2="http://schemas.microsoft.com/office/drawing/2015/06/chart">
-                <c:ext xmlns:c16="http://schemas.microsoft.com/office/drawing/2014/chart" uri="{C3380CC4-5D6E-409C-BE32-E72D297353CC}">
-                  <c16:uniqueId val="{0000000B-562A-44B2-8DF8-0C43A0D0EB72}"/>
-                </c:ext>
+              <c:extLst>
                 <c:ext xmlns:c15="http://schemas.microsoft.com/office/drawing/2012/chart" uri="{CE6537A1-D6FC-4f65-9D91-7224C49458BB}">
                   <c15:layout>
                     <c:manualLayout>
-                      <c:w val="0.0309272008419147"/>
-                      <c:h val="0.0362682436253227"/>
+                      <c:w val="3.09272008419147E-2"/>
+                      <c:h val="3.6268243625322702E-2"/>
                     </c:manualLayout>
                   </c15:layout>
+                </c:ext>
+                <c:ext xmlns:c16="http://schemas.microsoft.com/office/drawing/2014/chart" uri="{C3380CC4-5D6E-409C-BE32-E72D297353CC}">
+                  <c16:uniqueId val="{0000000B-562A-44B2-8DF8-0C43A0D0EB72}"/>
                 </c:ext>
               </c:extLst>
             </c:dLbl>
@@ -989,8 +970,8 @@
               <c:idx val="2"/>
               <c:layout>
                 <c:manualLayout>
-                  <c:x val="-0.0102351170643658"/>
-                  <c:y val="-0.0389744670371088"/>
+                  <c:x val="-1.0235117064365799E-2"/>
+                  <c:y val="-3.8974467037108801E-2"/>
                 </c:manualLayout>
               </c:layout>
               <c:showLegendKey val="0"/>
@@ -999,17 +980,17 @@
               <c:showSerName val="0"/>
               <c:showPercent val="0"/>
               <c:showBubbleSize val="0"/>
-              <c:extLst xmlns:c16r2="http://schemas.microsoft.com/office/drawing/2015/06/chart">
-                <c:ext xmlns:c16="http://schemas.microsoft.com/office/drawing/2014/chart" uri="{C3380CC4-5D6E-409C-BE32-E72D297353CC}">
-                  <c16:uniqueId val="{0000000C-562A-44B2-8DF8-0C43A0D0EB72}"/>
-                </c:ext>
+              <c:extLst>
                 <c:ext xmlns:c15="http://schemas.microsoft.com/office/drawing/2012/chart" uri="{CE6537A1-D6FC-4f65-9D91-7224C49458BB}">
                   <c15:layout>
                     <c:manualLayout>
-                      <c:w val="0.0309272008419147"/>
-                      <c:h val="0.0362682436253227"/>
+                      <c:w val="3.09272008419147E-2"/>
+                      <c:h val="3.6268243625322702E-2"/>
                     </c:manualLayout>
                   </c15:layout>
+                </c:ext>
+                <c:ext xmlns:c16="http://schemas.microsoft.com/office/drawing/2014/chart" uri="{C3380CC4-5D6E-409C-BE32-E72D297353CC}">
+                  <c16:uniqueId val="{0000000C-562A-44B2-8DF8-0C43A0D0EB72}"/>
                 </c:ext>
               </c:extLst>
             </c:dLbl>
@@ -1017,8 +998,8 @@
               <c:idx val="3"/>
               <c:layout>
                 <c:manualLayout>
-                  <c:x val="-0.0174036307329061"/>
-                  <c:y val="-0.0423027949345788"/>
+                  <c:x val="-1.74036307329061E-2"/>
+                  <c:y val="-4.2302794934578801E-2"/>
                 </c:manualLayout>
               </c:layout>
               <c:showLegendKey val="0"/>
@@ -1027,17 +1008,17 @@
               <c:showSerName val="0"/>
               <c:showPercent val="0"/>
               <c:showBubbleSize val="0"/>
-              <c:extLst xmlns:c16r2="http://schemas.microsoft.com/office/drawing/2015/06/chart">
-                <c:ext xmlns:c16="http://schemas.microsoft.com/office/drawing/2014/chart" uri="{C3380CC4-5D6E-409C-BE32-E72D297353CC}">
-                  <c16:uniqueId val="{0000000D-562A-44B2-8DF8-0C43A0D0EB72}"/>
-                </c:ext>
+              <c:extLst>
                 <c:ext xmlns:c15="http://schemas.microsoft.com/office/drawing/2012/chart" uri="{CE6537A1-D6FC-4f65-9D91-7224C49458BB}">
                   <c15:layout>
                     <c:manualLayout>
-                      <c:w val="0.0309272008419147"/>
-                      <c:h val="0.0362682436253227"/>
+                      <c:w val="3.09272008419147E-2"/>
+                      <c:h val="3.6268243625322702E-2"/>
                     </c:manualLayout>
                   </c15:layout>
+                </c:ext>
+                <c:ext xmlns:c16="http://schemas.microsoft.com/office/drawing/2014/chart" uri="{C3380CC4-5D6E-409C-BE32-E72D297353CC}">
+                  <c16:uniqueId val="{0000000D-562A-44B2-8DF8-0C43A0D0EB72}"/>
                 </c:ext>
               </c:extLst>
             </c:dLbl>
@@ -1045,8 +1026,8 @@
               <c:idx val="4"/>
               <c:layout>
                 <c:manualLayout>
-                  <c:x val="-0.0131341642156418"/>
-                  <c:y val="-0.0437278844447971"/>
+                  <c:x val="-1.31341642156418E-2"/>
+                  <c:y val="-4.3727884444797097E-2"/>
                 </c:manualLayout>
               </c:layout>
               <c:showLegendKey val="0"/>
@@ -1055,17 +1036,17 @@
               <c:showSerName val="0"/>
               <c:showPercent val="0"/>
               <c:showBubbleSize val="0"/>
-              <c:extLst xmlns:c16r2="http://schemas.microsoft.com/office/drawing/2015/06/chart">
-                <c:ext xmlns:c16="http://schemas.microsoft.com/office/drawing/2014/chart" uri="{C3380CC4-5D6E-409C-BE32-E72D297353CC}">
-                  <c16:uniqueId val="{0000000E-562A-44B2-8DF8-0C43A0D0EB72}"/>
-                </c:ext>
+              <c:extLst>
                 <c:ext xmlns:c15="http://schemas.microsoft.com/office/drawing/2012/chart" uri="{CE6537A1-D6FC-4f65-9D91-7224C49458BB}">
                   <c15:layout>
                     <c:manualLayout>
-                      <c:w val="0.0309272008419147"/>
-                      <c:h val="0.0362682436253227"/>
+                      <c:w val="3.09272008419147E-2"/>
+                      <c:h val="3.6268243625322702E-2"/>
                     </c:manualLayout>
                   </c15:layout>
+                </c:ext>
+                <c:ext xmlns:c16="http://schemas.microsoft.com/office/drawing/2014/chart" uri="{C3380CC4-5D6E-409C-BE32-E72D297353CC}">
+                  <c16:uniqueId val="{0000000E-562A-44B2-8DF8-0C43A0D0EB72}"/>
                 </c:ext>
               </c:extLst>
             </c:dLbl>
@@ -1073,8 +1054,8 @@
               <c:idx val="5"/>
               <c:layout>
                 <c:manualLayout>
-                  <c:x val="-0.0136468384104864"/>
-                  <c:y val="-0.0307364578132334"/>
+                  <c:x val="-1.36468384104864E-2"/>
+                  <c:y val="-3.0736457813233399E-2"/>
                 </c:manualLayout>
               </c:layout>
               <c:showLegendKey val="0"/>
@@ -1083,17 +1064,17 @@
               <c:showSerName val="0"/>
               <c:showPercent val="0"/>
               <c:showBubbleSize val="0"/>
-              <c:extLst xmlns:c16r2="http://schemas.microsoft.com/office/drawing/2015/06/chart">
-                <c:ext xmlns:c16="http://schemas.microsoft.com/office/drawing/2014/chart" uri="{C3380CC4-5D6E-409C-BE32-E72D297353CC}">
-                  <c16:uniqueId val="{0000000F-562A-44B2-8DF8-0C43A0D0EB72}"/>
-                </c:ext>
+              <c:extLst>
                 <c:ext xmlns:c15="http://schemas.microsoft.com/office/drawing/2012/chart" uri="{CE6537A1-D6FC-4f65-9D91-7224C49458BB}">
                   <c15:layout>
                     <c:manualLayout>
-                      <c:w val="0.0309272008419147"/>
-                      <c:h val="0.0362682436253227"/>
+                      <c:w val="3.09272008419147E-2"/>
+                      <c:h val="3.6268243625322702E-2"/>
                     </c:manualLayout>
                   </c15:layout>
+                </c:ext>
+                <c:ext xmlns:c16="http://schemas.microsoft.com/office/drawing/2014/chart" uri="{C3380CC4-5D6E-409C-BE32-E72D297353CC}">
+                  <c16:uniqueId val="{0000000F-562A-44B2-8DF8-0C43A0D0EB72}"/>
                 </c:ext>
               </c:extLst>
             </c:dLbl>
@@ -1101,8 +1082,8 @@
               <c:idx val="6"/>
               <c:layout>
                 <c:manualLayout>
-                  <c:x val="-0.00818423238900265"/>
-                  <c:y val="-0.0354898752209216"/>
+                  <c:x val="-8.1842323890026492E-3"/>
+                  <c:y val="-3.5489875220921598E-2"/>
                 </c:manualLayout>
               </c:layout>
               <c:showLegendKey val="0"/>
@@ -1111,17 +1092,17 @@
               <c:showSerName val="0"/>
               <c:showPercent val="0"/>
               <c:showBubbleSize val="0"/>
-              <c:extLst xmlns:c16r2="http://schemas.microsoft.com/office/drawing/2015/06/chart">
-                <c:ext xmlns:c16="http://schemas.microsoft.com/office/drawing/2014/chart" uri="{C3380CC4-5D6E-409C-BE32-E72D297353CC}">
-                  <c16:uniqueId val="{00000010-562A-44B2-8DF8-0C43A0D0EB72}"/>
-                </c:ext>
+              <c:extLst>
                 <c:ext xmlns:c15="http://schemas.microsoft.com/office/drawing/2012/chart" uri="{CE6537A1-D6FC-4f65-9D91-7224C49458BB}">
                   <c15:layout>
                     <c:manualLayout>
-                      <c:w val="0.0309272008419147"/>
-                      <c:h val="0.0362682436253227"/>
+                      <c:w val="3.09272008419147E-2"/>
+                      <c:h val="3.6268243625322702E-2"/>
                     </c:manualLayout>
                   </c15:layout>
+                </c:ext>
+                <c:ext xmlns:c16="http://schemas.microsoft.com/office/drawing/2014/chart" uri="{C3380CC4-5D6E-409C-BE32-E72D297353CC}">
+                  <c16:uniqueId val="{00000010-562A-44B2-8DF8-0C43A0D0EB72}"/>
                 </c:ext>
               </c:extLst>
             </c:dLbl>
@@ -1129,8 +1110,8 @@
               <c:idx val="7"/>
               <c:layout>
                 <c:manualLayout>
-                  <c:x val="-0.00887428039360827"/>
-                  <c:y val="-0.0283597491093892"/>
+                  <c:x val="-8.8742803936082693E-3"/>
+                  <c:y val="-2.8359749109389199E-2"/>
                 </c:manualLayout>
               </c:layout>
               <c:showLegendKey val="0"/>
@@ -1139,17 +1120,17 @@
               <c:showSerName val="0"/>
               <c:showPercent val="0"/>
               <c:showBubbleSize val="0"/>
-              <c:extLst xmlns:c16r2="http://schemas.microsoft.com/office/drawing/2015/06/chart">
-                <c:ext xmlns:c16="http://schemas.microsoft.com/office/drawing/2014/chart" uri="{C3380CC4-5D6E-409C-BE32-E72D297353CC}">
-                  <c16:uniqueId val="{00000011-562A-44B2-8DF8-0C43A0D0EB72}"/>
-                </c:ext>
+              <c:extLst>
                 <c:ext xmlns:c15="http://schemas.microsoft.com/office/drawing/2012/chart" uri="{CE6537A1-D6FC-4f65-9D91-7224C49458BB}">
                   <c15:layout>
                     <c:manualLayout>
-                      <c:w val="0.0309272008419147"/>
-                      <c:h val="0.0362682436253227"/>
+                      <c:w val="3.09272008419147E-2"/>
+                      <c:h val="3.6268243625322702E-2"/>
                     </c:manualLayout>
                   </c15:layout>
+                </c:ext>
+                <c:ext xmlns:c16="http://schemas.microsoft.com/office/drawing/2014/chart" uri="{C3380CC4-5D6E-409C-BE32-E72D297353CC}">
+                  <c16:uniqueId val="{00000011-562A-44B2-8DF8-0C43A0D0EB72}"/>
                 </c:ext>
               </c:extLst>
             </c:dLbl>
@@ -1189,7 +1170,7 @@
             <c:showPercent val="0"/>
             <c:showBubbleSize val="0"/>
             <c:showLeaderLines val="0"/>
-            <c:extLst xmlns:c16r2="http://schemas.microsoft.com/office/drawing/2015/06/chart">
+            <c:extLst>
               <c:ext xmlns:c15="http://schemas.microsoft.com/office/drawing/2012/chart" uri="{CE6537A1-D6FC-4f65-9D91-7224C49458BB}">
                 <c15:spPr xmlns:c15="http://schemas.microsoft.com/office/drawing/2012/chart">
                   <a:prstGeom prst="rect">
@@ -1200,7 +1181,6 @@
                     <a:noFill/>
                   </a:ln>
                 </c15:spPr>
-                <c15:layout/>
                 <c15:showLeaderLines val="1"/>
                 <c15:leaderLines>
                   <c:spPr>
@@ -1261,7 +1241,7 @@
                 <c:formatCode>0%</c:formatCode>
                 <c:ptCount val="9"/>
                 <c:pt idx="0">
-                  <c:v>1.0</c:v>
+                  <c:v>1</c:v>
                 </c:pt>
                 <c:pt idx="1">
                   <c:v>0.97</c:v>
@@ -1291,7 +1271,7 @@
             </c:numRef>
           </c:val>
           <c:smooth val="0"/>
-          <c:extLst xmlns:c16r2="http://schemas.microsoft.com/office/drawing/2015/06/chart">
+          <c:extLst>
             <c:ext xmlns:c16="http://schemas.microsoft.com/office/drawing/2014/chart" uri="{C3380CC4-5D6E-409C-BE32-E72D297353CC}">
               <c16:uniqueId val="{00000012-562A-44B2-8DF8-0C43A0D0EB72}"/>
             </c:ext>
@@ -1365,7 +1345,7 @@
         <c:axId val="-374002912"/>
         <c:scaling>
           <c:orientation val="minMax"/>
-          <c:max val="1.0"/>
+          <c:max val="1"/>
         </c:scaling>
         <c:delete val="0"/>
         <c:axPos val="l"/>
@@ -1451,7 +1431,6 @@
           </a:p>
         </c:txPr>
       </c:legendEntry>
-      <c:layout/>
       <c:overlay val="0"/>
       <c:spPr>
         <a:noFill/>
@@ -1509,7 +1488,7 @@
 </file>
 
 <file path=ppt/charts/chart2.xml><?xml version="1.0" encoding="utf-8"?>
-<c:chartSpace xmlns:c="http://schemas.openxmlformats.org/drawingml/2006/chart" xmlns:a="http://schemas.openxmlformats.org/drawingml/2006/main" xmlns:r="http://schemas.openxmlformats.org/officeDocument/2006/relationships">
+<c:chartSpace xmlns:c="http://schemas.openxmlformats.org/drawingml/2006/chart" xmlns:a="http://schemas.openxmlformats.org/drawingml/2006/main" xmlns:r="http://schemas.openxmlformats.org/officeDocument/2006/relationships" xmlns:c16r2="http://schemas.microsoft.com/office/drawing/2015/06/chart">
   <c:date1904 val="0"/>
   <c:lang val="en-US"/>
   <c:roundedCorners val="0"/>
@@ -1562,7 +1541,6 @@
           </a:p>
         </c:rich>
       </c:tx>
-      <c:layout/>
       <c:overlay val="0"/>
       <c:spPr>
         <a:noFill/>
@@ -1599,10 +1577,10 @@
           <c:layoutTarget val="inner"/>
           <c:xMode val="edge"/>
           <c:yMode val="edge"/>
-          <c:x val="0.0615173501726342"/>
+          <c:x val="6.1517350172634197E-2"/>
           <c:y val="0.103207117174759"/>
-          <c:w val="0.926877337598425"/>
-          <c:h val="0.669363701441701"/>
+          <c:w val="0.92687733759842506"/>
+          <c:h val="0.66936370144170099"/>
         </c:manualLayout>
       </c:layout>
       <c:barChart>
@@ -1648,7 +1626,7 @@
               </a:ln>
               <a:effectLst/>
             </c:spPr>
-            <c:extLst xmlns:c16r2="http://schemas.microsoft.com/office/drawing/2015/06/chart">
+            <c:extLst>
               <c:ext xmlns:c16="http://schemas.microsoft.com/office/drawing/2014/chart" uri="{C3380CC4-5D6E-409C-BE32-E72D297353CC}">
                 <c16:uniqueId val="{00000001-FE67-4B04-A03B-11674380CD72}"/>
               </c:ext>
@@ -1667,7 +1645,7 @@
               </a:ln>
               <a:effectLst/>
             </c:spPr>
-            <c:extLst xmlns:c16r2="http://schemas.microsoft.com/office/drawing/2015/06/chart">
+            <c:extLst>
               <c:ext xmlns:c16="http://schemas.microsoft.com/office/drawing/2014/chart" uri="{C3380CC4-5D6E-409C-BE32-E72D297353CC}">
                 <c16:uniqueId val="{00000003-FE67-4B04-A03B-11674380CD72}"/>
               </c:ext>
@@ -1686,7 +1664,7 @@
               </a:ln>
               <a:effectLst/>
             </c:spPr>
-            <c:extLst xmlns:c16r2="http://schemas.microsoft.com/office/drawing/2015/06/chart">
+            <c:extLst>
               <c:ext xmlns:c16="http://schemas.microsoft.com/office/drawing/2014/chart" uri="{C3380CC4-5D6E-409C-BE32-E72D297353CC}">
                 <c16:uniqueId val="{00000005-FE67-4B04-A03B-11674380CD72}"/>
               </c:ext>
@@ -1705,7 +1683,7 @@
               </a:ln>
               <a:effectLst/>
             </c:spPr>
-            <c:extLst xmlns:c16r2="http://schemas.microsoft.com/office/drawing/2015/06/chart">
+            <c:extLst>
               <c:ext xmlns:c16="http://schemas.microsoft.com/office/drawing/2014/chart" uri="{C3380CC4-5D6E-409C-BE32-E72D297353CC}">
                 <c16:uniqueId val="{00000007-FE67-4B04-A03B-11674380CD72}"/>
               </c:ext>
@@ -1749,9 +1727,8 @@
             <c:showPercent val="0"/>
             <c:showBubbleSize val="0"/>
             <c:showLeaderLines val="0"/>
-            <c:extLst xmlns:c16r2="http://schemas.microsoft.com/office/drawing/2015/06/chart">
+            <c:extLst>
               <c:ext xmlns:c15="http://schemas.microsoft.com/office/drawing/2012/chart" uri="{CE6537A1-D6FC-4f65-9D91-7224C49458BB}">
-                <c15:layout/>
                 <c15:showLeaderLines val="1"/>
                 <c15:leaderLines>
                   <c:spPr>
@@ -1797,21 +1774,21 @@
                 <c:formatCode>0%</c:formatCode>
                 <c:ptCount val="4"/>
                 <c:pt idx="0">
-                  <c:v>0.074</c:v>
+                  <c:v>7.3999999999999996E-2</c:v>
                 </c:pt>
                 <c:pt idx="1">
-                  <c:v>0.061</c:v>
+                  <c:v>6.0999999999999999E-2</c:v>
                 </c:pt>
                 <c:pt idx="2">
-                  <c:v>0.056</c:v>
+                  <c:v>5.6000000000000001E-2</c:v>
                 </c:pt>
                 <c:pt idx="3">
-                  <c:v>0.048</c:v>
+                  <c:v>4.8000000000000001E-2</c:v>
                 </c:pt>
               </c:numCache>
             </c:numRef>
           </c:val>
-          <c:extLst xmlns:c16r2="http://schemas.microsoft.com/office/drawing/2015/06/chart">
+          <c:extLst>
             <c:ext xmlns:c16="http://schemas.microsoft.com/office/drawing/2014/chart" uri="{C3380CC4-5D6E-409C-BE32-E72D297353CC}">
               <c16:uniqueId val="{00000008-FE67-4B04-A03B-11674380CD72}"/>
             </c:ext>
@@ -1949,7 +1926,6 @@
     </c:plotArea>
     <c:legend>
       <c:legendPos val="b"/>
-      <c:layout/>
       <c:overlay val="0"/>
       <c:spPr>
         <a:noFill/>
@@ -5280,8 +5256,8 @@
         </p:nvSpPr>
         <p:spPr>
           <a:xfrm>
-            <a:off x="676300" y="321200"/>
-            <a:ext cx="4885500" cy="4431600"/>
+            <a:off x="631850" y="352950"/>
+            <a:ext cx="3736950" cy="72500"/>
           </a:xfrm>
           <a:prstGeom prst="rect">
             <a:avLst/>
@@ -5459,6 +5435,13 @@
   <p:clrMapOvr>
     <a:masterClrMapping/>
   </p:clrMapOvr>
+  <p:timing>
+    <p:tnLst>
+      <p:par>
+        <p:cTn id="1" dur="indefinite" restart="never" nodeType="tmRoot"/>
+      </p:par>
+    </p:tnLst>
+  </p:timing>
 </p:sldLayout>
 </file>
 
@@ -11769,14 +11752,14 @@
                 <a:gridCol w="1678427">
                   <a:extLst>
                     <a:ext uri="{9D8B030D-6E8A-4147-A177-3AD203B41FA5}">
-                      <a16:colId xmlns="" xmlns:a16="http://schemas.microsoft.com/office/drawing/2014/main" val="2626818721"/>
+                      <a16:colId xmlns:a16="http://schemas.microsoft.com/office/drawing/2014/main" val="2626818721"/>
                     </a:ext>
                   </a:extLst>
                 </a:gridCol>
                 <a:gridCol w="2873253">
                   <a:extLst>
                     <a:ext uri="{9D8B030D-6E8A-4147-A177-3AD203B41FA5}">
-                      <a16:colId xmlns="" xmlns:a16="http://schemas.microsoft.com/office/drawing/2014/main" val="2445734033"/>
+                      <a16:colId xmlns:a16="http://schemas.microsoft.com/office/drawing/2014/main" val="2445734033"/>
                     </a:ext>
                   </a:extLst>
                 </a:gridCol>
@@ -11902,7 +11885,7 @@
                 </a:tc>
                 <a:extLst>
                   <a:ext uri="{0D108BD9-81ED-4DB2-BD59-A6C34878D82A}">
-                    <a16:rowId xmlns="" xmlns:a16="http://schemas.microsoft.com/office/drawing/2014/main" val="3687582380"/>
+                    <a16:rowId xmlns:a16="http://schemas.microsoft.com/office/drawing/2014/main" val="3687582380"/>
                   </a:ext>
                 </a:extLst>
               </a:tr>
@@ -12021,7 +12004,7 @@
                 </a:tc>
                 <a:extLst>
                   <a:ext uri="{0D108BD9-81ED-4DB2-BD59-A6C34878D82A}">
-                    <a16:rowId xmlns="" xmlns:a16="http://schemas.microsoft.com/office/drawing/2014/main" val="2441632122"/>
+                    <a16:rowId xmlns:a16="http://schemas.microsoft.com/office/drawing/2014/main" val="2441632122"/>
                   </a:ext>
                 </a:extLst>
               </a:tr>
@@ -12152,7 +12135,7 @@
                 </a:tc>
                 <a:extLst>
                   <a:ext uri="{0D108BD9-81ED-4DB2-BD59-A6C34878D82A}">
-                    <a16:rowId xmlns="" xmlns:a16="http://schemas.microsoft.com/office/drawing/2014/main" val="2847563884"/>
+                    <a16:rowId xmlns:a16="http://schemas.microsoft.com/office/drawing/2014/main" val="2847563884"/>
                   </a:ext>
                 </a:extLst>
               </a:tr>
@@ -12462,7 +12445,7 @@
           <a:graphicData uri="http://schemas.openxmlformats.org/presentationml/2006/ole">
             <mc:AlternateContent xmlns:mc="http://schemas.openxmlformats.org/markup-compatibility/2006">
               <mc:Choice xmlns:v="urn:schemas-microsoft-com:vml" Requires="v">
-                <p:oleObj spid="_x0000_s2068" r:id="rId4" imgW="3078360" imgH="6754320" progId="">
+                <p:oleObj spid="_x0000_s2070" r:id="rId4" imgW="3078360" imgH="6754320" progId="">
                   <p:embed/>
                 </p:oleObj>
               </mc:Choice>
@@ -12667,7 +12650,7 @@
           <a:graphicData uri="http://schemas.openxmlformats.org/presentationml/2006/ole">
             <mc:AlternateContent xmlns:mc="http://schemas.openxmlformats.org/markup-compatibility/2006">
               <mc:Choice xmlns:v="urn:schemas-microsoft-com:vml" Requires="v">
-                <p:oleObj spid="_x0000_s1045" r:id="rId4" imgW="3078360" imgH="6754320" progId="">
+                <p:oleObj spid="_x0000_s1047" r:id="rId4" imgW="3078360" imgH="6754320" progId="">
                   <p:embed/>
                 </p:oleObj>
               </mc:Choice>

--- a/Minimal Charm Blue variant.pptx
+++ b/Minimal Charm Blue variant.pptx
@@ -5224,7 +5224,7 @@
 </file>
 
 <file path=ppt/slideLayouts/slideLayout1.xml><?xml version="1.0" encoding="utf-8"?>
-<p:sldLayout xmlns:a="http://schemas.openxmlformats.org/drawingml/2006/main" xmlns:r="http://schemas.openxmlformats.org/officeDocument/2006/relationships" xmlns:p="http://schemas.openxmlformats.org/presentationml/2006/main" matchingName="BIG Title slide" type="title">
+<p:sldLayout xmlns:a="http://schemas.openxmlformats.org/drawingml/2006/main" xmlns:r="http://schemas.openxmlformats.org/officeDocument/2006/relationships" xmlns:p="http://schemas.openxmlformats.org/presentationml/2006/main" matchingName="BIG Title slide" userDrawn="1">
   <p:cSld name="TITLE">
     <p:bg>
       <p:bgPr>
@@ -5248,188 +5248,6 @@
           <a:chExt cx="0" cy="0"/>
         </a:xfrm>
       </p:grpSpPr>
-      <p:sp>
-        <p:nvSpPr>
-          <p:cNvPr id="10" name="Google Shape;10;p2"/>
-          <p:cNvSpPr/>
-          <p:nvPr/>
-        </p:nvSpPr>
-        <p:spPr>
-          <a:xfrm>
-            <a:off x="631850" y="352950"/>
-            <a:ext cx="3736950" cy="72500"/>
-          </a:xfrm>
-          <a:prstGeom prst="rect">
-            <a:avLst/>
-          </a:prstGeom>
-          <a:solidFill>
-            <a:schemeClr val="accent1"/>
-          </a:solidFill>
-          <a:ln>
-            <a:noFill/>
-          </a:ln>
-        </p:spPr>
-        <p:txBody>
-          <a:bodyPr spcFirstLastPara="1" wrap="square" lIns="91425" tIns="91425" rIns="91425" bIns="91425" anchor="ctr" anchorCtr="0">
-            <a:noAutofit/>
-          </a:bodyPr>
-          <a:lstStyle/>
-          <a:p>
-            <a:pPr marL="0" lvl="0" indent="0" algn="l" rtl="0">
-              <a:spcBef>
-                <a:spcPts val="0"/>
-              </a:spcBef>
-              <a:spcAft>
-                <a:spcPts val="0"/>
-              </a:spcAft>
-              <a:buNone/>
-            </a:pPr>
-            <a:endParaRPr>
-              <a:solidFill>
-                <a:srgbClr val="434343"/>
-              </a:solidFill>
-            </a:endParaRPr>
-          </a:p>
-        </p:txBody>
-      </p:sp>
-      <p:sp>
-        <p:nvSpPr>
-          <p:cNvPr id="11" name="Google Shape;11;p2"/>
-          <p:cNvSpPr txBox="1">
-            <a:spLocks noGrp="1"/>
-          </p:cNvSpPr>
-          <p:nvPr>
-            <p:ph type="ctrTitle"/>
-          </p:nvPr>
-        </p:nvSpPr>
-        <p:spPr>
-          <a:xfrm>
-            <a:off x="1610650" y="1856275"/>
-            <a:ext cx="6157800" cy="875700"/>
-          </a:xfrm>
-          <a:prstGeom prst="rect">
-            <a:avLst/>
-          </a:prstGeom>
-          <a:ln w="38100" cap="flat" cmpd="sng">
-            <a:solidFill>
-              <a:srgbClr val="535353"/>
-            </a:solidFill>
-            <a:prstDash val="solid"/>
-            <a:round/>
-            <a:headEnd type="none" w="sm" len="sm"/>
-            <a:tailEnd type="none" w="sm" len="sm"/>
-          </a:ln>
-        </p:spPr>
-        <p:txBody>
-          <a:bodyPr spcFirstLastPara="1" wrap="square" lIns="91425" tIns="91425" rIns="91425" bIns="91425" anchor="ctr" anchorCtr="0">
-            <a:noAutofit/>
-          </a:bodyPr>
-          <a:lstStyle>
-            <a:lvl1pPr lvl="0" rtl="0">
-              <a:spcBef>
-                <a:spcPts val="0"/>
-              </a:spcBef>
-              <a:spcAft>
-                <a:spcPts val="0"/>
-              </a:spcAft>
-              <a:buSzPts val="3600"/>
-              <a:buNone/>
-              <a:defRPr sz="3600" b="1"/>
-            </a:lvl1pPr>
-            <a:lvl2pPr lvl="1" algn="ctr" rtl="0">
-              <a:spcBef>
-                <a:spcPts val="0"/>
-              </a:spcBef>
-              <a:spcAft>
-                <a:spcPts val="0"/>
-              </a:spcAft>
-              <a:buSzPts val="6000"/>
-              <a:buNone/>
-              <a:defRPr sz="6000"/>
-            </a:lvl2pPr>
-            <a:lvl3pPr lvl="2" algn="ctr" rtl="0">
-              <a:spcBef>
-                <a:spcPts val="0"/>
-              </a:spcBef>
-              <a:spcAft>
-                <a:spcPts val="0"/>
-              </a:spcAft>
-              <a:buSzPts val="6000"/>
-              <a:buNone/>
-              <a:defRPr sz="6000"/>
-            </a:lvl3pPr>
-            <a:lvl4pPr lvl="3" algn="ctr" rtl="0">
-              <a:spcBef>
-                <a:spcPts val="0"/>
-              </a:spcBef>
-              <a:spcAft>
-                <a:spcPts val="0"/>
-              </a:spcAft>
-              <a:buSzPts val="6000"/>
-              <a:buNone/>
-              <a:defRPr sz="6000"/>
-            </a:lvl4pPr>
-            <a:lvl5pPr lvl="4" algn="ctr" rtl="0">
-              <a:spcBef>
-                <a:spcPts val="0"/>
-              </a:spcBef>
-              <a:spcAft>
-                <a:spcPts val="0"/>
-              </a:spcAft>
-              <a:buSzPts val="6000"/>
-              <a:buNone/>
-              <a:defRPr sz="6000"/>
-            </a:lvl5pPr>
-            <a:lvl6pPr lvl="5" algn="ctr" rtl="0">
-              <a:spcBef>
-                <a:spcPts val="0"/>
-              </a:spcBef>
-              <a:spcAft>
-                <a:spcPts val="0"/>
-              </a:spcAft>
-              <a:buSzPts val="6000"/>
-              <a:buNone/>
-              <a:defRPr sz="6000"/>
-            </a:lvl6pPr>
-            <a:lvl7pPr lvl="6" algn="ctr" rtl="0">
-              <a:spcBef>
-                <a:spcPts val="0"/>
-              </a:spcBef>
-              <a:spcAft>
-                <a:spcPts val="0"/>
-              </a:spcAft>
-              <a:buSzPts val="6000"/>
-              <a:buNone/>
-              <a:defRPr sz="6000"/>
-            </a:lvl7pPr>
-            <a:lvl8pPr lvl="7" algn="ctr" rtl="0">
-              <a:spcBef>
-                <a:spcPts val="0"/>
-              </a:spcBef>
-              <a:spcAft>
-                <a:spcPts val="0"/>
-              </a:spcAft>
-              <a:buSzPts val="6000"/>
-              <a:buNone/>
-              <a:defRPr sz="6000"/>
-            </a:lvl8pPr>
-            <a:lvl9pPr lvl="8" algn="ctr" rtl="0">
-              <a:spcBef>
-                <a:spcPts val="0"/>
-              </a:spcBef>
-              <a:spcAft>
-                <a:spcPts val="0"/>
-              </a:spcAft>
-              <a:buSzPts val="6000"/>
-              <a:buNone/>
-              <a:defRPr sz="6000"/>
-            </a:lvl9pPr>
-          </a:lstStyle>
-          <a:p>
-            <a:endParaRPr/>
-          </a:p>
-        </p:txBody>
-      </p:sp>
     </p:spTree>
   </p:cSld>
   <p:clrMapOvr>
@@ -11672,58 +11490,6 @@
           <a:chExt cx="0" cy="0"/>
         </a:xfrm>
       </p:grpSpPr>
-      <p:sp>
-        <p:nvSpPr>
-          <p:cNvPr id="189" name="Google Shape;189;p30"/>
-          <p:cNvSpPr txBox="1">
-            <a:spLocks noGrp="1"/>
-          </p:cNvSpPr>
-          <p:nvPr>
-            <p:ph type="ctrTitle"/>
-          </p:nvPr>
-        </p:nvSpPr>
-        <p:spPr>
-          <a:xfrm>
-            <a:off x="1191405" y="901235"/>
-            <a:ext cx="7099858" cy="1945016"/>
-          </a:xfrm>
-          <a:prstGeom prst="rect">
-            <a:avLst/>
-          </a:prstGeom>
-          <a:ln w="9525" cap="flat" cmpd="sng">
-            <a:solidFill>
-              <a:schemeClr val="dk1"/>
-            </a:solidFill>
-            <a:prstDash val="solid"/>
-            <a:round/>
-            <a:headEnd type="none" w="sm" len="sm"/>
-            <a:tailEnd type="none" w="sm" len="sm"/>
-          </a:ln>
-        </p:spPr>
-        <p:txBody>
-          <a:bodyPr spcFirstLastPara="1" wrap="square" lIns="91425" tIns="91425" rIns="91425" bIns="91425" anchor="ctr" anchorCtr="0">
-            <a:noAutofit/>
-          </a:bodyPr>
-          <a:lstStyle/>
-          <a:p>
-            <a:pPr lvl="0" algn="ctr">
-              <a:lnSpc>
-                <a:spcPct val="115000"/>
-              </a:lnSpc>
-              <a:buSzPts val="1100"/>
-            </a:pPr>
-            <a:r>
-              <a:rPr lang="en-US" sz="2400">
-                <a:latin typeface="+mj-lt"/>
-              </a:rPr>
-              <a:t>Phát triển ứng dụng theo dõi và bảo vệ các mẫu điện thoại thông minh của Samsung tại các cửa hàng bán lẻ</a:t>
-            </a:r>
-            <a:endParaRPr sz="2400" i="1">
-              <a:latin typeface="+mj-lt"/>
-            </a:endParaRPr>
-          </a:p>
-        </p:txBody>
-      </p:sp>
       <p:graphicFrame>
         <p:nvGraphicFramePr>
           <p:cNvPr id="2" name="Table 1"/>
@@ -11733,13 +11499,13 @@
           <p:nvPr>
             <p:extLst>
               <p:ext uri="{D42A27DB-BD31-4B8C-83A1-F6EECF244321}">
-                <p14:modId xmlns:p14="http://schemas.microsoft.com/office/powerpoint/2010/main" val="3360371528"/>
+                <p14:modId xmlns:p14="http://schemas.microsoft.com/office/powerpoint/2010/main" val="1886481663"/>
               </p:ext>
             </p:extLst>
           </p:nvPr>
         </p:nvGraphicFramePr>
         <p:xfrm>
-          <a:off x="3887893" y="3044315"/>
+          <a:off x="4040294" y="3459952"/>
           <a:ext cx="4551680" cy="1112520"/>
         </p:xfrm>
         <a:graphic>
@@ -12143,6 +11909,81 @@
           </a:graphicData>
         </a:graphic>
       </p:graphicFrame>
+      <p:sp>
+        <p:nvSpPr>
+          <p:cNvPr id="4" name="TextBox 3"/>
+          <p:cNvSpPr txBox="1"/>
+          <p:nvPr/>
+        </p:nvSpPr>
+        <p:spPr>
+          <a:xfrm>
+            <a:off x="741218" y="581891"/>
+            <a:ext cx="7543800" cy="1200329"/>
+          </a:xfrm>
+          <a:prstGeom prst="rect">
+            <a:avLst/>
+          </a:prstGeom>
+          <a:noFill/>
+        </p:spPr>
+        <p:txBody>
+          <a:bodyPr wrap="square" rtlCol="0">
+            <a:spAutoFit/>
+          </a:bodyPr>
+          <a:lstStyle/>
+          <a:p>
+            <a:pPr algn="ctr"/>
+            <a:r>
+              <a:rPr lang="en-US" sz="2400" b="1"/>
+              <a:t>Phát triển ứng dụng theo dõi và bảo vệ các mẫu điện thoại thông minh của Samsung tại các cửa hàng bán lẻ</a:t>
+            </a:r>
+            <a:endParaRPr lang="en-US" sz="2400" b="1"/>
+          </a:p>
+        </p:txBody>
+      </p:sp>
+      <p:sp>
+        <p:nvSpPr>
+          <p:cNvPr id="6" name="Google Shape;10;p2"/>
+          <p:cNvSpPr/>
+          <p:nvPr/>
+        </p:nvSpPr>
+        <p:spPr>
+          <a:xfrm>
+            <a:off x="949348" y="1782220"/>
+            <a:ext cx="7176342" cy="48255"/>
+          </a:xfrm>
+          <a:prstGeom prst="rect">
+            <a:avLst/>
+          </a:prstGeom>
+          <a:solidFill>
+            <a:schemeClr val="accent1"/>
+          </a:solidFill>
+          <a:ln>
+            <a:noFill/>
+          </a:ln>
+        </p:spPr>
+        <p:txBody>
+          <a:bodyPr spcFirstLastPara="1" wrap="square" lIns="91425" tIns="91425" rIns="91425" bIns="91425" anchor="ctr" anchorCtr="0">
+            <a:noAutofit/>
+          </a:bodyPr>
+          <a:lstStyle/>
+          <a:p>
+            <a:pPr marL="0" lvl="0" indent="0" algn="l" rtl="0">
+              <a:spcBef>
+                <a:spcPts val="0"/>
+              </a:spcBef>
+              <a:spcAft>
+                <a:spcPts val="0"/>
+              </a:spcAft>
+              <a:buNone/>
+            </a:pPr>
+            <a:endParaRPr>
+              <a:solidFill>
+                <a:srgbClr val="434343"/>
+              </a:solidFill>
+            </a:endParaRPr>
+          </a:p>
+        </p:txBody>
+      </p:sp>
     </p:spTree>
   </p:cSld>
   <p:clrMapOvr>
@@ -12445,7 +12286,7 @@
           <a:graphicData uri="http://schemas.openxmlformats.org/presentationml/2006/ole">
             <mc:AlternateContent xmlns:mc="http://schemas.openxmlformats.org/markup-compatibility/2006">
               <mc:Choice xmlns:v="urn:schemas-microsoft-com:vml" Requires="v">
-                <p:oleObj spid="_x0000_s2070" r:id="rId4" imgW="3078360" imgH="6754320" progId="">
+                <p:oleObj spid="_x0000_s2073" r:id="rId4" imgW="3078360" imgH="6754320" progId="">
                   <p:embed/>
                 </p:oleObj>
               </mc:Choice>
@@ -12650,7 +12491,7 @@
           <a:graphicData uri="http://schemas.openxmlformats.org/presentationml/2006/ole">
             <mc:AlternateContent xmlns:mc="http://schemas.openxmlformats.org/markup-compatibility/2006">
               <mc:Choice xmlns:v="urn:schemas-microsoft-com:vml" Requires="v">
-                <p:oleObj spid="_x0000_s1047" r:id="rId4" imgW="3078360" imgH="6754320" progId="">
+                <p:oleObj spid="_x0000_s1050" r:id="rId4" imgW="3078360" imgH="6754320" progId="">
                   <p:embed/>
                 </p:oleObj>
               </mc:Choice>
@@ -13960,7 +13801,7 @@
             <a:spLocks noGrp="1"/>
           </p:cNvSpPr>
           <p:nvPr>
-            <p:ph type="ctrTitle"/>
+            <p:ph type="ctrTitle" idx="4294967295"/>
           </p:nvPr>
         </p:nvSpPr>
         <p:spPr>

--- a/Minimal Charm Blue variant.pptx
+++ b/Minimal Charm Blue variant.pptx
@@ -334,6 +334,7 @@
           </a:p>
         </c:rich>
       </c:tx>
+      <c:layout/>
       <c:overlay val="0"/>
       <c:spPr>
         <a:noFill/>
@@ -446,6 +447,7 @@
             <c:showLeaderLines val="0"/>
             <c:extLst>
               <c:ext xmlns:c15="http://schemas.microsoft.com/office/drawing/2012/chart" uri="{CE6537A1-D6FC-4f65-9D91-7224C49458BB}">
+                <c15:layout/>
                 <c15:showLeaderLines val="1"/>
                 <c15:leaderLines>
                   <c:spPr>
@@ -602,7 +604,9 @@
               <c:showPercent val="0"/>
               <c:showBubbleSize val="0"/>
               <c:extLst>
-                <c:ext xmlns:c15="http://schemas.microsoft.com/office/drawing/2012/chart" uri="{CE6537A1-D6FC-4f65-9D91-7224C49458BB}"/>
+                <c:ext xmlns:c15="http://schemas.microsoft.com/office/drawing/2012/chart" uri="{CE6537A1-D6FC-4f65-9D91-7224C49458BB}">
+                  <c15:layout/>
+                </c:ext>
                 <c:ext xmlns:c16="http://schemas.microsoft.com/office/drawing/2014/chart" uri="{C3380CC4-5D6E-409C-BE32-E72D297353CC}">
                   <c16:uniqueId val="{00000001-562A-44B2-8DF8-0C43A0D0EB72}"/>
                 </c:ext>
@@ -623,7 +627,9 @@
               <c:showPercent val="0"/>
               <c:showBubbleSize val="0"/>
               <c:extLst>
-                <c:ext xmlns:c15="http://schemas.microsoft.com/office/drawing/2012/chart" uri="{CE6537A1-D6FC-4f65-9D91-7224C49458BB}"/>
+                <c:ext xmlns:c15="http://schemas.microsoft.com/office/drawing/2012/chart" uri="{CE6537A1-D6FC-4f65-9D91-7224C49458BB}">
+                  <c15:layout/>
+                </c:ext>
                 <c:ext xmlns:c16="http://schemas.microsoft.com/office/drawing/2014/chart" uri="{C3380CC4-5D6E-409C-BE32-E72D297353CC}">
                   <c16:uniqueId val="{00000002-562A-44B2-8DF8-0C43A0D0EB72}"/>
                 </c:ext>
@@ -644,7 +650,9 @@
               <c:showPercent val="0"/>
               <c:showBubbleSize val="0"/>
               <c:extLst>
-                <c:ext xmlns:c15="http://schemas.microsoft.com/office/drawing/2012/chart" uri="{CE6537A1-D6FC-4f65-9D91-7224C49458BB}"/>
+                <c:ext xmlns:c15="http://schemas.microsoft.com/office/drawing/2012/chart" uri="{CE6537A1-D6FC-4f65-9D91-7224C49458BB}">
+                  <c15:layout/>
+                </c:ext>
                 <c:ext xmlns:c16="http://schemas.microsoft.com/office/drawing/2014/chart" uri="{C3380CC4-5D6E-409C-BE32-E72D297353CC}">
                   <c16:uniqueId val="{00000003-562A-44B2-8DF8-0C43A0D0EB72}"/>
                 </c:ext>
@@ -665,7 +673,9 @@
               <c:showPercent val="0"/>
               <c:showBubbleSize val="0"/>
               <c:extLst>
-                <c:ext xmlns:c15="http://schemas.microsoft.com/office/drawing/2012/chart" uri="{CE6537A1-D6FC-4f65-9D91-7224C49458BB}"/>
+                <c:ext xmlns:c15="http://schemas.microsoft.com/office/drawing/2012/chart" uri="{CE6537A1-D6FC-4f65-9D91-7224C49458BB}">
+                  <c15:layout/>
+                </c:ext>
                 <c:ext xmlns:c16="http://schemas.microsoft.com/office/drawing/2014/chart" uri="{C3380CC4-5D6E-409C-BE32-E72D297353CC}">
                   <c16:uniqueId val="{00000004-562A-44B2-8DF8-0C43A0D0EB72}"/>
                 </c:ext>
@@ -686,7 +696,9 @@
               <c:showPercent val="0"/>
               <c:showBubbleSize val="0"/>
               <c:extLst>
-                <c:ext xmlns:c15="http://schemas.microsoft.com/office/drawing/2012/chart" uri="{CE6537A1-D6FC-4f65-9D91-7224C49458BB}"/>
+                <c:ext xmlns:c15="http://schemas.microsoft.com/office/drawing/2012/chart" uri="{CE6537A1-D6FC-4f65-9D91-7224C49458BB}">
+                  <c15:layout/>
+                </c:ext>
                 <c:ext xmlns:c16="http://schemas.microsoft.com/office/drawing/2014/chart" uri="{C3380CC4-5D6E-409C-BE32-E72D297353CC}">
                   <c16:uniqueId val="{00000005-562A-44B2-8DF8-0C43A0D0EB72}"/>
                 </c:ext>
@@ -707,7 +719,9 @@
               <c:showPercent val="0"/>
               <c:showBubbleSize val="0"/>
               <c:extLst>
-                <c:ext xmlns:c15="http://schemas.microsoft.com/office/drawing/2012/chart" uri="{CE6537A1-D6FC-4f65-9D91-7224C49458BB}"/>
+                <c:ext xmlns:c15="http://schemas.microsoft.com/office/drawing/2012/chart" uri="{CE6537A1-D6FC-4f65-9D91-7224C49458BB}">
+                  <c15:layout/>
+                </c:ext>
                 <c:ext xmlns:c16="http://schemas.microsoft.com/office/drawing/2014/chart" uri="{C3380CC4-5D6E-409C-BE32-E72D297353CC}">
                   <c16:uniqueId val="{00000006-562A-44B2-8DF8-0C43A0D0EB72}"/>
                 </c:ext>
@@ -728,7 +742,9 @@
               <c:showPercent val="0"/>
               <c:showBubbleSize val="0"/>
               <c:extLst>
-                <c:ext xmlns:c15="http://schemas.microsoft.com/office/drawing/2012/chart" uri="{CE6537A1-D6FC-4f65-9D91-7224C49458BB}"/>
+                <c:ext xmlns:c15="http://schemas.microsoft.com/office/drawing/2012/chart" uri="{CE6537A1-D6FC-4f65-9D91-7224C49458BB}">
+                  <c15:layout/>
+                </c:ext>
                 <c:ext xmlns:c16="http://schemas.microsoft.com/office/drawing/2014/chart" uri="{C3380CC4-5D6E-409C-BE32-E72D297353CC}">
                   <c16:uniqueId val="{00000007-562A-44B2-8DF8-0C43A0D0EB72}"/>
                 </c:ext>
@@ -749,7 +765,9 @@
               <c:showPercent val="0"/>
               <c:showBubbleSize val="0"/>
               <c:extLst>
-                <c:ext xmlns:c15="http://schemas.microsoft.com/office/drawing/2012/chart" uri="{CE6537A1-D6FC-4f65-9D91-7224C49458BB}"/>
+                <c:ext xmlns:c15="http://schemas.microsoft.com/office/drawing/2012/chart" uri="{CE6537A1-D6FC-4f65-9D91-7224C49458BB}">
+                  <c15:layout/>
+                </c:ext>
                 <c:ext xmlns:c16="http://schemas.microsoft.com/office/drawing/2014/chart" uri="{C3380CC4-5D6E-409C-BE32-E72D297353CC}">
                   <c16:uniqueId val="{00000008-562A-44B2-8DF8-0C43A0D0EB72}"/>
                 </c:ext>
@@ -793,6 +811,7 @@
             <c:showLeaderLines val="0"/>
             <c:extLst>
               <c:ext xmlns:c15="http://schemas.microsoft.com/office/drawing/2012/chart" uri="{CE6537A1-D6FC-4f65-9D91-7224C49458BB}">
+                <c15:layout/>
                 <c15:showLeaderLines val="1"/>
                 <c15:leaderLines>
                   <c:spPr>
@@ -1181,6 +1200,7 @@
                     <a:noFill/>
                   </a:ln>
                 </c15:spPr>
+                <c15:layout/>
                 <c15:showLeaderLines val="1"/>
                 <c15:leaderLines>
                   <c:spPr>
@@ -1431,6 +1451,7 @@
           </a:p>
         </c:txPr>
       </c:legendEntry>
+      <c:layout/>
       <c:overlay val="0"/>
       <c:spPr>
         <a:noFill/>
@@ -1541,6 +1562,7 @@
           </a:p>
         </c:rich>
       </c:tx>
+      <c:layout/>
       <c:overlay val="0"/>
       <c:spPr>
         <a:noFill/>
@@ -1729,6 +1751,7 @@
             <c:showLeaderLines val="0"/>
             <c:extLst>
               <c:ext xmlns:c15="http://schemas.microsoft.com/office/drawing/2012/chart" uri="{CE6537A1-D6FC-4f65-9D91-7224C49458BB}">
+                <c15:layout/>
                 <c15:showLeaderLines val="1"/>
                 <c15:leaderLines>
                   <c:spPr>
@@ -1926,6 +1949,7 @@
     </c:plotArea>
     <c:legend>
       <c:legendPos val="b"/>
+      <c:layout/>
       <c:overlay val="0"/>
       <c:spPr>
         <a:noFill/>
@@ -11936,7 +11960,6 @@
               <a:rPr lang="en-US" sz="2400" b="1"/>
               <a:t>Phát triển ứng dụng theo dõi và bảo vệ các mẫu điện thoại thông minh của Samsung tại các cửa hàng bán lẻ</a:t>
             </a:r>
-            <a:endParaRPr lang="en-US" sz="2400" b="1"/>
           </a:p>
         </p:txBody>
       </p:sp>
@@ -11989,6 +12012,9 @@
   <p:clrMapOvr>
     <a:masterClrMapping/>
   </p:clrMapOvr>
+  <p:transition spd="slow">
+    <p:wipe/>
+  </p:transition>
   <p:timing>
     <p:tnLst>
       <p:par>
@@ -12128,6 +12154,9 @@
   <p:clrMapOvr>
     <a:masterClrMapping/>
   </p:clrMapOvr>
+  <p:transition spd="slow">
+    <p:wipe/>
+  </p:transition>
   <p:timing>
     <p:tnLst>
       <p:par>
@@ -12286,7 +12315,7 @@
           <a:graphicData uri="http://schemas.openxmlformats.org/presentationml/2006/ole">
             <mc:AlternateContent xmlns:mc="http://schemas.openxmlformats.org/markup-compatibility/2006">
               <mc:Choice xmlns:v="urn:schemas-microsoft-com:vml" Requires="v">
-                <p:oleObj spid="_x0000_s2073" r:id="rId4" imgW="3078360" imgH="6754320" progId="">
+                <p:oleObj spid="_x0000_s2074" r:id="rId4" imgW="3078360" imgH="6754320" progId="">
                   <p:embed/>
                 </p:oleObj>
               </mc:Choice>
@@ -12331,6 +12360,9 @@
   <p:clrMapOvr>
     <a:masterClrMapping/>
   </p:clrMapOvr>
+  <p:transition spd="slow">
+    <p:wipe/>
+  </p:transition>
   <p:timing>
     <p:tnLst>
       <p:par>
@@ -12491,7 +12523,7 @@
           <a:graphicData uri="http://schemas.openxmlformats.org/presentationml/2006/ole">
             <mc:AlternateContent xmlns:mc="http://schemas.openxmlformats.org/markup-compatibility/2006">
               <mc:Choice xmlns:v="urn:schemas-microsoft-com:vml" Requires="v">
-                <p:oleObj spid="_x0000_s1050" r:id="rId4" imgW="3078360" imgH="6754320" progId="">
+                <p:oleObj spid="_x0000_s1051" r:id="rId4" imgW="3078360" imgH="6754320" progId="">
                   <p:embed/>
                 </p:oleObj>
               </mc:Choice>
@@ -12531,6 +12563,9 @@
   <p:clrMapOvr>
     <a:masterClrMapping/>
   </p:clrMapOvr>
+  <p:transition spd="slow">
+    <p:wipe/>
+  </p:transition>
   <p:timing>
     <p:tnLst>
       <p:par>
@@ -12670,6 +12705,9 @@
   <p:clrMapOvr>
     <a:masterClrMapping/>
   </p:clrMapOvr>
+  <p:transition spd="slow">
+    <p:wipe/>
+  </p:transition>
   <p:timing>
     <p:tnLst>
       <p:par>
@@ -12854,6 +12892,9 @@
   <p:clrMapOvr>
     <a:masterClrMapping/>
   </p:clrMapOvr>
+  <p:transition spd="slow">
+    <p:wipe/>
+  </p:transition>
   <p:timing>
     <p:tnLst>
       <p:par>
@@ -13293,6 +13334,9 @@
   <p:clrMapOvr>
     <a:masterClrMapping/>
   </p:clrMapOvr>
+  <p:transition spd="slow">
+    <p:wipe/>
+  </p:transition>
   <p:timing>
     <p:tnLst>
       <p:par>
@@ -13846,18 +13890,14 @@
               <a:buNone/>
             </a:pPr>
             <a:r>
-              <a:rPr lang="es" sz="3600"/>
-              <a:t>T</a:t>
+              <a:rPr lang="en-US" sz="3600" smtClean="0">
+                <a:latin typeface="+mn-lt"/>
+              </a:rPr>
+              <a:t>THANKS!</a:t>
             </a:r>
-            <a:r>
-              <a:rPr lang="es"/>
-              <a:t>hanks</a:t>
-            </a:r>
-            <a:r>
-              <a:rPr lang="es" sz="3600"/>
-              <a:t>!</a:t>
-            </a:r>
-            <a:endParaRPr i="1"/>
+            <a:endParaRPr lang="en-US" sz="3600" i="1">
+              <a:latin typeface="+mn-lt"/>
+            </a:endParaRPr>
           </a:p>
         </p:txBody>
       </p:sp>
@@ -13866,6 +13906,9 @@
   <p:clrMapOvr>
     <a:masterClrMapping/>
   </p:clrMapOvr>
+  <p:transition spd="slow">
+    <p:wipe/>
+  </p:transition>
   <p:timing>
     <p:tnLst>
       <p:par>
@@ -14990,6 +15033,9 @@
   <p:clrMapOvr>
     <a:masterClrMapping/>
   </p:clrMapOvr>
+  <p:transition spd="slow">
+    <p:wipe/>
+  </p:transition>
   <p:timing>
     <p:tnLst>
       <p:par>
@@ -15137,6 +15183,9 @@
   <p:clrMapOvr>
     <a:masterClrMapping/>
   </p:clrMapOvr>
+  <p:transition spd="slow">
+    <p:wipe/>
+  </p:transition>
   <p:timing>
     <p:tnLst>
       <p:par>
@@ -18466,6 +18515,9 @@
   <p:clrMapOvr>
     <a:masterClrMapping/>
   </p:clrMapOvr>
+  <p:transition spd="slow">
+    <p:wipe/>
+  </p:transition>
   <p:timing>
     <p:tnLst>
       <p:par>
@@ -21795,6 +21847,9 @@
   <p:clrMapOvr>
     <a:masterClrMapping/>
   </p:clrMapOvr>
+  <p:transition spd="slow">
+    <p:wipe/>
+  </p:transition>
   <p:timing>
     <p:tnLst>
       <p:par>
@@ -25100,6 +25155,9 @@
   <p:clrMapOvr>
     <a:masterClrMapping/>
   </p:clrMapOvr>
+  <p:transition spd="slow">
+    <p:wipe/>
+  </p:transition>
   <p:timing>
     <p:tnLst>
       <p:par>
@@ -25240,6 +25298,9 @@
   <p:clrMapOvr>
     <a:masterClrMapping/>
   </p:clrMapOvr>
+  <p:transition spd="slow">
+    <p:wipe/>
+  </p:transition>
   <p:timing>
     <p:tnLst>
       <p:par>
@@ -25510,6 +25571,9 @@
   <p:clrMapOvr>
     <a:masterClrMapping/>
   </p:clrMapOvr>
+  <p:transition spd="slow">
+    <p:wipe/>
+  </p:transition>
   <p:timing>
     <p:tnLst>
       <p:par>
@@ -28815,6 +28879,9 @@
   <p:clrMapOvr>
     <a:masterClrMapping/>
   </p:clrMapOvr>
+  <p:transition spd="slow">
+    <p:wipe/>
+  </p:transition>
   <p:timing>
     <p:tnLst>
       <p:par>

--- a/Minimal Charm Blue variant.pptx
+++ b/Minimal Charm Blue variant.pptx
@@ -8,7 +8,7 @@
     <p:notesMasterId r:id="rId18"/>
   </p:notesMasterIdLst>
   <p:sldIdLst>
-    <p:sldId id="256" r:id="rId2"/>
+    <p:sldId id="316" r:id="rId2"/>
     <p:sldId id="257" r:id="rId3"/>
     <p:sldId id="261" r:id="rId4"/>
     <p:sldId id="303" r:id="rId5"/>
@@ -334,7 +334,6 @@
           </a:p>
         </c:rich>
       </c:tx>
-      <c:layout/>
       <c:overlay val="0"/>
       <c:spPr>
         <a:noFill/>
@@ -447,7 +446,6 @@
             <c:showLeaderLines val="0"/>
             <c:extLst>
               <c:ext xmlns:c15="http://schemas.microsoft.com/office/drawing/2012/chart" uri="{CE6537A1-D6FC-4f65-9D91-7224C49458BB}">
-                <c15:layout/>
                 <c15:showLeaderLines val="1"/>
                 <c15:leaderLines>
                   <c:spPr>
@@ -604,9 +602,7 @@
               <c:showPercent val="0"/>
               <c:showBubbleSize val="0"/>
               <c:extLst>
-                <c:ext xmlns:c15="http://schemas.microsoft.com/office/drawing/2012/chart" uri="{CE6537A1-D6FC-4f65-9D91-7224C49458BB}">
-                  <c15:layout/>
-                </c:ext>
+                <c:ext xmlns:c15="http://schemas.microsoft.com/office/drawing/2012/chart" uri="{CE6537A1-D6FC-4f65-9D91-7224C49458BB}"/>
                 <c:ext xmlns:c16="http://schemas.microsoft.com/office/drawing/2014/chart" uri="{C3380CC4-5D6E-409C-BE32-E72D297353CC}">
                   <c16:uniqueId val="{00000001-562A-44B2-8DF8-0C43A0D0EB72}"/>
                 </c:ext>
@@ -627,9 +623,7 @@
               <c:showPercent val="0"/>
               <c:showBubbleSize val="0"/>
               <c:extLst>
-                <c:ext xmlns:c15="http://schemas.microsoft.com/office/drawing/2012/chart" uri="{CE6537A1-D6FC-4f65-9D91-7224C49458BB}">
-                  <c15:layout/>
-                </c:ext>
+                <c:ext xmlns:c15="http://schemas.microsoft.com/office/drawing/2012/chart" uri="{CE6537A1-D6FC-4f65-9D91-7224C49458BB}"/>
                 <c:ext xmlns:c16="http://schemas.microsoft.com/office/drawing/2014/chart" uri="{C3380CC4-5D6E-409C-BE32-E72D297353CC}">
                   <c16:uniqueId val="{00000002-562A-44B2-8DF8-0C43A0D0EB72}"/>
                 </c:ext>
@@ -650,9 +644,7 @@
               <c:showPercent val="0"/>
               <c:showBubbleSize val="0"/>
               <c:extLst>
-                <c:ext xmlns:c15="http://schemas.microsoft.com/office/drawing/2012/chart" uri="{CE6537A1-D6FC-4f65-9D91-7224C49458BB}">
-                  <c15:layout/>
-                </c:ext>
+                <c:ext xmlns:c15="http://schemas.microsoft.com/office/drawing/2012/chart" uri="{CE6537A1-D6FC-4f65-9D91-7224C49458BB}"/>
                 <c:ext xmlns:c16="http://schemas.microsoft.com/office/drawing/2014/chart" uri="{C3380CC4-5D6E-409C-BE32-E72D297353CC}">
                   <c16:uniqueId val="{00000003-562A-44B2-8DF8-0C43A0D0EB72}"/>
                 </c:ext>
@@ -673,9 +665,7 @@
               <c:showPercent val="0"/>
               <c:showBubbleSize val="0"/>
               <c:extLst>
-                <c:ext xmlns:c15="http://schemas.microsoft.com/office/drawing/2012/chart" uri="{CE6537A1-D6FC-4f65-9D91-7224C49458BB}">
-                  <c15:layout/>
-                </c:ext>
+                <c:ext xmlns:c15="http://schemas.microsoft.com/office/drawing/2012/chart" uri="{CE6537A1-D6FC-4f65-9D91-7224C49458BB}"/>
                 <c:ext xmlns:c16="http://schemas.microsoft.com/office/drawing/2014/chart" uri="{C3380CC4-5D6E-409C-BE32-E72D297353CC}">
                   <c16:uniqueId val="{00000004-562A-44B2-8DF8-0C43A0D0EB72}"/>
                 </c:ext>
@@ -696,9 +686,7 @@
               <c:showPercent val="0"/>
               <c:showBubbleSize val="0"/>
               <c:extLst>
-                <c:ext xmlns:c15="http://schemas.microsoft.com/office/drawing/2012/chart" uri="{CE6537A1-D6FC-4f65-9D91-7224C49458BB}">
-                  <c15:layout/>
-                </c:ext>
+                <c:ext xmlns:c15="http://schemas.microsoft.com/office/drawing/2012/chart" uri="{CE6537A1-D6FC-4f65-9D91-7224C49458BB}"/>
                 <c:ext xmlns:c16="http://schemas.microsoft.com/office/drawing/2014/chart" uri="{C3380CC4-5D6E-409C-BE32-E72D297353CC}">
                   <c16:uniqueId val="{00000005-562A-44B2-8DF8-0C43A0D0EB72}"/>
                 </c:ext>
@@ -719,9 +707,7 @@
               <c:showPercent val="0"/>
               <c:showBubbleSize val="0"/>
               <c:extLst>
-                <c:ext xmlns:c15="http://schemas.microsoft.com/office/drawing/2012/chart" uri="{CE6537A1-D6FC-4f65-9D91-7224C49458BB}">
-                  <c15:layout/>
-                </c:ext>
+                <c:ext xmlns:c15="http://schemas.microsoft.com/office/drawing/2012/chart" uri="{CE6537A1-D6FC-4f65-9D91-7224C49458BB}"/>
                 <c:ext xmlns:c16="http://schemas.microsoft.com/office/drawing/2014/chart" uri="{C3380CC4-5D6E-409C-BE32-E72D297353CC}">
                   <c16:uniqueId val="{00000006-562A-44B2-8DF8-0C43A0D0EB72}"/>
                 </c:ext>
@@ -742,9 +728,7 @@
               <c:showPercent val="0"/>
               <c:showBubbleSize val="0"/>
               <c:extLst>
-                <c:ext xmlns:c15="http://schemas.microsoft.com/office/drawing/2012/chart" uri="{CE6537A1-D6FC-4f65-9D91-7224C49458BB}">
-                  <c15:layout/>
-                </c:ext>
+                <c:ext xmlns:c15="http://schemas.microsoft.com/office/drawing/2012/chart" uri="{CE6537A1-D6FC-4f65-9D91-7224C49458BB}"/>
                 <c:ext xmlns:c16="http://schemas.microsoft.com/office/drawing/2014/chart" uri="{C3380CC4-5D6E-409C-BE32-E72D297353CC}">
                   <c16:uniqueId val="{00000007-562A-44B2-8DF8-0C43A0D0EB72}"/>
                 </c:ext>
@@ -765,9 +749,7 @@
               <c:showPercent val="0"/>
               <c:showBubbleSize val="0"/>
               <c:extLst>
-                <c:ext xmlns:c15="http://schemas.microsoft.com/office/drawing/2012/chart" uri="{CE6537A1-D6FC-4f65-9D91-7224C49458BB}">
-                  <c15:layout/>
-                </c:ext>
+                <c:ext xmlns:c15="http://schemas.microsoft.com/office/drawing/2012/chart" uri="{CE6537A1-D6FC-4f65-9D91-7224C49458BB}"/>
                 <c:ext xmlns:c16="http://schemas.microsoft.com/office/drawing/2014/chart" uri="{C3380CC4-5D6E-409C-BE32-E72D297353CC}">
                   <c16:uniqueId val="{00000008-562A-44B2-8DF8-0C43A0D0EB72}"/>
                 </c:ext>
@@ -811,7 +793,6 @@
             <c:showLeaderLines val="0"/>
             <c:extLst>
               <c:ext xmlns:c15="http://schemas.microsoft.com/office/drawing/2012/chart" uri="{CE6537A1-D6FC-4f65-9D91-7224C49458BB}">
-                <c15:layout/>
                 <c15:showLeaderLines val="1"/>
                 <c15:leaderLines>
                   <c:spPr>
@@ -1200,7 +1181,6 @@
                     <a:noFill/>
                   </a:ln>
                 </c15:spPr>
-                <c15:layout/>
                 <c15:showLeaderLines val="1"/>
                 <c15:leaderLines>
                   <c:spPr>
@@ -1451,7 +1431,6 @@
           </a:p>
         </c:txPr>
       </c:legendEntry>
-      <c:layout/>
       <c:overlay val="0"/>
       <c:spPr>
         <a:noFill/>
@@ -1562,7 +1541,6 @@
           </a:p>
         </c:rich>
       </c:tx>
-      <c:layout/>
       <c:overlay val="0"/>
       <c:spPr>
         <a:noFill/>
@@ -1751,7 +1729,6 @@
             <c:showLeaderLines val="0"/>
             <c:extLst>
               <c:ext xmlns:c15="http://schemas.microsoft.com/office/drawing/2012/chart" uri="{CE6537A1-D6FC-4f65-9D91-7224C49458BB}">
-                <c15:layout/>
                 <c15:showLeaderLines val="1"/>
                 <c15:leaderLines>
                   <c:spPr>
@@ -1949,7 +1926,6 @@
     </c:plotArea>
     <c:legend>
       <c:legendPos val="b"/>
-      <c:layout/>
       <c:overlay val="0"/>
       <c:spPr>
         <a:noFill/>
@@ -3538,7 +3514,7 @@
   <p:cSld>
     <p:spTree>
       <p:nvGrpSpPr>
-        <p:cNvPr id="1" name="Shape 185"/>
+        <p:cNvPr id="1" name="Shape 191"/>
         <p:cNvGrpSpPr/>
         <p:nvPr/>
       </p:nvGrpSpPr>
@@ -3552,7 +3528,7 @@
       </p:grpSpPr>
       <p:sp>
         <p:nvSpPr>
-          <p:cNvPr id="186" name="Google Shape;186;g442eb61d9d_0_0:notes"/>
+          <p:cNvPr id="192" name="Google Shape;192;g442eb61d9d_0_7:notes"/>
           <p:cNvSpPr>
             <a:spLocks noGrp="1" noRot="1" noChangeAspect="1"/>
           </p:cNvSpPr>
@@ -3593,7 +3569,7 @@
       </p:sp>
       <p:sp>
         <p:nvSpPr>
-          <p:cNvPr id="187" name="Google Shape;187;g442eb61d9d_0_0:notes"/>
+          <p:cNvPr id="193" name="Google Shape;193;g442eb61d9d_0_7:notes"/>
           <p:cNvSpPr txBox="1">
             <a:spLocks noGrp="1"/>
           </p:cNvSpPr>
@@ -3642,7 +3618,7 @@
   <p:cSld>
     <p:spTree>
       <p:nvGrpSpPr>
-        <p:cNvPr id="1" name="Shape 229"/>
+        <p:cNvPr id="1" name="Shape 818"/>
         <p:cNvGrpSpPr/>
         <p:nvPr/>
       </p:nvGrpSpPr>
@@ -3656,7 +3632,7 @@
       </p:grpSpPr>
       <p:sp>
         <p:nvSpPr>
-          <p:cNvPr id="230" name="Google Shape;230;g442eb61d9d_0_37:notes"/>
+          <p:cNvPr id="819" name="Google Shape;819;g442eb61d9d_0_543:notes"/>
           <p:cNvSpPr>
             <a:spLocks noGrp="1" noRot="1" noChangeAspect="1"/>
           </p:cNvSpPr>
@@ -3697,7 +3673,7 @@
       </p:sp>
       <p:sp>
         <p:nvSpPr>
-          <p:cNvPr id="231" name="Google Shape;231;g442eb61d9d_0_37:notes"/>
+          <p:cNvPr id="820" name="Google Shape;820;g442eb61d9d_0_543:notes"/>
           <p:cNvSpPr txBox="1">
             <a:spLocks noGrp="1"/>
           </p:cNvSpPr>
@@ -3736,7 +3712,7 @@
     </p:spTree>
     <p:extLst>
       <p:ext uri="{BB962C8B-B14F-4D97-AF65-F5344CB8AC3E}">
-        <p14:creationId xmlns:p14="http://schemas.microsoft.com/office/powerpoint/2010/main" val="1697857641"/>
+        <p14:creationId xmlns:p14="http://schemas.microsoft.com/office/powerpoint/2010/main" val="2076364166"/>
       </p:ext>
     </p:extLst>
   </p:cSld>
@@ -3843,11 +3819,6 @@
         </p:txBody>
       </p:sp>
     </p:spTree>
-    <p:extLst>
-      <p:ext uri="{BB962C8B-B14F-4D97-AF65-F5344CB8AC3E}">
-        <p14:creationId xmlns:p14="http://schemas.microsoft.com/office/powerpoint/2010/main" val="2076364166"/>
-      </p:ext>
-    </p:extLst>
   </p:cSld>
   <p:clrMapOvr>
     <a:masterClrMapping/>
@@ -3856,110 +3827,6 @@
 </file>
 
 <file path=ppt/notesSlides/notesSlide12.xml><?xml version="1.0" encoding="utf-8"?>
-<p:notes xmlns:a="http://schemas.openxmlformats.org/drawingml/2006/main" xmlns:r="http://schemas.openxmlformats.org/officeDocument/2006/relationships" xmlns:p="http://schemas.openxmlformats.org/presentationml/2006/main" showMasterSp="0" showMasterPhAnim="0">
-  <p:cSld>
-    <p:spTree>
-      <p:nvGrpSpPr>
-        <p:cNvPr id="1" name="Shape 818"/>
-        <p:cNvGrpSpPr/>
-        <p:nvPr/>
-      </p:nvGrpSpPr>
-      <p:grpSpPr>
-        <a:xfrm>
-          <a:off x="0" y="0"/>
-          <a:ext cx="0" cy="0"/>
-          <a:chOff x="0" y="0"/>
-          <a:chExt cx="0" cy="0"/>
-        </a:xfrm>
-      </p:grpSpPr>
-      <p:sp>
-        <p:nvSpPr>
-          <p:cNvPr id="819" name="Google Shape;819;g442eb61d9d_0_543:notes"/>
-          <p:cNvSpPr>
-            <a:spLocks noGrp="1" noRot="1" noChangeAspect="1"/>
-          </p:cNvSpPr>
-          <p:nvPr>
-            <p:ph type="sldImg" idx="2"/>
-          </p:nvPr>
-        </p:nvSpPr>
-        <p:spPr>
-          <a:xfrm>
-            <a:off x="381000" y="685800"/>
-            <a:ext cx="6096000" cy="3429000"/>
-          </a:xfrm>
-          <a:custGeom>
-            <a:avLst/>
-            <a:gdLst/>
-            <a:ahLst/>
-            <a:cxnLst/>
-            <a:rect l="l" t="t" r="r" b="b"/>
-            <a:pathLst>
-              <a:path w="120000" h="120000" extrusionOk="0">
-                <a:moveTo>
-                  <a:pt x="0" y="0"/>
-                </a:moveTo>
-                <a:lnTo>
-                  <a:pt x="120000" y="0"/>
-                </a:lnTo>
-                <a:lnTo>
-                  <a:pt x="120000" y="120000"/>
-                </a:lnTo>
-                <a:lnTo>
-                  <a:pt x="0" y="120000"/>
-                </a:lnTo>
-                <a:close/>
-              </a:path>
-            </a:pathLst>
-          </a:custGeom>
-        </p:spPr>
-      </p:sp>
-      <p:sp>
-        <p:nvSpPr>
-          <p:cNvPr id="820" name="Google Shape;820;g442eb61d9d_0_543:notes"/>
-          <p:cNvSpPr txBox="1">
-            <a:spLocks noGrp="1"/>
-          </p:cNvSpPr>
-          <p:nvPr>
-            <p:ph type="body" idx="1"/>
-          </p:nvPr>
-        </p:nvSpPr>
-        <p:spPr>
-          <a:xfrm>
-            <a:off x="685800" y="4343400"/>
-            <a:ext cx="5486400" cy="4114800"/>
-          </a:xfrm>
-          <a:prstGeom prst="rect">
-            <a:avLst/>
-          </a:prstGeom>
-        </p:spPr>
-        <p:txBody>
-          <a:bodyPr spcFirstLastPara="1" wrap="square" lIns="91425" tIns="91425" rIns="91425" bIns="91425" anchor="t" anchorCtr="0">
-            <a:noAutofit/>
-          </a:bodyPr>
-          <a:lstStyle/>
-          <a:p>
-            <a:pPr marL="0" lvl="0" indent="0" algn="l" rtl="0">
-              <a:spcBef>
-                <a:spcPts val="0"/>
-              </a:spcBef>
-              <a:spcAft>
-                <a:spcPts val="0"/>
-              </a:spcAft>
-              <a:buNone/>
-            </a:pPr>
-            <a:endParaRPr/>
-          </a:p>
-        </p:txBody>
-      </p:sp>
-    </p:spTree>
-  </p:cSld>
-  <p:clrMapOvr>
-    <a:masterClrMapping/>
-  </p:clrMapOvr>
-</p:notes>
-</file>
-
-<file path=ppt/notesSlides/notesSlide13.xml><?xml version="1.0" encoding="utf-8"?>
 <p:notes xmlns:a="http://schemas.openxmlformats.org/drawingml/2006/main" xmlns:r="http://schemas.openxmlformats.org/officeDocument/2006/relationships" xmlns:p="http://schemas.openxmlformats.org/presentationml/2006/main" showMasterSp="0" showMasterPhAnim="0">
   <p:cSld>
     <p:spTree>
@@ -4061,6 +3928,110 @@
         <p14:creationId xmlns:p14="http://schemas.microsoft.com/office/powerpoint/2010/main" val="1924344088"/>
       </p:ext>
     </p:extLst>
+  </p:cSld>
+  <p:clrMapOvr>
+    <a:masterClrMapping/>
+  </p:clrMapOvr>
+</p:notes>
+</file>
+
+<file path=ppt/notesSlides/notesSlide13.xml><?xml version="1.0" encoding="utf-8"?>
+<p:notes xmlns:a="http://schemas.openxmlformats.org/drawingml/2006/main" xmlns:r="http://schemas.openxmlformats.org/officeDocument/2006/relationships" xmlns:p="http://schemas.openxmlformats.org/presentationml/2006/main" showMasterSp="0" showMasterPhAnim="0">
+  <p:cSld>
+    <p:spTree>
+      <p:nvGrpSpPr>
+        <p:cNvPr id="1" name="Shape 331"/>
+        <p:cNvGrpSpPr/>
+        <p:nvPr/>
+      </p:nvGrpSpPr>
+      <p:grpSpPr>
+        <a:xfrm>
+          <a:off x="0" y="0"/>
+          <a:ext cx="0" cy="0"/>
+          <a:chOff x="0" y="0"/>
+          <a:chExt cx="0" cy="0"/>
+        </a:xfrm>
+      </p:grpSpPr>
+      <p:sp>
+        <p:nvSpPr>
+          <p:cNvPr id="332" name="Google Shape;332;g442eb61d9d_0_116:notes"/>
+          <p:cNvSpPr>
+            <a:spLocks noGrp="1" noRot="1" noChangeAspect="1"/>
+          </p:cNvSpPr>
+          <p:nvPr>
+            <p:ph type="sldImg" idx="2"/>
+          </p:nvPr>
+        </p:nvSpPr>
+        <p:spPr>
+          <a:xfrm>
+            <a:off x="381000" y="685800"/>
+            <a:ext cx="6096000" cy="3429000"/>
+          </a:xfrm>
+          <a:custGeom>
+            <a:avLst/>
+            <a:gdLst/>
+            <a:ahLst/>
+            <a:cxnLst/>
+            <a:rect l="l" t="t" r="r" b="b"/>
+            <a:pathLst>
+              <a:path w="120000" h="120000" extrusionOk="0">
+                <a:moveTo>
+                  <a:pt x="0" y="0"/>
+                </a:moveTo>
+                <a:lnTo>
+                  <a:pt x="120000" y="0"/>
+                </a:lnTo>
+                <a:lnTo>
+                  <a:pt x="120000" y="120000"/>
+                </a:lnTo>
+                <a:lnTo>
+                  <a:pt x="0" y="120000"/>
+                </a:lnTo>
+                <a:close/>
+              </a:path>
+            </a:pathLst>
+          </a:custGeom>
+        </p:spPr>
+      </p:sp>
+      <p:sp>
+        <p:nvSpPr>
+          <p:cNvPr id="333" name="Google Shape;333;g442eb61d9d_0_116:notes"/>
+          <p:cNvSpPr txBox="1">
+            <a:spLocks noGrp="1"/>
+          </p:cNvSpPr>
+          <p:nvPr>
+            <p:ph type="body" idx="1"/>
+          </p:nvPr>
+        </p:nvSpPr>
+        <p:spPr>
+          <a:xfrm>
+            <a:off x="685800" y="4343400"/>
+            <a:ext cx="5486400" cy="4114800"/>
+          </a:xfrm>
+          <a:prstGeom prst="rect">
+            <a:avLst/>
+          </a:prstGeom>
+        </p:spPr>
+        <p:txBody>
+          <a:bodyPr spcFirstLastPara="1" wrap="square" lIns="91425" tIns="91425" rIns="91425" bIns="91425" anchor="t" anchorCtr="0">
+            <a:noAutofit/>
+          </a:bodyPr>
+          <a:lstStyle/>
+          <a:p>
+            <a:pPr marL="0" lvl="0" indent="0" algn="l" rtl="0">
+              <a:spcBef>
+                <a:spcPts val="0"/>
+              </a:spcBef>
+              <a:spcAft>
+                <a:spcPts val="0"/>
+              </a:spcAft>
+              <a:buNone/>
+            </a:pPr>
+            <a:endParaRPr/>
+          </a:p>
+        </p:txBody>
+      </p:sp>
+    </p:spTree>
   </p:cSld>
   <p:clrMapOvr>
     <a:masterClrMapping/>
@@ -4165,110 +4136,6 @@
         </p:txBody>
       </p:sp>
     </p:spTree>
-  </p:cSld>
-  <p:clrMapOvr>
-    <a:masterClrMapping/>
-  </p:clrMapOvr>
-</p:notes>
-</file>
-
-<file path=ppt/notesSlides/notesSlide15.xml><?xml version="1.0" encoding="utf-8"?>
-<p:notes xmlns:a="http://schemas.openxmlformats.org/drawingml/2006/main" xmlns:r="http://schemas.openxmlformats.org/officeDocument/2006/relationships" xmlns:p="http://schemas.openxmlformats.org/presentationml/2006/main" showMasterSp="0" showMasterPhAnim="0">
-  <p:cSld>
-    <p:spTree>
-      <p:nvGrpSpPr>
-        <p:cNvPr id="1" name="Shape 331"/>
-        <p:cNvGrpSpPr/>
-        <p:nvPr/>
-      </p:nvGrpSpPr>
-      <p:grpSpPr>
-        <a:xfrm>
-          <a:off x="0" y="0"/>
-          <a:ext cx="0" cy="0"/>
-          <a:chOff x="0" y="0"/>
-          <a:chExt cx="0" cy="0"/>
-        </a:xfrm>
-      </p:grpSpPr>
-      <p:sp>
-        <p:nvSpPr>
-          <p:cNvPr id="332" name="Google Shape;332;g442eb61d9d_0_116:notes"/>
-          <p:cNvSpPr>
-            <a:spLocks noGrp="1" noRot="1" noChangeAspect="1"/>
-          </p:cNvSpPr>
-          <p:nvPr>
-            <p:ph type="sldImg" idx="2"/>
-          </p:nvPr>
-        </p:nvSpPr>
-        <p:spPr>
-          <a:xfrm>
-            <a:off x="381000" y="685800"/>
-            <a:ext cx="6096000" cy="3429000"/>
-          </a:xfrm>
-          <a:custGeom>
-            <a:avLst/>
-            <a:gdLst/>
-            <a:ahLst/>
-            <a:cxnLst/>
-            <a:rect l="l" t="t" r="r" b="b"/>
-            <a:pathLst>
-              <a:path w="120000" h="120000" extrusionOk="0">
-                <a:moveTo>
-                  <a:pt x="0" y="0"/>
-                </a:moveTo>
-                <a:lnTo>
-                  <a:pt x="120000" y="0"/>
-                </a:lnTo>
-                <a:lnTo>
-                  <a:pt x="120000" y="120000"/>
-                </a:lnTo>
-                <a:lnTo>
-                  <a:pt x="0" y="120000"/>
-                </a:lnTo>
-                <a:close/>
-              </a:path>
-            </a:pathLst>
-          </a:custGeom>
-        </p:spPr>
-      </p:sp>
-      <p:sp>
-        <p:nvSpPr>
-          <p:cNvPr id="333" name="Google Shape;333;g442eb61d9d_0_116:notes"/>
-          <p:cNvSpPr txBox="1">
-            <a:spLocks noGrp="1"/>
-          </p:cNvSpPr>
-          <p:nvPr>
-            <p:ph type="body" idx="1"/>
-          </p:nvPr>
-        </p:nvSpPr>
-        <p:spPr>
-          <a:xfrm>
-            <a:off x="685800" y="4343400"/>
-            <a:ext cx="5486400" cy="4114800"/>
-          </a:xfrm>
-          <a:prstGeom prst="rect">
-            <a:avLst/>
-          </a:prstGeom>
-        </p:spPr>
-        <p:txBody>
-          <a:bodyPr spcFirstLastPara="1" wrap="square" lIns="91425" tIns="91425" rIns="91425" bIns="91425" anchor="t" anchorCtr="0">
-            <a:noAutofit/>
-          </a:bodyPr>
-          <a:lstStyle/>
-          <a:p>
-            <a:pPr marL="0" lvl="0" indent="0" algn="l" rtl="0">
-              <a:spcBef>
-                <a:spcPts val="0"/>
-              </a:spcBef>
-              <a:spcAft>
-                <a:spcPts val="0"/>
-              </a:spcAft>
-              <a:buNone/>
-            </a:pPr>
-            <a:endParaRPr/>
-          </a:p>
-        </p:txBody>
-      </p:sp>
-    </p:spTree>
     <p:extLst>
       <p:ext uri="{BB962C8B-B14F-4D97-AF65-F5344CB8AC3E}">
         <p14:creationId xmlns:p14="http://schemas.microsoft.com/office/powerpoint/2010/main" val="57708784"/>
@@ -4281,7 +4148,7 @@
 </p:notes>
 </file>
 
-<file path=ppt/notesSlides/notesSlide16.xml><?xml version="1.0" encoding="utf-8"?>
+<file path=ppt/notesSlides/notesSlide15.xml><?xml version="1.0" encoding="utf-8"?>
 <p:notes xmlns:a="http://schemas.openxmlformats.org/drawingml/2006/main" xmlns:r="http://schemas.openxmlformats.org/officeDocument/2006/relationships" xmlns:p="http://schemas.openxmlformats.org/presentationml/2006/main" showMasterSp="0" showMasterPhAnim="0">
   <p:cSld>
     <p:spTree>
@@ -4390,110 +4257,6 @@
   <p:cSld>
     <p:spTree>
       <p:nvGrpSpPr>
-        <p:cNvPr id="1" name="Shape 191"/>
-        <p:cNvGrpSpPr/>
-        <p:nvPr/>
-      </p:nvGrpSpPr>
-      <p:grpSpPr>
-        <a:xfrm>
-          <a:off x="0" y="0"/>
-          <a:ext cx="0" cy="0"/>
-          <a:chOff x="0" y="0"/>
-          <a:chExt cx="0" cy="0"/>
-        </a:xfrm>
-      </p:grpSpPr>
-      <p:sp>
-        <p:nvSpPr>
-          <p:cNvPr id="192" name="Google Shape;192;g442eb61d9d_0_7:notes"/>
-          <p:cNvSpPr>
-            <a:spLocks noGrp="1" noRot="1" noChangeAspect="1"/>
-          </p:cNvSpPr>
-          <p:nvPr>
-            <p:ph type="sldImg" idx="2"/>
-          </p:nvPr>
-        </p:nvSpPr>
-        <p:spPr>
-          <a:xfrm>
-            <a:off x="381000" y="685800"/>
-            <a:ext cx="6096000" cy="3429000"/>
-          </a:xfrm>
-          <a:custGeom>
-            <a:avLst/>
-            <a:gdLst/>
-            <a:ahLst/>
-            <a:cxnLst/>
-            <a:rect l="l" t="t" r="r" b="b"/>
-            <a:pathLst>
-              <a:path w="120000" h="120000" extrusionOk="0">
-                <a:moveTo>
-                  <a:pt x="0" y="0"/>
-                </a:moveTo>
-                <a:lnTo>
-                  <a:pt x="120000" y="0"/>
-                </a:lnTo>
-                <a:lnTo>
-                  <a:pt x="120000" y="120000"/>
-                </a:lnTo>
-                <a:lnTo>
-                  <a:pt x="0" y="120000"/>
-                </a:lnTo>
-                <a:close/>
-              </a:path>
-            </a:pathLst>
-          </a:custGeom>
-        </p:spPr>
-      </p:sp>
-      <p:sp>
-        <p:nvSpPr>
-          <p:cNvPr id="193" name="Google Shape;193;g442eb61d9d_0_7:notes"/>
-          <p:cNvSpPr txBox="1">
-            <a:spLocks noGrp="1"/>
-          </p:cNvSpPr>
-          <p:nvPr>
-            <p:ph type="body" idx="1"/>
-          </p:nvPr>
-        </p:nvSpPr>
-        <p:spPr>
-          <a:xfrm>
-            <a:off x="685800" y="4343400"/>
-            <a:ext cx="5486400" cy="4114800"/>
-          </a:xfrm>
-          <a:prstGeom prst="rect">
-            <a:avLst/>
-          </a:prstGeom>
-        </p:spPr>
-        <p:txBody>
-          <a:bodyPr spcFirstLastPara="1" wrap="square" lIns="91425" tIns="91425" rIns="91425" bIns="91425" anchor="t" anchorCtr="0">
-            <a:noAutofit/>
-          </a:bodyPr>
-          <a:lstStyle/>
-          <a:p>
-            <a:pPr marL="0" lvl="0" indent="0" algn="l" rtl="0">
-              <a:spcBef>
-                <a:spcPts val="0"/>
-              </a:spcBef>
-              <a:spcAft>
-                <a:spcPts val="0"/>
-              </a:spcAft>
-              <a:buNone/>
-            </a:pPr>
-            <a:endParaRPr/>
-          </a:p>
-        </p:txBody>
-      </p:sp>
-    </p:spTree>
-  </p:cSld>
-  <p:clrMapOvr>
-    <a:masterClrMapping/>
-  </p:clrMapOvr>
-</p:notes>
-</file>
-
-<file path=ppt/notesSlides/notesSlide3.xml><?xml version="1.0" encoding="utf-8"?>
-<p:notes xmlns:a="http://schemas.openxmlformats.org/drawingml/2006/main" xmlns:r="http://schemas.openxmlformats.org/officeDocument/2006/relationships" xmlns:p="http://schemas.openxmlformats.org/presentationml/2006/main" showMasterSp="0" showMasterPhAnim="0">
-  <p:cSld>
-    <p:spTree>
-      <p:nvGrpSpPr>
         <p:cNvPr id="1" name="Shape 229"/>
         <p:cNvGrpSpPr/>
         <p:nvPr/>
@@ -4586,6 +4349,115 @@
         </p:txBody>
       </p:sp>
     </p:spTree>
+  </p:cSld>
+  <p:clrMapOvr>
+    <a:masterClrMapping/>
+  </p:clrMapOvr>
+</p:notes>
+</file>
+
+<file path=ppt/notesSlides/notesSlide3.xml><?xml version="1.0" encoding="utf-8"?>
+<p:notes xmlns:a="http://schemas.openxmlformats.org/drawingml/2006/main" xmlns:r="http://schemas.openxmlformats.org/officeDocument/2006/relationships" xmlns:p="http://schemas.openxmlformats.org/presentationml/2006/main" showMasterSp="0" showMasterPhAnim="0">
+  <p:cSld>
+    <p:spTree>
+      <p:nvGrpSpPr>
+        <p:cNvPr id="1" name="Shape 347"/>
+        <p:cNvGrpSpPr/>
+        <p:nvPr/>
+      </p:nvGrpSpPr>
+      <p:grpSpPr>
+        <a:xfrm>
+          <a:off x="0" y="0"/>
+          <a:ext cx="0" cy="0"/>
+          <a:chOff x="0" y="0"/>
+          <a:chExt cx="0" cy="0"/>
+        </a:xfrm>
+      </p:grpSpPr>
+      <p:sp>
+        <p:nvSpPr>
+          <p:cNvPr id="348" name="Google Shape;348;g4c48d0495d_0_0:notes"/>
+          <p:cNvSpPr>
+            <a:spLocks noGrp="1" noRot="1" noChangeAspect="1"/>
+          </p:cNvSpPr>
+          <p:nvPr>
+            <p:ph type="sldImg" idx="2"/>
+          </p:nvPr>
+        </p:nvSpPr>
+        <p:spPr>
+          <a:xfrm>
+            <a:off x="381000" y="685800"/>
+            <a:ext cx="6096000" cy="3429000"/>
+          </a:xfrm>
+          <a:custGeom>
+            <a:avLst/>
+            <a:gdLst/>
+            <a:ahLst/>
+            <a:cxnLst/>
+            <a:rect l="l" t="t" r="r" b="b"/>
+            <a:pathLst>
+              <a:path w="120000" h="120000" extrusionOk="0">
+                <a:moveTo>
+                  <a:pt x="0" y="0"/>
+                </a:moveTo>
+                <a:lnTo>
+                  <a:pt x="120000" y="0"/>
+                </a:lnTo>
+                <a:lnTo>
+                  <a:pt x="120000" y="120000"/>
+                </a:lnTo>
+                <a:lnTo>
+                  <a:pt x="0" y="120000"/>
+                </a:lnTo>
+                <a:close/>
+              </a:path>
+            </a:pathLst>
+          </a:custGeom>
+        </p:spPr>
+      </p:sp>
+      <p:sp>
+        <p:nvSpPr>
+          <p:cNvPr id="349" name="Google Shape;349;g4c48d0495d_0_0:notes"/>
+          <p:cNvSpPr txBox="1">
+            <a:spLocks noGrp="1"/>
+          </p:cNvSpPr>
+          <p:nvPr>
+            <p:ph type="body" idx="1"/>
+          </p:nvPr>
+        </p:nvSpPr>
+        <p:spPr>
+          <a:xfrm>
+            <a:off x="685800" y="4343400"/>
+            <a:ext cx="5486400" cy="4114800"/>
+          </a:xfrm>
+          <a:prstGeom prst="rect">
+            <a:avLst/>
+          </a:prstGeom>
+        </p:spPr>
+        <p:txBody>
+          <a:bodyPr spcFirstLastPara="1" wrap="square" lIns="91425" tIns="91425" rIns="91425" bIns="91425" anchor="t" anchorCtr="0">
+            <a:noAutofit/>
+          </a:bodyPr>
+          <a:lstStyle/>
+          <a:p>
+            <a:pPr marL="0" lvl="0" indent="0" algn="l" rtl="0">
+              <a:spcBef>
+                <a:spcPts val="0"/>
+              </a:spcBef>
+              <a:spcAft>
+                <a:spcPts val="0"/>
+              </a:spcAft>
+              <a:buNone/>
+            </a:pPr>
+            <a:endParaRPr/>
+          </a:p>
+        </p:txBody>
+      </p:sp>
+    </p:spTree>
+    <p:extLst>
+      <p:ext uri="{BB962C8B-B14F-4D97-AF65-F5344CB8AC3E}">
+        <p14:creationId xmlns:p14="http://schemas.microsoft.com/office/powerpoint/2010/main" val="682677888"/>
+      </p:ext>
+    </p:extLst>
   </p:cSld>
   <p:clrMapOvr>
     <a:masterClrMapping/>
@@ -4692,7 +4564,7 @@
     </p:spTree>
     <p:extLst>
       <p:ext uri="{BB962C8B-B14F-4D97-AF65-F5344CB8AC3E}">
-        <p14:creationId xmlns:p14="http://schemas.microsoft.com/office/powerpoint/2010/main" val="682677888"/>
+        <p14:creationId xmlns:p14="http://schemas.microsoft.com/office/powerpoint/2010/main" val="2461369205"/>
       </p:ext>
     </p:extLst>
   </p:cSld>
@@ -4801,7 +4673,7 @@
     </p:spTree>
     <p:extLst>
       <p:ext uri="{BB962C8B-B14F-4D97-AF65-F5344CB8AC3E}">
-        <p14:creationId xmlns:p14="http://schemas.microsoft.com/office/powerpoint/2010/main" val="2461369205"/>
+        <p14:creationId xmlns:p14="http://schemas.microsoft.com/office/powerpoint/2010/main" val="1130180895"/>
       </p:ext>
     </p:extLst>
   </p:cSld>
@@ -4812,6 +4684,115 @@
 </file>
 
 <file path=ppt/notesSlides/notesSlide6.xml><?xml version="1.0" encoding="utf-8"?>
+<p:notes xmlns:a="http://schemas.openxmlformats.org/drawingml/2006/main" xmlns:r="http://schemas.openxmlformats.org/officeDocument/2006/relationships" xmlns:p="http://schemas.openxmlformats.org/presentationml/2006/main" showMasterSp="0" showMasterPhAnim="0">
+  <p:cSld>
+    <p:spTree>
+      <p:nvGrpSpPr>
+        <p:cNvPr id="1" name="Shape 229"/>
+        <p:cNvGrpSpPr/>
+        <p:nvPr/>
+      </p:nvGrpSpPr>
+      <p:grpSpPr>
+        <a:xfrm>
+          <a:off x="0" y="0"/>
+          <a:ext cx="0" cy="0"/>
+          <a:chOff x="0" y="0"/>
+          <a:chExt cx="0" cy="0"/>
+        </a:xfrm>
+      </p:grpSpPr>
+      <p:sp>
+        <p:nvSpPr>
+          <p:cNvPr id="230" name="Google Shape;230;g442eb61d9d_0_37:notes"/>
+          <p:cNvSpPr>
+            <a:spLocks noGrp="1" noRot="1" noChangeAspect="1"/>
+          </p:cNvSpPr>
+          <p:nvPr>
+            <p:ph type="sldImg" idx="2"/>
+          </p:nvPr>
+        </p:nvSpPr>
+        <p:spPr>
+          <a:xfrm>
+            <a:off x="381000" y="685800"/>
+            <a:ext cx="6096000" cy="3429000"/>
+          </a:xfrm>
+          <a:custGeom>
+            <a:avLst/>
+            <a:gdLst/>
+            <a:ahLst/>
+            <a:cxnLst/>
+            <a:rect l="l" t="t" r="r" b="b"/>
+            <a:pathLst>
+              <a:path w="120000" h="120000" extrusionOk="0">
+                <a:moveTo>
+                  <a:pt x="0" y="0"/>
+                </a:moveTo>
+                <a:lnTo>
+                  <a:pt x="120000" y="0"/>
+                </a:lnTo>
+                <a:lnTo>
+                  <a:pt x="120000" y="120000"/>
+                </a:lnTo>
+                <a:lnTo>
+                  <a:pt x="0" y="120000"/>
+                </a:lnTo>
+                <a:close/>
+              </a:path>
+            </a:pathLst>
+          </a:custGeom>
+        </p:spPr>
+      </p:sp>
+      <p:sp>
+        <p:nvSpPr>
+          <p:cNvPr id="231" name="Google Shape;231;g442eb61d9d_0_37:notes"/>
+          <p:cNvSpPr txBox="1">
+            <a:spLocks noGrp="1"/>
+          </p:cNvSpPr>
+          <p:nvPr>
+            <p:ph type="body" idx="1"/>
+          </p:nvPr>
+        </p:nvSpPr>
+        <p:spPr>
+          <a:xfrm>
+            <a:off x="685800" y="4343400"/>
+            <a:ext cx="5486400" cy="4114800"/>
+          </a:xfrm>
+          <a:prstGeom prst="rect">
+            <a:avLst/>
+          </a:prstGeom>
+        </p:spPr>
+        <p:txBody>
+          <a:bodyPr spcFirstLastPara="1" wrap="square" lIns="91425" tIns="91425" rIns="91425" bIns="91425" anchor="t" anchorCtr="0">
+            <a:noAutofit/>
+          </a:bodyPr>
+          <a:lstStyle/>
+          <a:p>
+            <a:pPr marL="0" lvl="0" indent="0" algn="l" rtl="0">
+              <a:spcBef>
+                <a:spcPts val="0"/>
+              </a:spcBef>
+              <a:spcAft>
+                <a:spcPts val="0"/>
+              </a:spcAft>
+              <a:buNone/>
+            </a:pPr>
+            <a:endParaRPr/>
+          </a:p>
+        </p:txBody>
+      </p:sp>
+    </p:spTree>
+    <p:extLst>
+      <p:ext uri="{BB962C8B-B14F-4D97-AF65-F5344CB8AC3E}">
+        <p14:creationId xmlns:p14="http://schemas.microsoft.com/office/powerpoint/2010/main" val="3914152509"/>
+      </p:ext>
+    </p:extLst>
+  </p:cSld>
+  <p:clrMapOvr>
+    <a:masterClrMapping/>
+  </p:clrMapOvr>
+</p:notes>
+</file>
+
+<file path=ppt/notesSlides/notesSlide7.xml><?xml version="1.0" encoding="utf-8"?>
 <p:notes xmlns:a="http://schemas.openxmlformats.org/drawingml/2006/main" xmlns:r="http://schemas.openxmlformats.org/officeDocument/2006/relationships" xmlns:p="http://schemas.openxmlformats.org/presentationml/2006/main" showMasterSp="0" showMasterPhAnim="0">
   <p:cSld>
     <p:spTree>
@@ -4910,116 +4891,7 @@
     </p:spTree>
     <p:extLst>
       <p:ext uri="{BB962C8B-B14F-4D97-AF65-F5344CB8AC3E}">
-        <p14:creationId xmlns:p14="http://schemas.microsoft.com/office/powerpoint/2010/main" val="1130180895"/>
-      </p:ext>
-    </p:extLst>
-  </p:cSld>
-  <p:clrMapOvr>
-    <a:masterClrMapping/>
-  </p:clrMapOvr>
-</p:notes>
-</file>
-
-<file path=ppt/notesSlides/notesSlide7.xml><?xml version="1.0" encoding="utf-8"?>
-<p:notes xmlns:a="http://schemas.openxmlformats.org/drawingml/2006/main" xmlns:r="http://schemas.openxmlformats.org/officeDocument/2006/relationships" xmlns:p="http://schemas.openxmlformats.org/presentationml/2006/main" showMasterSp="0" showMasterPhAnim="0">
-  <p:cSld>
-    <p:spTree>
-      <p:nvGrpSpPr>
-        <p:cNvPr id="1" name="Shape 229"/>
-        <p:cNvGrpSpPr/>
-        <p:nvPr/>
-      </p:nvGrpSpPr>
-      <p:grpSpPr>
-        <a:xfrm>
-          <a:off x="0" y="0"/>
-          <a:ext cx="0" cy="0"/>
-          <a:chOff x="0" y="0"/>
-          <a:chExt cx="0" cy="0"/>
-        </a:xfrm>
-      </p:grpSpPr>
-      <p:sp>
-        <p:nvSpPr>
-          <p:cNvPr id="230" name="Google Shape;230;g442eb61d9d_0_37:notes"/>
-          <p:cNvSpPr>
-            <a:spLocks noGrp="1" noRot="1" noChangeAspect="1"/>
-          </p:cNvSpPr>
-          <p:nvPr>
-            <p:ph type="sldImg" idx="2"/>
-          </p:nvPr>
-        </p:nvSpPr>
-        <p:spPr>
-          <a:xfrm>
-            <a:off x="381000" y="685800"/>
-            <a:ext cx="6096000" cy="3429000"/>
-          </a:xfrm>
-          <a:custGeom>
-            <a:avLst/>
-            <a:gdLst/>
-            <a:ahLst/>
-            <a:cxnLst/>
-            <a:rect l="l" t="t" r="r" b="b"/>
-            <a:pathLst>
-              <a:path w="120000" h="120000" extrusionOk="0">
-                <a:moveTo>
-                  <a:pt x="0" y="0"/>
-                </a:moveTo>
-                <a:lnTo>
-                  <a:pt x="120000" y="0"/>
-                </a:lnTo>
-                <a:lnTo>
-                  <a:pt x="120000" y="120000"/>
-                </a:lnTo>
-                <a:lnTo>
-                  <a:pt x="0" y="120000"/>
-                </a:lnTo>
-                <a:close/>
-              </a:path>
-            </a:pathLst>
-          </a:custGeom>
-        </p:spPr>
-      </p:sp>
-      <p:sp>
-        <p:nvSpPr>
-          <p:cNvPr id="231" name="Google Shape;231;g442eb61d9d_0_37:notes"/>
-          <p:cNvSpPr txBox="1">
-            <a:spLocks noGrp="1"/>
-          </p:cNvSpPr>
-          <p:nvPr>
-            <p:ph type="body" idx="1"/>
-          </p:nvPr>
-        </p:nvSpPr>
-        <p:spPr>
-          <a:xfrm>
-            <a:off x="685800" y="4343400"/>
-            <a:ext cx="5486400" cy="4114800"/>
-          </a:xfrm>
-          <a:prstGeom prst="rect">
-            <a:avLst/>
-          </a:prstGeom>
-        </p:spPr>
-        <p:txBody>
-          <a:bodyPr spcFirstLastPara="1" wrap="square" lIns="91425" tIns="91425" rIns="91425" bIns="91425" anchor="t" anchorCtr="0">
-            <a:noAutofit/>
-          </a:bodyPr>
-          <a:lstStyle/>
-          <a:p>
-            <a:pPr marL="0" lvl="0" indent="0" algn="l" rtl="0">
-              <a:spcBef>
-                <a:spcPts val="0"/>
-              </a:spcBef>
-              <a:spcAft>
-                <a:spcPts val="0"/>
-              </a:spcAft>
-              <a:buNone/>
-            </a:pPr>
-            <a:endParaRPr/>
-          </a:p>
-        </p:txBody>
-      </p:sp>
-    </p:spTree>
-    <p:extLst>
-      <p:ext uri="{BB962C8B-B14F-4D97-AF65-F5344CB8AC3E}">
-        <p14:creationId xmlns:p14="http://schemas.microsoft.com/office/powerpoint/2010/main" val="3914152509"/>
+        <p14:creationId xmlns:p14="http://schemas.microsoft.com/office/powerpoint/2010/main" val="2125992443"/>
       </p:ext>
     </p:extLst>
   </p:cSld>
@@ -5128,7 +5000,7 @@
     </p:spTree>
     <p:extLst>
       <p:ext uri="{BB962C8B-B14F-4D97-AF65-F5344CB8AC3E}">
-        <p14:creationId xmlns:p14="http://schemas.microsoft.com/office/powerpoint/2010/main" val="2125992443"/>
+        <p14:creationId xmlns:p14="http://schemas.microsoft.com/office/powerpoint/2010/main" val="4033672585"/>
       </p:ext>
     </p:extLst>
   </p:cSld>
@@ -5143,7 +5015,7 @@
   <p:cSld>
     <p:spTree>
       <p:nvGrpSpPr>
-        <p:cNvPr id="1" name="Shape 347"/>
+        <p:cNvPr id="1" name="Shape 229"/>
         <p:cNvGrpSpPr/>
         <p:nvPr/>
       </p:nvGrpSpPr>
@@ -5157,7 +5029,7 @@
       </p:grpSpPr>
       <p:sp>
         <p:nvSpPr>
-          <p:cNvPr id="348" name="Google Shape;348;g4c48d0495d_0_0:notes"/>
+          <p:cNvPr id="230" name="Google Shape;230;g442eb61d9d_0_37:notes"/>
           <p:cNvSpPr>
             <a:spLocks noGrp="1" noRot="1" noChangeAspect="1"/>
           </p:cNvSpPr>
@@ -5198,7 +5070,7 @@
       </p:sp>
       <p:sp>
         <p:nvSpPr>
-          <p:cNvPr id="349" name="Google Shape;349;g4c48d0495d_0_0:notes"/>
+          <p:cNvPr id="231" name="Google Shape;231;g442eb61d9d_0_37:notes"/>
           <p:cNvSpPr txBox="1">
             <a:spLocks noGrp="1"/>
           </p:cNvSpPr>
@@ -5237,7 +5109,7 @@
     </p:spTree>
     <p:extLst>
       <p:ext uri="{BB962C8B-B14F-4D97-AF65-F5344CB8AC3E}">
-        <p14:creationId xmlns:p14="http://schemas.microsoft.com/office/powerpoint/2010/main" val="4033672585"/>
+        <p14:creationId xmlns:p14="http://schemas.microsoft.com/office/powerpoint/2010/main" val="1697857641"/>
       </p:ext>
     </p:extLst>
   </p:cSld>
@@ -9402,229 +9274,6 @@
 </file>
 
 <file path=ppt/slideLayouts/slideLayout8.xml><?xml version="1.0" encoding="utf-8"?>
-<p:sldLayout xmlns:a="http://schemas.openxmlformats.org/drawingml/2006/main" xmlns:r="http://schemas.openxmlformats.org/officeDocument/2006/relationships" xmlns:p="http://schemas.openxmlformats.org/presentationml/2006/main" matchingName="Cyan frame 1">
-  <p:cSld name="CUSTOM_1_1_1_1">
-    <p:bg>
-      <p:bgPr>
-        <a:solidFill>
-          <a:schemeClr val="lt1"/>
-        </a:solidFill>
-        <a:effectLst/>
-      </p:bgPr>
-    </p:bg>
-    <p:spTree>
-      <p:nvGrpSpPr>
-        <p:cNvPr id="1" name="Shape 152"/>
-        <p:cNvGrpSpPr/>
-        <p:nvPr/>
-      </p:nvGrpSpPr>
-      <p:grpSpPr>
-        <a:xfrm>
-          <a:off x="0" y="0"/>
-          <a:ext cx="0" cy="0"/>
-          <a:chOff x="0" y="0"/>
-          <a:chExt cx="0" cy="0"/>
-        </a:xfrm>
-      </p:grpSpPr>
-      <p:sp>
-        <p:nvSpPr>
-          <p:cNvPr id="153" name="Google Shape;153;p22"/>
-          <p:cNvSpPr/>
-          <p:nvPr/>
-        </p:nvSpPr>
-        <p:spPr>
-          <a:xfrm>
-            <a:off x="6499859" y="-11150"/>
-            <a:ext cx="2655465" cy="5218800"/>
-          </a:xfrm>
-          <a:prstGeom prst="rect">
-            <a:avLst/>
-          </a:prstGeom>
-          <a:solidFill>
-            <a:schemeClr val="accent1"/>
-          </a:solidFill>
-          <a:ln>
-            <a:noFill/>
-          </a:ln>
-        </p:spPr>
-        <p:txBody>
-          <a:bodyPr spcFirstLastPara="1" wrap="square" lIns="91425" tIns="91425" rIns="91425" bIns="91425" anchor="ctr" anchorCtr="0">
-            <a:noAutofit/>
-          </a:bodyPr>
-          <a:lstStyle/>
-          <a:p>
-            <a:pPr marL="0" lvl="0" indent="0" algn="l" rtl="0">
-              <a:spcBef>
-                <a:spcPts val="0"/>
-              </a:spcBef>
-              <a:spcAft>
-                <a:spcPts val="0"/>
-              </a:spcAft>
-              <a:buNone/>
-            </a:pPr>
-            <a:endParaRPr/>
-          </a:p>
-        </p:txBody>
-      </p:sp>
-      <p:sp>
-        <p:nvSpPr>
-          <p:cNvPr id="154" name="Google Shape;154;p22"/>
-          <p:cNvSpPr txBox="1">
-            <a:spLocks noGrp="1"/>
-          </p:cNvSpPr>
-          <p:nvPr>
-            <p:ph type="sldNum" idx="12"/>
-          </p:nvPr>
-        </p:nvSpPr>
-        <p:spPr>
-          <a:xfrm>
-            <a:off x="8548658" y="4663217"/>
-            <a:ext cx="548700" cy="393600"/>
-          </a:xfrm>
-          <a:prstGeom prst="rect">
-            <a:avLst/>
-          </a:prstGeom>
-        </p:spPr>
-        <p:txBody>
-          <a:bodyPr spcFirstLastPara="1" wrap="square" lIns="91425" tIns="91425" rIns="91425" bIns="91425" anchor="ctr" anchorCtr="0">
-            <a:noAutofit/>
-          </a:bodyPr>
-          <a:lstStyle>
-            <a:lvl1pPr lvl="0" rtl="0">
-              <a:buNone/>
-              <a:defRPr>
-                <a:solidFill>
-                  <a:srgbClr val="D9D9D9"/>
-                </a:solidFill>
-              </a:defRPr>
-            </a:lvl1pPr>
-            <a:lvl2pPr lvl="1" rtl="0">
-              <a:buNone/>
-              <a:defRPr>
-                <a:solidFill>
-                  <a:srgbClr val="D9D9D9"/>
-                </a:solidFill>
-              </a:defRPr>
-            </a:lvl2pPr>
-            <a:lvl3pPr lvl="2" rtl="0">
-              <a:buNone/>
-              <a:defRPr>
-                <a:solidFill>
-                  <a:srgbClr val="D9D9D9"/>
-                </a:solidFill>
-              </a:defRPr>
-            </a:lvl3pPr>
-            <a:lvl4pPr lvl="3" rtl="0">
-              <a:buNone/>
-              <a:defRPr>
-                <a:solidFill>
-                  <a:srgbClr val="D9D9D9"/>
-                </a:solidFill>
-              </a:defRPr>
-            </a:lvl4pPr>
-            <a:lvl5pPr lvl="4" rtl="0">
-              <a:buNone/>
-              <a:defRPr>
-                <a:solidFill>
-                  <a:srgbClr val="D9D9D9"/>
-                </a:solidFill>
-              </a:defRPr>
-            </a:lvl5pPr>
-            <a:lvl6pPr lvl="5" rtl="0">
-              <a:buNone/>
-              <a:defRPr>
-                <a:solidFill>
-                  <a:srgbClr val="D9D9D9"/>
-                </a:solidFill>
-              </a:defRPr>
-            </a:lvl6pPr>
-            <a:lvl7pPr lvl="6" rtl="0">
-              <a:buNone/>
-              <a:defRPr>
-                <a:solidFill>
-                  <a:srgbClr val="D9D9D9"/>
-                </a:solidFill>
-              </a:defRPr>
-            </a:lvl7pPr>
-            <a:lvl8pPr lvl="7" rtl="0">
-              <a:buNone/>
-              <a:defRPr>
-                <a:solidFill>
-                  <a:srgbClr val="D9D9D9"/>
-                </a:solidFill>
-              </a:defRPr>
-            </a:lvl8pPr>
-            <a:lvl9pPr lvl="8" rtl="0">
-              <a:buNone/>
-              <a:defRPr>
-                <a:solidFill>
-                  <a:srgbClr val="D9D9D9"/>
-                </a:solidFill>
-              </a:defRPr>
-            </a:lvl9pPr>
-          </a:lstStyle>
-          <a:p>
-            <a:pPr marL="0" lvl="0" indent="0" algn="l" rtl="0">
-              <a:spcBef>
-                <a:spcPts val="0"/>
-              </a:spcBef>
-              <a:spcAft>
-                <a:spcPts val="0"/>
-              </a:spcAft>
-              <a:buNone/>
-            </a:pPr>
-            <a:endParaRPr/>
-          </a:p>
-          <a:p>
-            <a:pPr marL="0" lvl="0" indent="0" algn="l" rtl="0">
-              <a:spcBef>
-                <a:spcPts val="0"/>
-              </a:spcBef>
-              <a:spcAft>
-                <a:spcPts val="0"/>
-              </a:spcAft>
-              <a:buNone/>
-            </a:pPr>
-            <a:fld id="{00000000-1234-1234-1234-123412341234}" type="slidenum">
-              <a:rPr lang="es" sz="1200">
-                <a:solidFill>
-                  <a:srgbClr val="B7B7B7"/>
-                </a:solidFill>
-                <a:latin typeface="Arvo"/>
-                <a:ea typeface="Arvo"/>
-                <a:cs typeface="Arvo"/>
-                <a:sym typeface="Arvo"/>
-              </a:rPr>
-              <a:t>‹#›</a:t>
-            </a:fld>
-            <a:endParaRPr sz="1200">
-              <a:solidFill>
-                <a:srgbClr val="B7B7B7"/>
-              </a:solidFill>
-              <a:latin typeface="Arvo"/>
-              <a:ea typeface="Arvo"/>
-              <a:cs typeface="Arvo"/>
-              <a:sym typeface="Arvo"/>
-            </a:endParaRPr>
-          </a:p>
-        </p:txBody>
-      </p:sp>
-    </p:spTree>
-  </p:cSld>
-  <p:clrMapOvr>
-    <a:masterClrMapping/>
-  </p:clrMapOvr>
-  <p:timing>
-    <p:tnLst>
-      <p:par>
-        <p:cTn id="1" dur="indefinite" restart="never" nodeType="tmRoot"/>
-      </p:par>
-    </p:tnLst>
-  </p:timing>
-</p:sldLayout>
-</file>
-
-<file path=ppt/slideLayouts/slideLayout9.xml><?xml version="1.0" encoding="utf-8"?>
 <p:sldLayout xmlns:a="http://schemas.openxmlformats.org/drawingml/2006/main" xmlns:r="http://schemas.openxmlformats.org/officeDocument/2006/relationships" xmlns:p="http://schemas.openxmlformats.org/presentationml/2006/main" matchingName="Cyan with title and text  1">
   <p:cSld name="CUSTOM_2_1">
     <p:spTree>
@@ -10128,6 +9777,198 @@
 </p:sldLayout>
 </file>
 
+<file path=ppt/slideLayouts/slideLayout9.xml><?xml version="1.0" encoding="utf-8"?>
+<p:sldLayout xmlns:a="http://schemas.openxmlformats.org/drawingml/2006/main" xmlns:r="http://schemas.openxmlformats.org/officeDocument/2006/relationships" xmlns:p="http://schemas.openxmlformats.org/presentationml/2006/main" type="title">
+  <p:cSld name="Title Slide">
+    <p:spTree>
+      <p:nvGrpSpPr>
+        <p:cNvPr id="1" name=""/>
+        <p:cNvGrpSpPr/>
+        <p:nvPr/>
+      </p:nvGrpSpPr>
+      <p:grpSpPr>
+        <a:xfrm>
+          <a:off x="0" y="0"/>
+          <a:ext cx="0" cy="0"/>
+          <a:chOff x="0" y="0"/>
+          <a:chExt cx="0" cy="0"/>
+        </a:xfrm>
+      </p:grpSpPr>
+      <p:sp>
+        <p:nvSpPr>
+          <p:cNvPr id="2" name="Title 1"/>
+          <p:cNvSpPr>
+            <a:spLocks noGrp="1"/>
+          </p:cNvSpPr>
+          <p:nvPr>
+            <p:ph type="ctrTitle"/>
+          </p:nvPr>
+        </p:nvSpPr>
+        <p:spPr>
+          <a:xfrm>
+            <a:off x="1143000" y="841772"/>
+            <a:ext cx="6858000" cy="1790700"/>
+          </a:xfrm>
+        </p:spPr>
+        <p:txBody>
+          <a:bodyPr anchor="b"/>
+          <a:lstStyle>
+            <a:lvl1pPr algn="ctr">
+              <a:defRPr sz="4500"/>
+            </a:lvl1pPr>
+          </a:lstStyle>
+          <a:p>
+            <a:r>
+              <a:rPr lang="en-US" smtClean="0"/>
+              <a:t>Click to edit Master title style</a:t>
+            </a:r>
+            <a:endParaRPr lang="en-US"/>
+          </a:p>
+        </p:txBody>
+      </p:sp>
+      <p:sp>
+        <p:nvSpPr>
+          <p:cNvPr id="3" name="Subtitle 2"/>
+          <p:cNvSpPr>
+            <a:spLocks noGrp="1"/>
+          </p:cNvSpPr>
+          <p:nvPr>
+            <p:ph type="subTitle" idx="1"/>
+          </p:nvPr>
+        </p:nvSpPr>
+        <p:spPr>
+          <a:xfrm>
+            <a:off x="1143000" y="2701528"/>
+            <a:ext cx="6858000" cy="1241822"/>
+          </a:xfrm>
+        </p:spPr>
+        <p:txBody>
+          <a:bodyPr/>
+          <a:lstStyle>
+            <a:lvl1pPr marL="0" indent="0" algn="ctr">
+              <a:buNone/>
+              <a:defRPr sz="1800"/>
+            </a:lvl1pPr>
+            <a:lvl2pPr marL="342900" indent="0" algn="ctr">
+              <a:buNone/>
+              <a:defRPr sz="1500"/>
+            </a:lvl2pPr>
+            <a:lvl3pPr marL="685800" indent="0" algn="ctr">
+              <a:buNone/>
+              <a:defRPr sz="1350"/>
+            </a:lvl3pPr>
+            <a:lvl4pPr marL="1028700" indent="0" algn="ctr">
+              <a:buNone/>
+              <a:defRPr sz="1200"/>
+            </a:lvl4pPr>
+            <a:lvl5pPr marL="1371600" indent="0" algn="ctr">
+              <a:buNone/>
+              <a:defRPr sz="1200"/>
+            </a:lvl5pPr>
+            <a:lvl6pPr marL="1714500" indent="0" algn="ctr">
+              <a:buNone/>
+              <a:defRPr sz="1200"/>
+            </a:lvl6pPr>
+            <a:lvl7pPr marL="2057400" indent="0" algn="ctr">
+              <a:buNone/>
+              <a:defRPr sz="1200"/>
+            </a:lvl7pPr>
+            <a:lvl8pPr marL="2400300" indent="0" algn="ctr">
+              <a:buNone/>
+              <a:defRPr sz="1200"/>
+            </a:lvl8pPr>
+            <a:lvl9pPr marL="2743200" indent="0" algn="ctr">
+              <a:buNone/>
+              <a:defRPr sz="1200"/>
+            </a:lvl9pPr>
+          </a:lstStyle>
+          <a:p>
+            <a:r>
+              <a:rPr lang="en-US" smtClean="0"/>
+              <a:t>Click to edit Master subtitle style</a:t>
+            </a:r>
+            <a:endParaRPr lang="en-US"/>
+          </a:p>
+        </p:txBody>
+      </p:sp>
+      <p:sp>
+        <p:nvSpPr>
+          <p:cNvPr id="4" name="Date Placeholder 3"/>
+          <p:cNvSpPr>
+            <a:spLocks noGrp="1"/>
+          </p:cNvSpPr>
+          <p:nvPr>
+            <p:ph type="dt" sz="half" idx="10"/>
+          </p:nvPr>
+        </p:nvSpPr>
+        <p:spPr/>
+        <p:txBody>
+          <a:bodyPr/>
+          <a:lstStyle/>
+          <a:p>
+            <a:fld id="{4CB918CC-DAC0-400C-8ED4-048309DB9A6F}" type="datetimeFigureOut">
+              <a:rPr lang="en-US" smtClean="0"/>
+              <a:t>5/23/2020</a:t>
+            </a:fld>
+            <a:endParaRPr lang="en-US"/>
+          </a:p>
+        </p:txBody>
+      </p:sp>
+      <p:sp>
+        <p:nvSpPr>
+          <p:cNvPr id="5" name="Footer Placeholder 4"/>
+          <p:cNvSpPr>
+            <a:spLocks noGrp="1"/>
+          </p:cNvSpPr>
+          <p:nvPr>
+            <p:ph type="ftr" sz="quarter" idx="11"/>
+          </p:nvPr>
+        </p:nvSpPr>
+        <p:spPr/>
+        <p:txBody>
+          <a:bodyPr/>
+          <a:lstStyle/>
+          <a:p>
+            <a:endParaRPr lang="en-US"/>
+          </a:p>
+        </p:txBody>
+      </p:sp>
+      <p:sp>
+        <p:nvSpPr>
+          <p:cNvPr id="6" name="Slide Number Placeholder 5"/>
+          <p:cNvSpPr>
+            <a:spLocks noGrp="1"/>
+          </p:cNvSpPr>
+          <p:nvPr>
+            <p:ph type="sldNum" sz="quarter" idx="12"/>
+          </p:nvPr>
+        </p:nvSpPr>
+        <p:spPr/>
+        <p:txBody>
+          <a:bodyPr/>
+          <a:lstStyle/>
+          <a:p>
+            <a:fld id="{BA62355B-F534-4421-9740-AB35BF66A066}" type="slidenum">
+              <a:rPr lang="en-US" smtClean="0"/>
+              <a:t>‹#›</a:t>
+            </a:fld>
+            <a:endParaRPr lang="en-US"/>
+          </a:p>
+        </p:txBody>
+      </p:sp>
+    </p:spTree>
+    <p:extLst>
+      <p:ext uri="{BB962C8B-B14F-4D97-AF65-F5344CB8AC3E}">
+        <p14:creationId xmlns:p14="http://schemas.microsoft.com/office/powerpoint/2010/main" val="3770163688"/>
+      </p:ext>
+    </p:extLst>
+  </p:cSld>
+  <p:clrMapOvr>
+    <a:masterClrMapping/>
+  </p:clrMapOvr>
+</p:sldLayout>
+</file>
+
 <file path=ppt/slideMasters/slideMaster1.xml><?xml version="1.0" encoding="utf-8"?>
 <p:sldMaster xmlns:a="http://schemas.openxmlformats.org/drawingml/2006/main" xmlns:r="http://schemas.openxmlformats.org/officeDocument/2006/relationships" xmlns:p="http://schemas.openxmlformats.org/presentationml/2006/main">
   <p:cSld name="simple-light-2">
@@ -10801,8 +10642,8 @@
     <p:sldLayoutId id="2147483662" r:id="rId5"/>
     <p:sldLayoutId id="2147483664" r:id="rId6"/>
     <p:sldLayoutId id="2147483665" r:id="rId7"/>
-    <p:sldLayoutId id="2147483668" r:id="rId8"/>
-    <p:sldLayoutId id="2147483670" r:id="rId9"/>
+    <p:sldLayoutId id="2147483670" r:id="rId8"/>
+    <p:sldLayoutId id="2147483676" r:id="rId9"/>
   </p:sldLayoutIdLst>
   <p:hf sldNum="0" hdr="0" ftr="0" dt="0"/>
   <p:txStyles>
@@ -11502,7 +11343,7 @@
   <p:cSld>
     <p:spTree>
       <p:nvGrpSpPr>
-        <p:cNvPr id="1" name="Shape 188"/>
+        <p:cNvPr id="1" name=""/>
         <p:cNvGrpSpPr/>
         <p:nvPr/>
       </p:nvGrpSpPr>
@@ -11514,23 +11355,223 @@
           <a:chExt cx="0" cy="0"/>
         </a:xfrm>
       </p:grpSpPr>
+      <p:sp>
+        <p:nvSpPr>
+          <p:cNvPr id="2" name="Title 1"/>
+          <p:cNvSpPr>
+            <a:spLocks noGrp="1"/>
+          </p:cNvSpPr>
+          <p:nvPr>
+            <p:ph type="ctrTitle"/>
+          </p:nvPr>
+        </p:nvSpPr>
+        <p:spPr>
+          <a:xfrm>
+            <a:off x="404812" y="2719752"/>
+            <a:ext cx="8334375" cy="843643"/>
+          </a:xfrm>
+        </p:spPr>
+        <p:txBody>
+          <a:bodyPr anchor="ctr">
+            <a:normAutofit/>
+          </a:bodyPr>
+          <a:lstStyle/>
+          <a:p>
+            <a:r>
+              <a:rPr lang="en-US" sz="2000">
+                <a:latin typeface="Arial" panose="020B0604020202020204" pitchFamily="34" charset="0"/>
+                <a:cs typeface="Arial" panose="020B0604020202020204" pitchFamily="34" charset="0"/>
+              </a:rPr>
+              <a:t>Đề tài: Phát triển ứng dụng theo dõi và bảo vệ các mẫu điện thoại thông minh của Samsung tại các cửa hàng bán lẻ</a:t>
+            </a:r>
+          </a:p>
+        </p:txBody>
+      </p:sp>
+      <p:pic>
+        <p:nvPicPr>
+          <p:cNvPr id="4" name="Picture 3"/>
+          <p:cNvPicPr>
+            <a:picLocks noChangeAspect="1"/>
+          </p:cNvPicPr>
+          <p:nvPr/>
+        </p:nvPicPr>
+        <p:blipFill>
+          <a:blip r:embed="rId2" cstate="print">
+            <a:extLst>
+              <a:ext uri="{28A0092B-C50C-407E-A947-70E740481C1C}">
+                <a14:useLocalDpi xmlns:a14="http://schemas.microsoft.com/office/drawing/2010/main" val="0"/>
+              </a:ext>
+            </a:extLst>
+          </a:blip>
+          <a:stretch>
+            <a:fillRect/>
+          </a:stretch>
+        </p:blipFill>
+        <p:spPr>
+          <a:xfrm>
+            <a:off x="4062123" y="1005772"/>
+            <a:ext cx="1019754" cy="971194"/>
+          </a:xfrm>
+          <a:prstGeom prst="rect">
+            <a:avLst/>
+          </a:prstGeom>
+        </p:spPr>
+      </p:pic>
+      <p:sp>
+        <p:nvSpPr>
+          <p:cNvPr id="7" name="TextBox 6"/>
+          <p:cNvSpPr txBox="1"/>
+          <p:nvPr/>
+        </p:nvSpPr>
+        <p:spPr>
+          <a:xfrm>
+            <a:off x="365197" y="126548"/>
+            <a:ext cx="8413606" cy="707886"/>
+          </a:xfrm>
+          <a:prstGeom prst="rect">
+            <a:avLst/>
+          </a:prstGeom>
+          <a:noFill/>
+        </p:spPr>
+        <p:txBody>
+          <a:bodyPr wrap="square" rtlCol="0">
+            <a:spAutoFit/>
+          </a:bodyPr>
+          <a:lstStyle/>
+          <a:p>
+            <a:pPr algn="ctr"/>
+            <a:r>
+              <a:rPr lang="en-US" sz="2000" dirty="0">
+                <a:solidFill>
+                  <a:srgbClr val="0073BA"/>
+                </a:solidFill>
+                <a:latin typeface="Arial" panose="020B0604020202020204" pitchFamily="34" charset="0"/>
+                <a:cs typeface="Arial" panose="020B0604020202020204" pitchFamily="34" charset="0"/>
+              </a:rPr>
+              <a:t>TRƯỜNG ĐẠI HỌC CÔNG NGHỆ THÔNG TIN VÀ TRUYỀN THÔNG</a:t>
+            </a:r>
+          </a:p>
+          <a:p>
+            <a:pPr algn="ctr"/>
+            <a:r>
+              <a:rPr lang="en-US" sz="2000" b="1" dirty="0">
+                <a:solidFill>
+                  <a:srgbClr val="0073BA"/>
+                </a:solidFill>
+                <a:latin typeface="Arial" panose="020B0604020202020204" pitchFamily="34" charset="0"/>
+                <a:cs typeface="Arial" panose="020B0604020202020204" pitchFamily="34" charset="0"/>
+              </a:rPr>
+              <a:t>KHOA CÔNG NGHỆ </a:t>
+            </a:r>
+            <a:r>
+              <a:rPr lang="en-US" sz="2000" b="1">
+                <a:solidFill>
+                  <a:srgbClr val="0073BA"/>
+                </a:solidFill>
+                <a:latin typeface="Arial" panose="020B0604020202020204" pitchFamily="34" charset="0"/>
+                <a:cs typeface="Arial" panose="020B0604020202020204" pitchFamily="34" charset="0"/>
+              </a:rPr>
+              <a:t>THÔNG TIN</a:t>
+            </a:r>
+            <a:endParaRPr lang="en-US" sz="2000" dirty="0">
+              <a:solidFill>
+                <a:srgbClr val="0073BA"/>
+              </a:solidFill>
+              <a:latin typeface="Arial" panose="020B0604020202020204" pitchFamily="34" charset="0"/>
+              <a:cs typeface="Arial" panose="020B0604020202020204" pitchFamily="34" charset="0"/>
+            </a:endParaRPr>
+          </a:p>
+        </p:txBody>
+      </p:sp>
+      <p:sp>
+        <p:nvSpPr>
+          <p:cNvPr id="5" name="TextBox 4"/>
+          <p:cNvSpPr txBox="1"/>
+          <p:nvPr/>
+        </p:nvSpPr>
+        <p:spPr>
+          <a:xfrm>
+            <a:off x="2028676" y="2148304"/>
+            <a:ext cx="5086649" cy="400110"/>
+          </a:xfrm>
+          <a:prstGeom prst="rect">
+            <a:avLst/>
+          </a:prstGeom>
+          <a:noFill/>
+        </p:spPr>
+        <p:txBody>
+          <a:bodyPr wrap="none" rtlCol="0">
+            <a:spAutoFit/>
+          </a:bodyPr>
+          <a:lstStyle/>
+          <a:p>
+            <a:r>
+              <a:rPr lang="en-US" sz="2000" b="1">
+                <a:solidFill>
+                  <a:srgbClr val="FF0000"/>
+                </a:solidFill>
+                <a:latin typeface="Arial" panose="020B0604020202020204" pitchFamily="34" charset="0"/>
+                <a:cs typeface="Arial" panose="020B0604020202020204" pitchFamily="34" charset="0"/>
+              </a:rPr>
+              <a:t>BÁO </a:t>
+            </a:r>
+            <a:r>
+              <a:rPr lang="en-US" sz="2000" b="1" smtClean="0">
+                <a:solidFill>
+                  <a:srgbClr val="FF0000"/>
+                </a:solidFill>
+                <a:latin typeface="Arial" panose="020B0604020202020204" pitchFamily="34" charset="0"/>
+                <a:cs typeface="Arial" panose="020B0604020202020204" pitchFamily="34" charset="0"/>
+              </a:rPr>
+              <a:t>CÁO ĐỒ </a:t>
+            </a:r>
+            <a:r>
+              <a:rPr lang="en-US" sz="2000" b="1">
+                <a:solidFill>
+                  <a:srgbClr val="FF0000"/>
+                </a:solidFill>
+                <a:latin typeface="Arial" panose="020B0604020202020204" pitchFamily="34" charset="0"/>
+                <a:cs typeface="Arial" panose="020B0604020202020204" pitchFamily="34" charset="0"/>
+              </a:rPr>
+              <a:t>ÁN TỐT NGHIỆP ĐẠI </a:t>
+            </a:r>
+            <a:r>
+              <a:rPr lang="en-US" sz="2000" b="1" smtClean="0">
+                <a:solidFill>
+                  <a:srgbClr val="FF0000"/>
+                </a:solidFill>
+                <a:latin typeface="Arial" panose="020B0604020202020204" pitchFamily="34" charset="0"/>
+                <a:cs typeface="Arial" panose="020B0604020202020204" pitchFamily="34" charset="0"/>
+              </a:rPr>
+              <a:t>HỌC</a:t>
+            </a:r>
+            <a:endParaRPr lang="en-US" sz="2000" b="1">
+              <a:solidFill>
+                <a:srgbClr val="FF0000"/>
+              </a:solidFill>
+              <a:latin typeface="Arial" panose="020B0604020202020204" pitchFamily="34" charset="0"/>
+              <a:cs typeface="Arial" panose="020B0604020202020204" pitchFamily="34" charset="0"/>
+            </a:endParaRPr>
+          </a:p>
+        </p:txBody>
+      </p:sp>
       <p:graphicFrame>
         <p:nvGraphicFramePr>
-          <p:cNvPr id="2" name="Table 1"/>
+          <p:cNvPr id="8" name="Table 7"/>
           <p:cNvGraphicFramePr>
             <a:graphicFrameLocks noGrp="1"/>
           </p:cNvGraphicFramePr>
           <p:nvPr>
             <p:extLst>
               <p:ext uri="{D42A27DB-BD31-4B8C-83A1-F6EECF244321}">
-                <p14:modId xmlns:p14="http://schemas.microsoft.com/office/powerpoint/2010/main" val="1886481663"/>
+                <p14:modId xmlns:p14="http://schemas.microsoft.com/office/powerpoint/2010/main" val="2340785920"/>
               </p:ext>
             </p:extLst>
           </p:nvPr>
         </p:nvGraphicFramePr>
         <p:xfrm>
-          <a:off x="4040294" y="3459952"/>
-          <a:ext cx="4551680" cy="1112520"/>
+          <a:off x="5172075" y="4030980"/>
+          <a:ext cx="3971926" cy="1112520"/>
         </p:xfrm>
         <a:graphic>
           <a:graphicData uri="http://schemas.openxmlformats.org/drawingml/2006/table">
@@ -11539,14 +11580,14 @@
                 <a:tableStyleId>{42527AF5-B3F3-4F1F-8AE7-FB8303C8720E}</a:tableStyleId>
               </a:tblPr>
               <a:tblGrid>
-                <a:gridCol w="1678427">
+                <a:gridCol w="1464643">
                   <a:extLst>
                     <a:ext uri="{9D8B030D-6E8A-4147-A177-3AD203B41FA5}">
                       <a16:colId xmlns:a16="http://schemas.microsoft.com/office/drawing/2014/main" val="2626818721"/>
                     </a:ext>
                   </a:extLst>
                 </a:gridCol>
-                <a:gridCol w="2873253">
+                <a:gridCol w="2507283">
                   <a:extLst>
                     <a:ext uri="{9D8B030D-6E8A-4147-A177-3AD203B41FA5}">
                       <a16:colId xmlns:a16="http://schemas.microsoft.com/office/drawing/2014/main" val="2445734033"/>
@@ -11561,12 +11602,18 @@
                     <a:lstStyle/>
                     <a:p>
                       <a:r>
-                        <a:rPr lang="en-US" sz="1800" smtClean="0">
+                        <a:rPr lang="en-US" sz="1800" b="1" smtClean="0">
+                          <a:solidFill>
+                            <a:srgbClr val="010F2B"/>
+                          </a:solidFill>
                           <a:latin typeface="+mj-lt"/>
                         </a:rPr>
-                        <a:t>Sinh viên:</a:t>
+                        <a:t>SV</a:t>
                       </a:r>
-                      <a:endParaRPr lang="en-US" sz="1800">
+                      <a:endParaRPr lang="en-US" sz="1800" b="1">
+                        <a:solidFill>
+                          <a:srgbClr val="010F2B"/>
+                        </a:solidFill>
                         <a:latin typeface="+mj-lt"/>
                       </a:endParaRPr>
                     </a:p>
@@ -11686,12 +11733,18 @@
                     <a:lstStyle/>
                     <a:p>
                       <a:r>
-                        <a:rPr lang="en-US" sz="1800" smtClean="0">
+                        <a:rPr lang="en-US" sz="1800" b="1" smtClean="0">
+                          <a:solidFill>
+                            <a:srgbClr val="010F2B"/>
+                          </a:solidFill>
                           <a:latin typeface="+mj-lt"/>
                         </a:rPr>
                         <a:t>Lớp</a:t>
                       </a:r>
-                      <a:endParaRPr lang="en-US" sz="1800">
+                      <a:endParaRPr lang="en-US" sz="1800" b="1">
+                        <a:solidFill>
+                          <a:srgbClr val="010F2B"/>
+                        </a:solidFill>
                         <a:latin typeface="+mj-lt"/>
                       </a:endParaRPr>
                     </a:p>
@@ -11805,18 +11858,18 @@
                     <a:lstStyle/>
                     <a:p>
                       <a:r>
-                        <a:rPr lang="en-US" sz="1800" smtClean="0">
+                        <a:rPr lang="en-US" sz="1800" b="1" smtClean="0">
+                          <a:solidFill>
+                            <a:srgbClr val="010F2B"/>
+                          </a:solidFill>
                           <a:latin typeface="+mj-lt"/>
                         </a:rPr>
-                        <a:t>Gv</a:t>
+                        <a:t>GVHD</a:t>
                       </a:r>
-                      <a:r>
-                        <a:rPr lang="en-US" sz="1800" baseline="0" smtClean="0">
-                          <a:latin typeface="+mj-lt"/>
-                        </a:rPr>
-                        <a:t> hướng dẫn</a:t>
-                      </a:r>
-                      <a:endParaRPr lang="en-US" sz="1800">
+                      <a:endParaRPr lang="en-US" sz="1800" b="1">
+                        <a:solidFill>
+                          <a:srgbClr val="010F2B"/>
+                        </a:solidFill>
                         <a:latin typeface="+mj-lt"/>
                       </a:endParaRPr>
                     </a:p>
@@ -11933,87 +11986,18 @@
           </a:graphicData>
         </a:graphic>
       </p:graphicFrame>
-      <p:sp>
-        <p:nvSpPr>
-          <p:cNvPr id="4" name="TextBox 3"/>
-          <p:cNvSpPr txBox="1"/>
-          <p:nvPr/>
-        </p:nvSpPr>
-        <p:spPr>
-          <a:xfrm>
-            <a:off x="741218" y="581891"/>
-            <a:ext cx="7543800" cy="1200329"/>
-          </a:xfrm>
-          <a:prstGeom prst="rect">
-            <a:avLst/>
-          </a:prstGeom>
-          <a:noFill/>
-        </p:spPr>
-        <p:txBody>
-          <a:bodyPr wrap="square" rtlCol="0">
-            <a:spAutoFit/>
-          </a:bodyPr>
-          <a:lstStyle/>
-          <a:p>
-            <a:pPr algn="ctr"/>
-            <a:r>
-              <a:rPr lang="en-US" sz="2400" b="1"/>
-              <a:t>Phát triển ứng dụng theo dõi và bảo vệ các mẫu điện thoại thông minh của Samsung tại các cửa hàng bán lẻ</a:t>
-            </a:r>
-          </a:p>
-        </p:txBody>
-      </p:sp>
-      <p:sp>
-        <p:nvSpPr>
-          <p:cNvPr id="6" name="Google Shape;10;p2"/>
-          <p:cNvSpPr/>
-          <p:nvPr/>
-        </p:nvSpPr>
-        <p:spPr>
-          <a:xfrm>
-            <a:off x="949348" y="1782220"/>
-            <a:ext cx="7176342" cy="48255"/>
-          </a:xfrm>
-          <a:prstGeom prst="rect">
-            <a:avLst/>
-          </a:prstGeom>
-          <a:solidFill>
-            <a:schemeClr val="accent1"/>
-          </a:solidFill>
-          <a:ln>
-            <a:noFill/>
-          </a:ln>
-        </p:spPr>
-        <p:txBody>
-          <a:bodyPr spcFirstLastPara="1" wrap="square" lIns="91425" tIns="91425" rIns="91425" bIns="91425" anchor="ctr" anchorCtr="0">
-            <a:noAutofit/>
-          </a:bodyPr>
-          <a:lstStyle/>
-          <a:p>
-            <a:pPr marL="0" lvl="0" indent="0" algn="l" rtl="0">
-              <a:spcBef>
-                <a:spcPts val="0"/>
-              </a:spcBef>
-              <a:spcAft>
-                <a:spcPts val="0"/>
-              </a:spcAft>
-              <a:buNone/>
-            </a:pPr>
-            <a:endParaRPr>
-              <a:solidFill>
-                <a:srgbClr val="434343"/>
-              </a:solidFill>
-            </a:endParaRPr>
-          </a:p>
-        </p:txBody>
-      </p:sp>
     </p:spTree>
+    <p:extLst>
+      <p:ext uri="{BB962C8B-B14F-4D97-AF65-F5344CB8AC3E}">
+        <p14:creationId xmlns:p14="http://schemas.microsoft.com/office/powerpoint/2010/main" val="4021576479"/>
+      </p:ext>
+    </p:extLst>
   </p:cSld>
   <p:clrMapOvr>
     <a:masterClrMapping/>
   </p:clrMapOvr>
   <p:transition spd="slow">
-    <p:wipe/>
+    <p:wipe dir="r"/>
   </p:transition>
   <p:timing>
     <p:tnLst>
@@ -12315,7 +12299,7 @@
           <a:graphicData uri="http://schemas.openxmlformats.org/presentationml/2006/ole">
             <mc:AlternateContent xmlns:mc="http://schemas.openxmlformats.org/markup-compatibility/2006">
               <mc:Choice xmlns:v="urn:schemas-microsoft-com:vml" Requires="v">
-                <p:oleObj spid="_x0000_s2074" r:id="rId4" imgW="3078360" imgH="6754320" progId="">
+                <p:oleObj spid="_x0000_s2082" r:id="rId4" imgW="3078360" imgH="6754320" progId="">
                   <p:embed/>
                 </p:oleObj>
               </mc:Choice>
@@ -12523,7 +12507,7 @@
           <a:graphicData uri="http://schemas.openxmlformats.org/presentationml/2006/ole">
             <mc:AlternateContent xmlns:mc="http://schemas.openxmlformats.org/markup-compatibility/2006">
               <mc:Choice xmlns:v="urn:schemas-microsoft-com:vml" Requires="v">
-                <p:oleObj spid="_x0000_s1051" r:id="rId4" imgW="3078360" imgH="6754320" progId="">
+                <p:oleObj spid="_x0000_s1059" r:id="rId4" imgW="3078360" imgH="6754320" progId="">
                   <p:embed/>
                 </p:oleObj>
               </mc:Choice>
